--- a/Meditech.pptx
+++ b/Meditech.pptx
@@ -2,11 +2,19 @@
 <file path=ppt/presentation.xml><?xml version="1.0" encoding="utf-8"?>
 <p:presentation xmlns:a="http://schemas.openxmlformats.org/drawingml/2006/main" xmlns:r="http://schemas.openxmlformats.org/officeDocument/2006/relationships" xmlns:p="http://schemas.openxmlformats.org/presentationml/2006/main" saveSubsetFonts="1">
   <p:sldMasterIdLst>
-    <p:sldMasterId id="2147483648" r:id="rId1"/>
+    <p:sldMasterId id="2147483678" r:id="rId1"/>
   </p:sldMasterIdLst>
   <p:sldIdLst>
     <p:sldId id="256" r:id="rId2"/>
     <p:sldId id="257" r:id="rId3"/>
+    <p:sldId id="258" r:id="rId4"/>
+    <p:sldId id="259" r:id="rId5"/>
+    <p:sldId id="260" r:id="rId6"/>
+    <p:sldId id="261" r:id="rId7"/>
+    <p:sldId id="262" r:id="rId8"/>
+    <p:sldId id="263" r:id="rId9"/>
+    <p:sldId id="264" r:id="rId10"/>
+    <p:sldId id="265" r:id="rId11"/>
   </p:sldIdLst>
   <p:sldSz cx="12192000" cy="6858000"/>
   <p:notesSz cx="6858000" cy="9144000"/>
@@ -14,7 +22,7 @@
     <a:defPPr>
       <a:defRPr lang="en-US"/>
     </a:defPPr>
-    <a:lvl1pPr marL="0" algn="l" defTabSz="914400" rtl="0" eaLnBrk="1" latinLnBrk="0" hangingPunct="1">
+    <a:lvl1pPr marL="0" algn="l" defTabSz="457200" rtl="0" eaLnBrk="1" latinLnBrk="0" hangingPunct="1">
       <a:defRPr sz="1800" kern="1200">
         <a:solidFill>
           <a:schemeClr val="tx1"/>
@@ -24,7 +32,7 @@
         <a:cs typeface="+mn-cs"/>
       </a:defRPr>
     </a:lvl1pPr>
-    <a:lvl2pPr marL="457200" algn="l" defTabSz="914400" rtl="0" eaLnBrk="1" latinLnBrk="0" hangingPunct="1">
+    <a:lvl2pPr marL="457200" algn="l" defTabSz="457200" rtl="0" eaLnBrk="1" latinLnBrk="0" hangingPunct="1">
       <a:defRPr sz="1800" kern="1200">
         <a:solidFill>
           <a:schemeClr val="tx1"/>
@@ -34,7 +42,7 @@
         <a:cs typeface="+mn-cs"/>
       </a:defRPr>
     </a:lvl2pPr>
-    <a:lvl3pPr marL="914400" algn="l" defTabSz="914400" rtl="0" eaLnBrk="1" latinLnBrk="0" hangingPunct="1">
+    <a:lvl3pPr marL="914400" algn="l" defTabSz="457200" rtl="0" eaLnBrk="1" latinLnBrk="0" hangingPunct="1">
       <a:defRPr sz="1800" kern="1200">
         <a:solidFill>
           <a:schemeClr val="tx1"/>
@@ -44,7 +52,7 @@
         <a:cs typeface="+mn-cs"/>
       </a:defRPr>
     </a:lvl3pPr>
-    <a:lvl4pPr marL="1371600" algn="l" defTabSz="914400" rtl="0" eaLnBrk="1" latinLnBrk="0" hangingPunct="1">
+    <a:lvl4pPr marL="1371600" algn="l" defTabSz="457200" rtl="0" eaLnBrk="1" latinLnBrk="0" hangingPunct="1">
       <a:defRPr sz="1800" kern="1200">
         <a:solidFill>
           <a:schemeClr val="tx1"/>
@@ -54,7 +62,7 @@
         <a:cs typeface="+mn-cs"/>
       </a:defRPr>
     </a:lvl4pPr>
-    <a:lvl5pPr marL="1828800" algn="l" defTabSz="914400" rtl="0" eaLnBrk="1" latinLnBrk="0" hangingPunct="1">
+    <a:lvl5pPr marL="1828800" algn="l" defTabSz="457200" rtl="0" eaLnBrk="1" latinLnBrk="0" hangingPunct="1">
       <a:defRPr sz="1800" kern="1200">
         <a:solidFill>
           <a:schemeClr val="tx1"/>
@@ -64,7 +72,7 @@
         <a:cs typeface="+mn-cs"/>
       </a:defRPr>
     </a:lvl5pPr>
-    <a:lvl6pPr marL="2286000" algn="l" defTabSz="914400" rtl="0" eaLnBrk="1" latinLnBrk="0" hangingPunct="1">
+    <a:lvl6pPr marL="2286000" algn="l" defTabSz="457200" rtl="0" eaLnBrk="1" latinLnBrk="0" hangingPunct="1">
       <a:defRPr sz="1800" kern="1200">
         <a:solidFill>
           <a:schemeClr val="tx1"/>
@@ -74,7 +82,7 @@
         <a:cs typeface="+mn-cs"/>
       </a:defRPr>
     </a:lvl6pPr>
-    <a:lvl7pPr marL="2743200" algn="l" defTabSz="914400" rtl="0" eaLnBrk="1" latinLnBrk="0" hangingPunct="1">
+    <a:lvl7pPr marL="2743200" algn="l" defTabSz="457200" rtl="0" eaLnBrk="1" latinLnBrk="0" hangingPunct="1">
       <a:defRPr sz="1800" kern="1200">
         <a:solidFill>
           <a:schemeClr val="tx1"/>
@@ -84,7 +92,7 @@
         <a:cs typeface="+mn-cs"/>
       </a:defRPr>
     </a:lvl7pPr>
-    <a:lvl8pPr marL="3200400" algn="l" defTabSz="914400" rtl="0" eaLnBrk="1" latinLnBrk="0" hangingPunct="1">
+    <a:lvl8pPr marL="3200400" algn="l" defTabSz="457200" rtl="0" eaLnBrk="1" latinLnBrk="0" hangingPunct="1">
       <a:defRPr sz="1800" kern="1200">
         <a:solidFill>
           <a:schemeClr val="tx1"/>
@@ -94,7 +102,7 @@
         <a:cs typeface="+mn-cs"/>
       </a:defRPr>
     </a:lvl8pPr>
-    <a:lvl9pPr marL="3657600" algn="l" defTabSz="914400" rtl="0" eaLnBrk="1" latinLnBrk="0" hangingPunct="1">
+    <a:lvl9pPr marL="3657600" algn="l" defTabSz="457200" rtl="0" eaLnBrk="1" latinLnBrk="0" hangingPunct="1">
       <a:defRPr sz="1800" kern="1200">
         <a:solidFill>
           <a:schemeClr val="tx1"/>
@@ -105,11 +113,16 @@
       </a:defRPr>
     </a:lvl9pPr>
   </p:defaultTextStyle>
+  <p:extLst>
+    <p:ext uri="{EFAFB233-063F-42B5-8137-9DF3F51BA10A}">
+      <p15:sldGuideLst xmlns:p15="http://schemas.microsoft.com/office/powerpoint/2012/main"/>
+    </p:ext>
+  </p:extLst>
 </p:presentation>
 </file>
 
 <file path=ppt/slideLayouts/slideLayout1.xml><?xml version="1.0" encoding="utf-8"?>
-<p:sldLayout xmlns:a="http://schemas.openxmlformats.org/drawingml/2006/main" xmlns:r="http://schemas.openxmlformats.org/officeDocument/2006/relationships" xmlns:p="http://schemas.openxmlformats.org/presentationml/2006/main" type="title" preserve="1">
+<p:sldLayout xmlns:a="http://schemas.openxmlformats.org/drawingml/2006/main" xmlns:r="http://schemas.openxmlformats.org/officeDocument/2006/relationships" xmlns:p="http://schemas.openxmlformats.org/presentationml/2006/main" showMasterSp="0" type="title" preserve="1">
   <p:cSld name="Title Slide">
     <p:spTree>
       <p:nvGrpSpPr>
@@ -125,15 +138,322 @@
           <a:chExt cx="0" cy="0"/>
         </a:xfrm>
       </p:grpSpPr>
-      <p:sp>
-        <p:nvSpPr>
-          <p:cNvPr id="2" name="Title 1">
-            <a:extLst>
-              <a:ext uri="{FF2B5EF4-FFF2-40B4-BE49-F238E27FC236}">
-                <a16:creationId xmlns:a16="http://schemas.microsoft.com/office/drawing/2014/main" id="{5C93A2BA-3A6A-484F-8CEA-0E51A6D771B6}"/>
-              </a:ext>
-            </a:extLst>
-          </p:cNvPr>
+      <p:grpSp>
+        <p:nvGrpSpPr>
+          <p:cNvPr id="19" name="Group 18"/>
+          <p:cNvGrpSpPr/>
+          <p:nvPr/>
+        </p:nvGrpSpPr>
+        <p:grpSpPr>
+          <a:xfrm>
+            <a:off x="546100" y="-4763"/>
+            <a:ext cx="5014912" cy="6862763"/>
+            <a:chOff x="2928938" y="-4763"/>
+            <a:chExt cx="5014912" cy="6862763"/>
+          </a:xfrm>
+        </p:grpSpPr>
+        <p:sp>
+          <p:nvSpPr>
+            <p:cNvPr id="22" name="Freeform 6"/>
+            <p:cNvSpPr/>
+            <p:nvPr/>
+          </p:nvSpPr>
+          <p:spPr bwMode="auto">
+            <a:xfrm>
+              <a:off x="3367088" y="-4763"/>
+              <a:ext cx="1063625" cy="2782888"/>
+            </a:xfrm>
+            <a:custGeom>
+              <a:avLst/>
+              <a:gdLst/>
+              <a:ahLst/>
+              <a:cxnLst/>
+              <a:rect l="0" t="0" r="r" b="b"/>
+              <a:pathLst>
+                <a:path w="670" h="1753">
+                  <a:moveTo>
+                    <a:pt x="0" y="1696"/>
+                  </a:moveTo>
+                  <a:lnTo>
+                    <a:pt x="225" y="1753"/>
+                  </a:lnTo>
+                  <a:lnTo>
+                    <a:pt x="670" y="0"/>
+                  </a:lnTo>
+                  <a:lnTo>
+                    <a:pt x="430" y="0"/>
+                  </a:lnTo>
+                  <a:lnTo>
+                    <a:pt x="0" y="1696"/>
+                  </a:lnTo>
+                  <a:close/>
+                </a:path>
+              </a:pathLst>
+            </a:custGeom>
+            <a:solidFill>
+              <a:schemeClr val="accent1"/>
+            </a:solidFill>
+            <a:ln>
+              <a:noFill/>
+            </a:ln>
+          </p:spPr>
+        </p:sp>
+        <p:sp>
+          <p:nvSpPr>
+            <p:cNvPr id="23" name="Freeform 7"/>
+            <p:cNvSpPr/>
+            <p:nvPr/>
+          </p:nvSpPr>
+          <p:spPr bwMode="auto">
+            <a:xfrm>
+              <a:off x="2928938" y="-4763"/>
+              <a:ext cx="1035050" cy="2673350"/>
+            </a:xfrm>
+            <a:custGeom>
+              <a:avLst/>
+              <a:gdLst/>
+              <a:ahLst/>
+              <a:cxnLst/>
+              <a:rect l="0" t="0" r="r" b="b"/>
+              <a:pathLst>
+                <a:path w="652" h="1684">
+                  <a:moveTo>
+                    <a:pt x="225" y="1684"/>
+                  </a:moveTo>
+                  <a:lnTo>
+                    <a:pt x="652" y="0"/>
+                  </a:lnTo>
+                  <a:lnTo>
+                    <a:pt x="411" y="0"/>
+                  </a:lnTo>
+                  <a:lnTo>
+                    <a:pt x="0" y="1627"/>
+                  </a:lnTo>
+                  <a:lnTo>
+                    <a:pt x="219" y="1681"/>
+                  </a:lnTo>
+                  <a:lnTo>
+                    <a:pt x="225" y="1684"/>
+                  </a:lnTo>
+                  <a:close/>
+                </a:path>
+              </a:pathLst>
+            </a:custGeom>
+            <a:solidFill>
+              <a:schemeClr val="tx1">
+                <a:lumMod val="65000"/>
+                <a:lumOff val="35000"/>
+              </a:schemeClr>
+            </a:solidFill>
+            <a:ln>
+              <a:noFill/>
+            </a:ln>
+          </p:spPr>
+        </p:sp>
+        <p:sp>
+          <p:nvSpPr>
+            <p:cNvPr id="24" name="Freeform 9"/>
+            <p:cNvSpPr/>
+            <p:nvPr/>
+          </p:nvSpPr>
+          <p:spPr bwMode="auto">
+            <a:xfrm>
+              <a:off x="2928938" y="2582862"/>
+              <a:ext cx="2693987" cy="4275138"/>
+            </a:xfrm>
+            <a:custGeom>
+              <a:avLst/>
+              <a:gdLst/>
+              <a:ahLst/>
+              <a:cxnLst/>
+              <a:rect l="0" t="0" r="r" b="b"/>
+              <a:pathLst>
+                <a:path w="1697" h="2693">
+                  <a:moveTo>
+                    <a:pt x="0" y="0"/>
+                  </a:moveTo>
+                  <a:lnTo>
+                    <a:pt x="1622" y="2693"/>
+                  </a:lnTo>
+                  <a:lnTo>
+                    <a:pt x="1697" y="2693"/>
+                  </a:lnTo>
+                  <a:lnTo>
+                    <a:pt x="0" y="0"/>
+                  </a:lnTo>
+                  <a:close/>
+                </a:path>
+              </a:pathLst>
+            </a:custGeom>
+            <a:solidFill>
+              <a:schemeClr val="tx1">
+                <a:lumMod val="85000"/>
+                <a:lumOff val="15000"/>
+              </a:schemeClr>
+            </a:solidFill>
+            <a:ln>
+              <a:noFill/>
+            </a:ln>
+          </p:spPr>
+        </p:sp>
+        <p:sp>
+          <p:nvSpPr>
+            <p:cNvPr id="25" name="Freeform 10"/>
+            <p:cNvSpPr/>
+            <p:nvPr/>
+          </p:nvSpPr>
+          <p:spPr bwMode="auto">
+            <a:xfrm>
+              <a:off x="3371850" y="2692400"/>
+              <a:ext cx="3332162" cy="4165600"/>
+            </a:xfrm>
+            <a:custGeom>
+              <a:avLst/>
+              <a:gdLst/>
+              <a:ahLst/>
+              <a:cxnLst/>
+              <a:rect l="0" t="0" r="r" b="b"/>
+              <a:pathLst>
+                <a:path w="2099" h="2624">
+                  <a:moveTo>
+                    <a:pt x="2099" y="2624"/>
+                  </a:moveTo>
+                  <a:lnTo>
+                    <a:pt x="0" y="0"/>
+                  </a:lnTo>
+                  <a:lnTo>
+                    <a:pt x="2021" y="2624"/>
+                  </a:lnTo>
+                  <a:lnTo>
+                    <a:pt x="2099" y="2624"/>
+                  </a:lnTo>
+                  <a:close/>
+                </a:path>
+              </a:pathLst>
+            </a:custGeom>
+            <a:solidFill>
+              <a:schemeClr val="accent1">
+                <a:lumMod val="50000"/>
+              </a:schemeClr>
+            </a:solidFill>
+            <a:ln>
+              <a:noFill/>
+            </a:ln>
+          </p:spPr>
+        </p:sp>
+        <p:sp>
+          <p:nvSpPr>
+            <p:cNvPr id="26" name="Freeform 11"/>
+            <p:cNvSpPr/>
+            <p:nvPr/>
+          </p:nvSpPr>
+          <p:spPr bwMode="auto">
+            <a:xfrm>
+              <a:off x="3367088" y="2687637"/>
+              <a:ext cx="4576762" cy="4170363"/>
+            </a:xfrm>
+            <a:custGeom>
+              <a:avLst/>
+              <a:gdLst/>
+              <a:ahLst/>
+              <a:cxnLst/>
+              <a:rect l="0" t="0" r="r" b="b"/>
+              <a:pathLst>
+                <a:path w="2883" h="2627">
+                  <a:moveTo>
+                    <a:pt x="0" y="0"/>
+                  </a:moveTo>
+                  <a:lnTo>
+                    <a:pt x="3" y="3"/>
+                  </a:lnTo>
+                  <a:lnTo>
+                    <a:pt x="2102" y="2627"/>
+                  </a:lnTo>
+                  <a:lnTo>
+                    <a:pt x="2883" y="2627"/>
+                  </a:lnTo>
+                  <a:lnTo>
+                    <a:pt x="225" y="57"/>
+                  </a:lnTo>
+                  <a:lnTo>
+                    <a:pt x="0" y="0"/>
+                  </a:lnTo>
+                  <a:close/>
+                </a:path>
+              </a:pathLst>
+            </a:custGeom>
+            <a:solidFill>
+              <a:schemeClr val="accent1">
+                <a:lumMod val="75000"/>
+              </a:schemeClr>
+            </a:solidFill>
+            <a:ln>
+              <a:noFill/>
+            </a:ln>
+          </p:spPr>
+        </p:sp>
+        <p:sp>
+          <p:nvSpPr>
+            <p:cNvPr id="27" name="Freeform 12"/>
+            <p:cNvSpPr/>
+            <p:nvPr/>
+          </p:nvSpPr>
+          <p:spPr bwMode="auto">
+            <a:xfrm>
+              <a:off x="2928938" y="2578100"/>
+              <a:ext cx="3584575" cy="4279900"/>
+            </a:xfrm>
+            <a:custGeom>
+              <a:avLst/>
+              <a:gdLst/>
+              <a:ahLst/>
+              <a:cxnLst/>
+              <a:rect l="0" t="0" r="r" b="b"/>
+              <a:pathLst>
+                <a:path w="2258" h="2696">
+                  <a:moveTo>
+                    <a:pt x="2258" y="2696"/>
+                  </a:moveTo>
+                  <a:lnTo>
+                    <a:pt x="264" y="111"/>
+                  </a:lnTo>
+                  <a:lnTo>
+                    <a:pt x="228" y="60"/>
+                  </a:lnTo>
+                  <a:lnTo>
+                    <a:pt x="225" y="57"/>
+                  </a:lnTo>
+                  <a:lnTo>
+                    <a:pt x="0" y="0"/>
+                  </a:lnTo>
+                  <a:lnTo>
+                    <a:pt x="0" y="3"/>
+                  </a:lnTo>
+                  <a:lnTo>
+                    <a:pt x="1697" y="2696"/>
+                  </a:lnTo>
+                  <a:lnTo>
+                    <a:pt x="2258" y="2696"/>
+                  </a:lnTo>
+                  <a:close/>
+                </a:path>
+              </a:pathLst>
+            </a:custGeom>
+            <a:solidFill>
+              <a:schemeClr val="tx1">
+                <a:lumMod val="75000"/>
+                <a:lumOff val="25000"/>
+              </a:schemeClr>
+            </a:solidFill>
+            <a:ln>
+              <a:noFill/>
+            </a:ln>
+          </p:spPr>
+        </p:sp>
+      </p:grpSp>
+      <p:sp>
+        <p:nvSpPr>
+          <p:cNvPr id="2" name="Title 1"/>
           <p:cNvSpPr>
             <a:spLocks noGrp="1"/>
           </p:cNvSpPr>
@@ -143,15 +463,19 @@
         </p:nvSpPr>
         <p:spPr>
           <a:xfrm>
-            <a:off x="1524000" y="1122363"/>
-            <a:ext cx="9144000" cy="2387600"/>
+            <a:off x="2928401" y="1380068"/>
+            <a:ext cx="8574622" cy="2616199"/>
           </a:xfrm>
         </p:spPr>
         <p:txBody>
-          <a:bodyPr anchor="b"/>
+          <a:bodyPr anchor="b">
+            <a:normAutofit/>
+          </a:bodyPr>
           <a:lstStyle>
-            <a:lvl1pPr algn="ctr">
-              <a:defRPr sz="6000"/>
+            <a:lvl1pPr algn="r">
+              <a:defRPr sz="6000">
+                <a:effectLst/>
+              </a:defRPr>
             </a:lvl1pPr>
           </a:lstStyle>
           <a:p>
@@ -159,19 +483,13 @@
               <a:rPr lang="en-US"/>
               <a:t>Click to edit Master title style</a:t>
             </a:r>
-            <a:endParaRPr lang="en-GB"/>
-          </a:p>
-        </p:txBody>
-      </p:sp>
-      <p:sp>
-        <p:nvSpPr>
-          <p:cNvPr id="3" name="Subtitle 2">
-            <a:extLst>
-              <a:ext uri="{FF2B5EF4-FFF2-40B4-BE49-F238E27FC236}">
-                <a16:creationId xmlns:a16="http://schemas.microsoft.com/office/drawing/2014/main" id="{8711F91E-6574-4C8B-99E0-18EF51C651F7}"/>
-              </a:ext>
-            </a:extLst>
-          </p:cNvPr>
+            <a:endParaRPr lang="en-US" dirty="0"/>
+          </a:p>
+        </p:txBody>
+      </p:sp>
+      <p:sp>
+        <p:nvSpPr>
+          <p:cNvPr id="3" name="Subtitle 2"/>
           <p:cNvSpPr>
             <a:spLocks noGrp="1"/>
           </p:cNvSpPr>
@@ -181,48 +499,102 @@
         </p:nvSpPr>
         <p:spPr>
           <a:xfrm>
-            <a:off x="1524000" y="3602038"/>
-            <a:ext cx="9144000" cy="1655762"/>
+            <a:off x="4515377" y="3996267"/>
+            <a:ext cx="6987645" cy="1388534"/>
           </a:xfrm>
         </p:spPr>
         <p:txBody>
-          <a:bodyPr/>
+          <a:bodyPr anchor="t">
+            <a:normAutofit/>
+          </a:bodyPr>
           <a:lstStyle>
-            <a:lvl1pPr marL="0" indent="0" algn="ctr">
-              <a:buNone/>
-              <a:defRPr sz="2400"/>
+            <a:lvl1pPr marL="0" indent="0" algn="r">
+              <a:buNone/>
+              <a:defRPr sz="2100">
+                <a:solidFill>
+                  <a:schemeClr val="tx1"/>
+                </a:solidFill>
+              </a:defRPr>
             </a:lvl1pPr>
             <a:lvl2pPr marL="457200" indent="0" algn="ctr">
               <a:buNone/>
-              <a:defRPr sz="2000"/>
+              <a:defRPr>
+                <a:solidFill>
+                  <a:schemeClr val="tx1">
+                    <a:tint val="75000"/>
+                  </a:schemeClr>
+                </a:solidFill>
+              </a:defRPr>
             </a:lvl2pPr>
             <a:lvl3pPr marL="914400" indent="0" algn="ctr">
               <a:buNone/>
-              <a:defRPr sz="1800"/>
+              <a:defRPr>
+                <a:solidFill>
+                  <a:schemeClr val="tx1">
+                    <a:tint val="75000"/>
+                  </a:schemeClr>
+                </a:solidFill>
+              </a:defRPr>
             </a:lvl3pPr>
             <a:lvl4pPr marL="1371600" indent="0" algn="ctr">
               <a:buNone/>
-              <a:defRPr sz="1600"/>
+              <a:defRPr>
+                <a:solidFill>
+                  <a:schemeClr val="tx1">
+                    <a:tint val="75000"/>
+                  </a:schemeClr>
+                </a:solidFill>
+              </a:defRPr>
             </a:lvl4pPr>
             <a:lvl5pPr marL="1828800" indent="0" algn="ctr">
               <a:buNone/>
-              <a:defRPr sz="1600"/>
+              <a:defRPr>
+                <a:solidFill>
+                  <a:schemeClr val="tx1">
+                    <a:tint val="75000"/>
+                  </a:schemeClr>
+                </a:solidFill>
+              </a:defRPr>
             </a:lvl5pPr>
             <a:lvl6pPr marL="2286000" indent="0" algn="ctr">
               <a:buNone/>
-              <a:defRPr sz="1600"/>
+              <a:defRPr>
+                <a:solidFill>
+                  <a:schemeClr val="tx1">
+                    <a:tint val="75000"/>
+                  </a:schemeClr>
+                </a:solidFill>
+              </a:defRPr>
             </a:lvl6pPr>
             <a:lvl7pPr marL="2743200" indent="0" algn="ctr">
               <a:buNone/>
-              <a:defRPr sz="1600"/>
+              <a:defRPr>
+                <a:solidFill>
+                  <a:schemeClr val="tx1">
+                    <a:tint val="75000"/>
+                  </a:schemeClr>
+                </a:solidFill>
+              </a:defRPr>
             </a:lvl7pPr>
             <a:lvl8pPr marL="3200400" indent="0" algn="ctr">
               <a:buNone/>
-              <a:defRPr sz="1600"/>
+              <a:defRPr>
+                <a:solidFill>
+                  <a:schemeClr val="tx1">
+                    <a:tint val="75000"/>
+                  </a:schemeClr>
+                </a:solidFill>
+              </a:defRPr>
             </a:lvl8pPr>
             <a:lvl9pPr marL="3657600" indent="0" algn="ctr">
               <a:buNone/>
-              <a:defRPr sz="1600"/>
+              <a:defRPr>
+                <a:solidFill>
+                  <a:schemeClr val="tx1">
+                    <a:tint val="75000"/>
+                  </a:schemeClr>
+                </a:solidFill>
+              </a:defRPr>
             </a:lvl9pPr>
           </a:lstStyle>
           <a:p>
@@ -230,19 +602,13 @@
               <a:rPr lang="en-US"/>
               <a:t>Click to edit Master subtitle style</a:t>
             </a:r>
-            <a:endParaRPr lang="en-GB"/>
-          </a:p>
-        </p:txBody>
-      </p:sp>
-      <p:sp>
-        <p:nvSpPr>
-          <p:cNvPr id="4" name="Date Placeholder 3">
-            <a:extLst>
-              <a:ext uri="{FF2B5EF4-FFF2-40B4-BE49-F238E27FC236}">
-                <a16:creationId xmlns:a16="http://schemas.microsoft.com/office/drawing/2014/main" id="{754EC3E0-D6A0-4153-BA1C-2D4E4425CBDA}"/>
-              </a:ext>
-            </a:extLst>
-          </p:cNvPr>
+            <a:endParaRPr lang="en-US" dirty="0"/>
+          </a:p>
+        </p:txBody>
+      </p:sp>
+      <p:sp>
+        <p:nvSpPr>
+          <p:cNvPr id="4" name="Date Placeholder 3"/>
           <p:cNvSpPr>
             <a:spLocks noGrp="1"/>
           </p:cNvSpPr>
@@ -265,13 +631,7 @@
       </p:sp>
       <p:sp>
         <p:nvSpPr>
-          <p:cNvPr id="5" name="Footer Placeholder 4">
-            <a:extLst>
-              <a:ext uri="{FF2B5EF4-FFF2-40B4-BE49-F238E27FC236}">
-                <a16:creationId xmlns:a16="http://schemas.microsoft.com/office/drawing/2014/main" id="{AFF6C794-00BE-4004-98C7-A7F8D7FA7617}"/>
-              </a:ext>
-            </a:extLst>
-          </p:cNvPr>
+          <p:cNvPr id="5" name="Footer Placeholder 4"/>
           <p:cNvSpPr>
             <a:spLocks noGrp="1"/>
           </p:cNvSpPr>
@@ -279,7 +639,12 @@
             <p:ph type="ftr" sz="quarter" idx="11"/>
           </p:nvPr>
         </p:nvSpPr>
-        <p:spPr/>
+        <p:spPr>
+          <a:xfrm>
+            <a:off x="5332412" y="5883275"/>
+            <a:ext cx="4324044" cy="365125"/>
+          </a:xfrm>
+        </p:spPr>
         <p:txBody>
           <a:bodyPr/>
           <a:lstStyle/>
@@ -290,13 +655,7 @@
       </p:sp>
       <p:sp>
         <p:nvSpPr>
-          <p:cNvPr id="6" name="Slide Number Placeholder 5">
-            <a:extLst>
-              <a:ext uri="{FF2B5EF4-FFF2-40B4-BE49-F238E27FC236}">
-                <a16:creationId xmlns:a16="http://schemas.microsoft.com/office/drawing/2014/main" id="{E389E820-AF08-40FE-82F1-289806B7D765}"/>
-              </a:ext>
-            </a:extLst>
-          </p:cNvPr>
+          <p:cNvPr id="6" name="Slide Number Placeholder 5"/>
           <p:cNvSpPr>
             <a:spLocks noGrp="1"/>
           </p:cNvSpPr>
@@ -320,7 +679,7 @@
     </p:spTree>
     <p:extLst>
       <p:ext uri="{BB962C8B-B14F-4D97-AF65-F5344CB8AC3E}">
-        <p14:creationId xmlns:p14="http://schemas.microsoft.com/office/powerpoint/2010/main" val="1246380204"/>
+        <p14:creationId xmlns:p14="http://schemas.microsoft.com/office/powerpoint/2010/main" val="2126619515"/>
       </p:ext>
     </p:extLst>
   </p:cSld>
@@ -331,6 +690,2162 @@
 </file>
 
 <file path=ppt/slideLayouts/slideLayout10.xml><?xml version="1.0" encoding="utf-8"?>
+<p:sldLayout xmlns:a="http://schemas.openxmlformats.org/drawingml/2006/main" xmlns:r="http://schemas.openxmlformats.org/officeDocument/2006/relationships" xmlns:p="http://schemas.openxmlformats.org/presentationml/2006/main" preserve="1">
+  <p:cSld name="Panoramic Picture with Caption">
+    <p:spTree>
+      <p:nvGrpSpPr>
+        <p:cNvPr id="1" name=""/>
+        <p:cNvGrpSpPr/>
+        <p:nvPr/>
+      </p:nvGrpSpPr>
+      <p:grpSpPr>
+        <a:xfrm>
+          <a:off x="0" y="0"/>
+          <a:ext cx="0" cy="0"/>
+          <a:chOff x="0" y="0"/>
+          <a:chExt cx="0" cy="0"/>
+        </a:xfrm>
+      </p:grpSpPr>
+      <p:sp>
+        <p:nvSpPr>
+          <p:cNvPr id="2" name="Title 1"/>
+          <p:cNvSpPr>
+            <a:spLocks noGrp="1"/>
+          </p:cNvSpPr>
+          <p:nvPr>
+            <p:ph type="title"/>
+          </p:nvPr>
+        </p:nvSpPr>
+        <p:spPr>
+          <a:xfrm>
+            <a:off x="1484311" y="4732865"/>
+            <a:ext cx="10018711" cy="566738"/>
+          </a:xfrm>
+        </p:spPr>
+        <p:txBody>
+          <a:bodyPr anchor="b">
+            <a:normAutofit/>
+          </a:bodyPr>
+          <a:lstStyle>
+            <a:lvl1pPr algn="ctr">
+              <a:defRPr sz="2400" b="0"/>
+            </a:lvl1pPr>
+          </a:lstStyle>
+          <a:p>
+            <a:r>
+              <a:rPr lang="en-US"/>
+              <a:t>Click to edit Master title style</a:t>
+            </a:r>
+            <a:endParaRPr lang="en-US" dirty="0"/>
+          </a:p>
+        </p:txBody>
+      </p:sp>
+      <p:sp>
+        <p:nvSpPr>
+          <p:cNvPr id="3" name="Picture Placeholder 2"/>
+          <p:cNvSpPr>
+            <a:spLocks noGrp="1" noChangeAspect="1"/>
+          </p:cNvSpPr>
+          <p:nvPr>
+            <p:ph type="pic" idx="1"/>
+          </p:nvPr>
+        </p:nvSpPr>
+        <p:spPr>
+          <a:xfrm>
+            <a:off x="2386012" y="932112"/>
+            <a:ext cx="8225944" cy="3164976"/>
+          </a:xfrm>
+          <a:prstGeom prst="roundRect">
+            <a:avLst>
+              <a:gd name="adj" fmla="val 4380"/>
+            </a:avLst>
+          </a:prstGeom>
+          <a:ln w="38100">
+            <a:gradFill flip="none" rotWithShape="1">
+              <a:gsLst>
+                <a:gs pos="0">
+                  <a:schemeClr val="bg2"/>
+                </a:gs>
+                <a:gs pos="100000">
+                  <a:schemeClr val="bg2">
+                    <a:lumMod val="75000"/>
+                  </a:schemeClr>
+                </a:gs>
+              </a:gsLst>
+              <a:lin ang="5400000" scaled="0"/>
+              <a:tileRect/>
+            </a:gradFill>
+          </a:ln>
+          <a:effectLst>
+            <a:innerShdw blurRad="57150" dist="38100" dir="14460000">
+              <a:srgbClr val="000000">
+                <a:alpha val="70000"/>
+              </a:srgbClr>
+            </a:innerShdw>
+          </a:effectLst>
+        </p:spPr>
+        <p:txBody>
+          <a:bodyPr anchor="t">
+            <a:normAutofit/>
+          </a:bodyPr>
+          <a:lstStyle>
+            <a:lvl1pPr marL="0" indent="0" algn="ctr">
+              <a:buNone/>
+              <a:defRPr sz="1600"/>
+            </a:lvl1pPr>
+            <a:lvl2pPr marL="457200" indent="0">
+              <a:buNone/>
+              <a:defRPr sz="1600"/>
+            </a:lvl2pPr>
+            <a:lvl3pPr marL="914400" indent="0">
+              <a:buNone/>
+              <a:defRPr sz="1600"/>
+            </a:lvl3pPr>
+            <a:lvl4pPr marL="1371600" indent="0">
+              <a:buNone/>
+              <a:defRPr sz="1600"/>
+            </a:lvl4pPr>
+            <a:lvl5pPr marL="1828800" indent="0">
+              <a:buNone/>
+              <a:defRPr sz="1600"/>
+            </a:lvl5pPr>
+            <a:lvl6pPr marL="2286000" indent="0">
+              <a:buNone/>
+              <a:defRPr sz="1600"/>
+            </a:lvl6pPr>
+            <a:lvl7pPr marL="2743200" indent="0">
+              <a:buNone/>
+              <a:defRPr sz="1600"/>
+            </a:lvl7pPr>
+            <a:lvl8pPr marL="3200400" indent="0">
+              <a:buNone/>
+              <a:defRPr sz="1600"/>
+            </a:lvl8pPr>
+            <a:lvl9pPr marL="3657600" indent="0">
+              <a:buNone/>
+              <a:defRPr sz="1600"/>
+            </a:lvl9pPr>
+          </a:lstStyle>
+          <a:p>
+            <a:r>
+              <a:rPr lang="en-US"/>
+              <a:t>Click icon to add picture</a:t>
+            </a:r>
+            <a:endParaRPr lang="en-US" dirty="0"/>
+          </a:p>
+        </p:txBody>
+      </p:sp>
+      <p:sp>
+        <p:nvSpPr>
+          <p:cNvPr id="4" name="Text Placeholder 3"/>
+          <p:cNvSpPr>
+            <a:spLocks noGrp="1"/>
+          </p:cNvSpPr>
+          <p:nvPr>
+            <p:ph type="body" sz="half" idx="2"/>
+          </p:nvPr>
+        </p:nvSpPr>
+        <p:spPr>
+          <a:xfrm>
+            <a:off x="1484311" y="5299603"/>
+            <a:ext cx="10018711" cy="493712"/>
+          </a:xfrm>
+        </p:spPr>
+        <p:txBody>
+          <a:bodyPr>
+            <a:normAutofit/>
+          </a:bodyPr>
+          <a:lstStyle>
+            <a:lvl1pPr marL="0" indent="0" algn="ctr">
+              <a:buNone/>
+              <a:defRPr sz="1400"/>
+            </a:lvl1pPr>
+            <a:lvl2pPr marL="457200" indent="0">
+              <a:buNone/>
+              <a:defRPr sz="1200"/>
+            </a:lvl2pPr>
+            <a:lvl3pPr marL="914400" indent="0">
+              <a:buNone/>
+              <a:defRPr sz="1000"/>
+            </a:lvl3pPr>
+            <a:lvl4pPr marL="1371600" indent="0">
+              <a:buNone/>
+              <a:defRPr sz="900"/>
+            </a:lvl4pPr>
+            <a:lvl5pPr marL="1828800" indent="0">
+              <a:buNone/>
+              <a:defRPr sz="900"/>
+            </a:lvl5pPr>
+            <a:lvl6pPr marL="2286000" indent="0">
+              <a:buNone/>
+              <a:defRPr sz="900"/>
+            </a:lvl6pPr>
+            <a:lvl7pPr marL="2743200" indent="0">
+              <a:buNone/>
+              <a:defRPr sz="900"/>
+            </a:lvl7pPr>
+            <a:lvl8pPr marL="3200400" indent="0">
+              <a:buNone/>
+              <a:defRPr sz="900"/>
+            </a:lvl8pPr>
+            <a:lvl9pPr marL="3657600" indent="0">
+              <a:buNone/>
+              <a:defRPr sz="900"/>
+            </a:lvl9pPr>
+          </a:lstStyle>
+          <a:p>
+            <a:pPr lvl="0"/>
+            <a:r>
+              <a:rPr lang="en-US"/>
+              <a:t>Click to edit Master text styles</a:t>
+            </a:r>
+          </a:p>
+        </p:txBody>
+      </p:sp>
+      <p:sp>
+        <p:nvSpPr>
+          <p:cNvPr id="5" name="Date Placeholder 4"/>
+          <p:cNvSpPr>
+            <a:spLocks noGrp="1"/>
+          </p:cNvSpPr>
+          <p:nvPr>
+            <p:ph type="dt" sz="half" idx="10"/>
+          </p:nvPr>
+        </p:nvSpPr>
+        <p:spPr/>
+        <p:txBody>
+          <a:bodyPr/>
+          <a:lstStyle/>
+          <a:p>
+            <a:fld id="{858C55E5-992C-4861-AB14-28036FBC884F}" type="datetimeFigureOut">
+              <a:rPr lang="en-GB" smtClean="0"/>
+              <a:t>18/04/2024</a:t>
+            </a:fld>
+            <a:endParaRPr lang="en-GB"/>
+          </a:p>
+        </p:txBody>
+      </p:sp>
+      <p:sp>
+        <p:nvSpPr>
+          <p:cNvPr id="6" name="Footer Placeholder 5"/>
+          <p:cNvSpPr>
+            <a:spLocks noGrp="1"/>
+          </p:cNvSpPr>
+          <p:nvPr>
+            <p:ph type="ftr" sz="quarter" idx="11"/>
+          </p:nvPr>
+        </p:nvSpPr>
+        <p:spPr/>
+        <p:txBody>
+          <a:bodyPr/>
+          <a:lstStyle/>
+          <a:p>
+            <a:endParaRPr lang="en-GB"/>
+          </a:p>
+        </p:txBody>
+      </p:sp>
+      <p:sp>
+        <p:nvSpPr>
+          <p:cNvPr id="7" name="Slide Number Placeholder 6"/>
+          <p:cNvSpPr>
+            <a:spLocks noGrp="1"/>
+          </p:cNvSpPr>
+          <p:nvPr>
+            <p:ph type="sldNum" sz="quarter" idx="12"/>
+          </p:nvPr>
+        </p:nvSpPr>
+        <p:spPr/>
+        <p:txBody>
+          <a:bodyPr/>
+          <a:lstStyle/>
+          <a:p>
+            <a:fld id="{2095DC0D-3C48-4008-9D3D-49CB0DF86F68}" type="slidenum">
+              <a:rPr lang="en-GB" smtClean="0"/>
+              <a:t>‹#›</a:t>
+            </a:fld>
+            <a:endParaRPr lang="en-GB"/>
+          </a:p>
+        </p:txBody>
+      </p:sp>
+    </p:spTree>
+    <p:extLst>
+      <p:ext uri="{BB962C8B-B14F-4D97-AF65-F5344CB8AC3E}">
+        <p14:creationId xmlns:p14="http://schemas.microsoft.com/office/powerpoint/2010/main" val="1118467484"/>
+      </p:ext>
+    </p:extLst>
+  </p:cSld>
+  <p:clrMapOvr>
+    <a:masterClrMapping/>
+  </p:clrMapOvr>
+</p:sldLayout>
+</file>
+
+<file path=ppt/slideLayouts/slideLayout11.xml><?xml version="1.0" encoding="utf-8"?>
+<p:sldLayout xmlns:a="http://schemas.openxmlformats.org/drawingml/2006/main" xmlns:r="http://schemas.openxmlformats.org/officeDocument/2006/relationships" xmlns:p="http://schemas.openxmlformats.org/presentationml/2006/main" preserve="1">
+  <p:cSld name="Title and Caption">
+    <p:spTree>
+      <p:nvGrpSpPr>
+        <p:cNvPr id="1" name=""/>
+        <p:cNvGrpSpPr/>
+        <p:nvPr/>
+      </p:nvGrpSpPr>
+      <p:grpSpPr>
+        <a:xfrm>
+          <a:off x="0" y="0"/>
+          <a:ext cx="0" cy="0"/>
+          <a:chOff x="0" y="0"/>
+          <a:chExt cx="0" cy="0"/>
+        </a:xfrm>
+      </p:grpSpPr>
+      <p:sp>
+        <p:nvSpPr>
+          <p:cNvPr id="2" name="Title 1"/>
+          <p:cNvSpPr>
+            <a:spLocks noGrp="1"/>
+          </p:cNvSpPr>
+          <p:nvPr>
+            <p:ph type="title"/>
+          </p:nvPr>
+        </p:nvSpPr>
+        <p:spPr>
+          <a:xfrm>
+            <a:off x="1484312" y="685800"/>
+            <a:ext cx="10018711" cy="3048000"/>
+          </a:xfrm>
+        </p:spPr>
+        <p:txBody>
+          <a:bodyPr anchor="ctr">
+            <a:normAutofit/>
+          </a:bodyPr>
+          <a:lstStyle>
+            <a:lvl1pPr algn="ctr">
+              <a:defRPr sz="3200" b="0" cap="none"/>
+            </a:lvl1pPr>
+          </a:lstStyle>
+          <a:p>
+            <a:r>
+              <a:rPr lang="en-US"/>
+              <a:t>Click to edit Master title style</a:t>
+            </a:r>
+            <a:endParaRPr lang="en-US" dirty="0"/>
+          </a:p>
+        </p:txBody>
+      </p:sp>
+      <p:sp>
+        <p:nvSpPr>
+          <p:cNvPr id="3" name="Text Placeholder 2"/>
+          <p:cNvSpPr>
+            <a:spLocks noGrp="1"/>
+          </p:cNvSpPr>
+          <p:nvPr>
+            <p:ph type="body" idx="1"/>
+          </p:nvPr>
+        </p:nvSpPr>
+        <p:spPr>
+          <a:xfrm>
+            <a:off x="1484312" y="4343400"/>
+            <a:ext cx="10018713" cy="1447800"/>
+          </a:xfrm>
+        </p:spPr>
+        <p:txBody>
+          <a:bodyPr anchor="ctr">
+            <a:normAutofit/>
+          </a:bodyPr>
+          <a:lstStyle>
+            <a:lvl1pPr marL="0" indent="0" algn="ctr">
+              <a:buNone/>
+              <a:defRPr sz="2000">
+                <a:solidFill>
+                  <a:schemeClr val="tx1"/>
+                </a:solidFill>
+              </a:defRPr>
+            </a:lvl1pPr>
+            <a:lvl2pPr marL="457200" indent="0">
+              <a:buNone/>
+              <a:defRPr sz="1800">
+                <a:solidFill>
+                  <a:schemeClr val="tx1">
+                    <a:tint val="75000"/>
+                  </a:schemeClr>
+                </a:solidFill>
+              </a:defRPr>
+            </a:lvl2pPr>
+            <a:lvl3pPr marL="914400" indent="0">
+              <a:buNone/>
+              <a:defRPr sz="1600">
+                <a:solidFill>
+                  <a:schemeClr val="tx1">
+                    <a:tint val="75000"/>
+                  </a:schemeClr>
+                </a:solidFill>
+              </a:defRPr>
+            </a:lvl3pPr>
+            <a:lvl4pPr marL="1371600" indent="0">
+              <a:buNone/>
+              <a:defRPr sz="1400">
+                <a:solidFill>
+                  <a:schemeClr val="tx1">
+                    <a:tint val="75000"/>
+                  </a:schemeClr>
+                </a:solidFill>
+              </a:defRPr>
+            </a:lvl4pPr>
+            <a:lvl5pPr marL="1828800" indent="0">
+              <a:buNone/>
+              <a:defRPr sz="1400">
+                <a:solidFill>
+                  <a:schemeClr val="tx1">
+                    <a:tint val="75000"/>
+                  </a:schemeClr>
+                </a:solidFill>
+              </a:defRPr>
+            </a:lvl5pPr>
+            <a:lvl6pPr marL="2286000" indent="0">
+              <a:buNone/>
+              <a:defRPr sz="1400">
+                <a:solidFill>
+                  <a:schemeClr val="tx1">
+                    <a:tint val="75000"/>
+                  </a:schemeClr>
+                </a:solidFill>
+              </a:defRPr>
+            </a:lvl6pPr>
+            <a:lvl7pPr marL="2743200" indent="0">
+              <a:buNone/>
+              <a:defRPr sz="1400">
+                <a:solidFill>
+                  <a:schemeClr val="tx1">
+                    <a:tint val="75000"/>
+                  </a:schemeClr>
+                </a:solidFill>
+              </a:defRPr>
+            </a:lvl7pPr>
+            <a:lvl8pPr marL="3200400" indent="0">
+              <a:buNone/>
+              <a:defRPr sz="1400">
+                <a:solidFill>
+                  <a:schemeClr val="tx1">
+                    <a:tint val="75000"/>
+                  </a:schemeClr>
+                </a:solidFill>
+              </a:defRPr>
+            </a:lvl8pPr>
+            <a:lvl9pPr marL="3657600" indent="0">
+              <a:buNone/>
+              <a:defRPr sz="1400">
+                <a:solidFill>
+                  <a:schemeClr val="tx1">
+                    <a:tint val="75000"/>
+                  </a:schemeClr>
+                </a:solidFill>
+              </a:defRPr>
+            </a:lvl9pPr>
+          </a:lstStyle>
+          <a:p>
+            <a:pPr lvl="0"/>
+            <a:r>
+              <a:rPr lang="en-US"/>
+              <a:t>Click to edit Master text styles</a:t>
+            </a:r>
+          </a:p>
+        </p:txBody>
+      </p:sp>
+      <p:sp>
+        <p:nvSpPr>
+          <p:cNvPr id="4" name="Date Placeholder 3"/>
+          <p:cNvSpPr>
+            <a:spLocks noGrp="1"/>
+          </p:cNvSpPr>
+          <p:nvPr>
+            <p:ph type="dt" sz="half" idx="10"/>
+          </p:nvPr>
+        </p:nvSpPr>
+        <p:spPr/>
+        <p:txBody>
+          <a:bodyPr/>
+          <a:lstStyle/>
+          <a:p>
+            <a:fld id="{858C55E5-992C-4861-AB14-28036FBC884F}" type="datetimeFigureOut">
+              <a:rPr lang="en-GB" smtClean="0"/>
+              <a:t>18/04/2024</a:t>
+            </a:fld>
+            <a:endParaRPr lang="en-GB"/>
+          </a:p>
+        </p:txBody>
+      </p:sp>
+      <p:sp>
+        <p:nvSpPr>
+          <p:cNvPr id="5" name="Footer Placeholder 4"/>
+          <p:cNvSpPr>
+            <a:spLocks noGrp="1"/>
+          </p:cNvSpPr>
+          <p:nvPr>
+            <p:ph type="ftr" sz="quarter" idx="11"/>
+          </p:nvPr>
+        </p:nvSpPr>
+        <p:spPr/>
+        <p:txBody>
+          <a:bodyPr/>
+          <a:lstStyle/>
+          <a:p>
+            <a:endParaRPr lang="en-GB"/>
+          </a:p>
+        </p:txBody>
+      </p:sp>
+      <p:sp>
+        <p:nvSpPr>
+          <p:cNvPr id="6" name="Slide Number Placeholder 5"/>
+          <p:cNvSpPr>
+            <a:spLocks noGrp="1"/>
+          </p:cNvSpPr>
+          <p:nvPr>
+            <p:ph type="sldNum" sz="quarter" idx="12"/>
+          </p:nvPr>
+        </p:nvSpPr>
+        <p:spPr/>
+        <p:txBody>
+          <a:bodyPr/>
+          <a:lstStyle/>
+          <a:p>
+            <a:fld id="{2095DC0D-3C48-4008-9D3D-49CB0DF86F68}" type="slidenum">
+              <a:rPr lang="en-GB" smtClean="0"/>
+              <a:t>‹#›</a:t>
+            </a:fld>
+            <a:endParaRPr lang="en-GB"/>
+          </a:p>
+        </p:txBody>
+      </p:sp>
+    </p:spTree>
+    <p:extLst>
+      <p:ext uri="{BB962C8B-B14F-4D97-AF65-F5344CB8AC3E}">
+        <p14:creationId xmlns:p14="http://schemas.microsoft.com/office/powerpoint/2010/main" val="3646612293"/>
+      </p:ext>
+    </p:extLst>
+  </p:cSld>
+  <p:clrMapOvr>
+    <a:masterClrMapping/>
+  </p:clrMapOvr>
+</p:sldLayout>
+</file>
+
+<file path=ppt/slideLayouts/slideLayout12.xml><?xml version="1.0" encoding="utf-8"?>
+<p:sldLayout xmlns:a="http://schemas.openxmlformats.org/drawingml/2006/main" xmlns:r="http://schemas.openxmlformats.org/officeDocument/2006/relationships" xmlns:p="http://schemas.openxmlformats.org/presentationml/2006/main" preserve="1">
+  <p:cSld name="Quote with Caption">
+    <p:spTree>
+      <p:nvGrpSpPr>
+        <p:cNvPr id="1" name=""/>
+        <p:cNvGrpSpPr/>
+        <p:nvPr/>
+      </p:nvGrpSpPr>
+      <p:grpSpPr>
+        <a:xfrm>
+          <a:off x="0" y="0"/>
+          <a:ext cx="0" cy="0"/>
+          <a:chOff x="0" y="0"/>
+          <a:chExt cx="0" cy="0"/>
+        </a:xfrm>
+      </p:grpSpPr>
+      <p:sp>
+        <p:nvSpPr>
+          <p:cNvPr id="14" name="TextBox 13"/>
+          <p:cNvSpPr txBox="1"/>
+          <p:nvPr/>
+        </p:nvSpPr>
+        <p:spPr>
+          <a:xfrm>
+            <a:off x="1598612" y="863023"/>
+            <a:ext cx="609600" cy="584776"/>
+          </a:xfrm>
+          <a:prstGeom prst="rect">
+            <a:avLst/>
+          </a:prstGeom>
+        </p:spPr>
+        <p:txBody>
+          <a:bodyPr vert="horz" lIns="91440" tIns="45720" rIns="91440" bIns="45720" rtlCol="0" anchor="ctr">
+            <a:noAutofit/>
+          </a:bodyPr>
+          <a:lstStyle>
+            <a:lvl1pPr>
+              <a:spcBef>
+                <a:spcPct val="0"/>
+              </a:spcBef>
+              <a:buNone/>
+              <a:defRPr sz="3200" b="0" cap="all">
+                <a:ln w="3175" cmpd="sng">
+                  <a:noFill/>
+                </a:ln>
+                <a:effectLst>
+                  <a:glow rad="38100">
+                    <a:schemeClr val="bg1">
+                      <a:lumMod val="65000"/>
+                      <a:lumOff val="35000"/>
+                      <a:alpha val="40000"/>
+                    </a:schemeClr>
+                  </a:glow>
+                  <a:outerShdw blurRad="28575" dist="38100" dir="14040000" algn="tl" rotWithShape="0">
+                    <a:srgbClr val="000000">
+                      <a:alpha val="25000"/>
+                    </a:srgbClr>
+                  </a:outerShdw>
+                </a:effectLst>
+              </a:defRPr>
+            </a:lvl1pPr>
+            <a:lvl2pPr>
+              <a:defRPr>
+                <a:solidFill>
+                  <a:schemeClr val="tx2"/>
+                </a:solidFill>
+              </a:defRPr>
+            </a:lvl2pPr>
+            <a:lvl3pPr>
+              <a:defRPr>
+                <a:solidFill>
+                  <a:schemeClr val="tx2"/>
+                </a:solidFill>
+              </a:defRPr>
+            </a:lvl3pPr>
+            <a:lvl4pPr>
+              <a:defRPr>
+                <a:solidFill>
+                  <a:schemeClr val="tx2"/>
+                </a:solidFill>
+              </a:defRPr>
+            </a:lvl4pPr>
+            <a:lvl5pPr>
+              <a:defRPr>
+                <a:solidFill>
+                  <a:schemeClr val="tx2"/>
+                </a:solidFill>
+              </a:defRPr>
+            </a:lvl5pPr>
+            <a:lvl6pPr>
+              <a:defRPr>
+                <a:solidFill>
+                  <a:schemeClr val="tx2"/>
+                </a:solidFill>
+              </a:defRPr>
+            </a:lvl6pPr>
+            <a:lvl7pPr>
+              <a:defRPr>
+                <a:solidFill>
+                  <a:schemeClr val="tx2"/>
+                </a:solidFill>
+              </a:defRPr>
+            </a:lvl7pPr>
+            <a:lvl8pPr>
+              <a:defRPr>
+                <a:solidFill>
+                  <a:schemeClr val="tx2"/>
+                </a:solidFill>
+              </a:defRPr>
+            </a:lvl8pPr>
+            <a:lvl9pPr>
+              <a:defRPr>
+                <a:solidFill>
+                  <a:schemeClr val="tx2"/>
+                </a:solidFill>
+              </a:defRPr>
+            </a:lvl9pPr>
+          </a:lstStyle>
+          <a:p>
+            <a:pPr lvl="0"/>
+            <a:r>
+              <a:rPr lang="en-US" sz="8000" dirty="0">
+                <a:solidFill>
+                  <a:schemeClr val="tx1"/>
+                </a:solidFill>
+                <a:effectLst/>
+              </a:rPr>
+              <a:t>“</a:t>
+            </a:r>
+          </a:p>
+        </p:txBody>
+      </p:sp>
+      <p:sp>
+        <p:nvSpPr>
+          <p:cNvPr id="15" name="TextBox 14"/>
+          <p:cNvSpPr txBox="1"/>
+          <p:nvPr/>
+        </p:nvSpPr>
+        <p:spPr>
+          <a:xfrm>
+            <a:off x="10893425" y="2819399"/>
+            <a:ext cx="609600" cy="584776"/>
+          </a:xfrm>
+          <a:prstGeom prst="rect">
+            <a:avLst/>
+          </a:prstGeom>
+        </p:spPr>
+        <p:txBody>
+          <a:bodyPr vert="horz" lIns="91440" tIns="45720" rIns="91440" bIns="45720" rtlCol="0" anchor="ctr">
+            <a:noAutofit/>
+          </a:bodyPr>
+          <a:lstStyle>
+            <a:lvl1pPr>
+              <a:spcBef>
+                <a:spcPct val="0"/>
+              </a:spcBef>
+              <a:buNone/>
+              <a:defRPr sz="3200" b="0" cap="all">
+                <a:ln w="3175" cmpd="sng">
+                  <a:noFill/>
+                </a:ln>
+                <a:effectLst>
+                  <a:glow rad="38100">
+                    <a:schemeClr val="bg1">
+                      <a:lumMod val="65000"/>
+                      <a:lumOff val="35000"/>
+                      <a:alpha val="40000"/>
+                    </a:schemeClr>
+                  </a:glow>
+                  <a:outerShdw blurRad="28575" dist="38100" dir="14040000" algn="tl" rotWithShape="0">
+                    <a:srgbClr val="000000">
+                      <a:alpha val="25000"/>
+                    </a:srgbClr>
+                  </a:outerShdw>
+                </a:effectLst>
+              </a:defRPr>
+            </a:lvl1pPr>
+            <a:lvl2pPr>
+              <a:defRPr>
+                <a:solidFill>
+                  <a:schemeClr val="tx2"/>
+                </a:solidFill>
+              </a:defRPr>
+            </a:lvl2pPr>
+            <a:lvl3pPr>
+              <a:defRPr>
+                <a:solidFill>
+                  <a:schemeClr val="tx2"/>
+                </a:solidFill>
+              </a:defRPr>
+            </a:lvl3pPr>
+            <a:lvl4pPr>
+              <a:defRPr>
+                <a:solidFill>
+                  <a:schemeClr val="tx2"/>
+                </a:solidFill>
+              </a:defRPr>
+            </a:lvl4pPr>
+            <a:lvl5pPr>
+              <a:defRPr>
+                <a:solidFill>
+                  <a:schemeClr val="tx2"/>
+                </a:solidFill>
+              </a:defRPr>
+            </a:lvl5pPr>
+            <a:lvl6pPr>
+              <a:defRPr>
+                <a:solidFill>
+                  <a:schemeClr val="tx2"/>
+                </a:solidFill>
+              </a:defRPr>
+            </a:lvl6pPr>
+            <a:lvl7pPr>
+              <a:defRPr>
+                <a:solidFill>
+                  <a:schemeClr val="tx2"/>
+                </a:solidFill>
+              </a:defRPr>
+            </a:lvl7pPr>
+            <a:lvl8pPr>
+              <a:defRPr>
+                <a:solidFill>
+                  <a:schemeClr val="tx2"/>
+                </a:solidFill>
+              </a:defRPr>
+            </a:lvl8pPr>
+            <a:lvl9pPr>
+              <a:defRPr>
+                <a:solidFill>
+                  <a:schemeClr val="tx2"/>
+                </a:solidFill>
+              </a:defRPr>
+            </a:lvl9pPr>
+          </a:lstStyle>
+          <a:p>
+            <a:pPr lvl="0" algn="r"/>
+            <a:r>
+              <a:rPr lang="en-US" sz="8000" dirty="0">
+                <a:solidFill>
+                  <a:schemeClr val="tx1"/>
+                </a:solidFill>
+                <a:effectLst/>
+              </a:rPr>
+              <a:t>”</a:t>
+            </a:r>
+          </a:p>
+        </p:txBody>
+      </p:sp>
+      <p:sp>
+        <p:nvSpPr>
+          <p:cNvPr id="2" name="Title 1"/>
+          <p:cNvSpPr>
+            <a:spLocks noGrp="1"/>
+          </p:cNvSpPr>
+          <p:nvPr>
+            <p:ph type="title"/>
+          </p:nvPr>
+        </p:nvSpPr>
+        <p:spPr>
+          <a:xfrm>
+            <a:off x="2208212" y="685800"/>
+            <a:ext cx="8990012" cy="2743199"/>
+          </a:xfrm>
+        </p:spPr>
+        <p:txBody>
+          <a:bodyPr anchor="ctr">
+            <a:normAutofit/>
+          </a:bodyPr>
+          <a:lstStyle>
+            <a:lvl1pPr algn="ctr">
+              <a:defRPr sz="3200" b="0" cap="none">
+                <a:solidFill>
+                  <a:schemeClr val="tx1"/>
+                </a:solidFill>
+              </a:defRPr>
+            </a:lvl1pPr>
+          </a:lstStyle>
+          <a:p>
+            <a:r>
+              <a:rPr lang="en-US"/>
+              <a:t>Click to edit Master title style</a:t>
+            </a:r>
+            <a:endParaRPr lang="en-US" dirty="0"/>
+          </a:p>
+        </p:txBody>
+      </p:sp>
+      <p:sp>
+        <p:nvSpPr>
+          <p:cNvPr id="10" name="Text Placeholder 9"/>
+          <p:cNvSpPr>
+            <a:spLocks noGrp="1"/>
+          </p:cNvSpPr>
+          <p:nvPr>
+            <p:ph type="body" sz="quarter" idx="13"/>
+          </p:nvPr>
+        </p:nvSpPr>
+        <p:spPr>
+          <a:xfrm>
+            <a:off x="2436811" y="3428999"/>
+            <a:ext cx="8532815" cy="381000"/>
+          </a:xfrm>
+        </p:spPr>
+        <p:txBody>
+          <a:bodyPr anchor="ctr">
+            <a:normAutofit/>
+          </a:bodyPr>
+          <a:lstStyle>
+            <a:lvl1pPr marL="0" indent="0">
+              <a:buFontTx/>
+              <a:buNone/>
+              <a:defRPr sz="1800"/>
+            </a:lvl1pPr>
+            <a:lvl2pPr marL="457200" indent="0">
+              <a:buFontTx/>
+              <a:buNone/>
+              <a:defRPr/>
+            </a:lvl2pPr>
+            <a:lvl3pPr marL="914400" indent="0">
+              <a:buFontTx/>
+              <a:buNone/>
+              <a:defRPr/>
+            </a:lvl3pPr>
+            <a:lvl4pPr marL="1371600" indent="0">
+              <a:buFontTx/>
+              <a:buNone/>
+              <a:defRPr/>
+            </a:lvl4pPr>
+            <a:lvl5pPr marL="1828800" indent="0">
+              <a:buFontTx/>
+              <a:buNone/>
+              <a:defRPr/>
+            </a:lvl5pPr>
+          </a:lstStyle>
+          <a:p>
+            <a:pPr lvl="0"/>
+            <a:r>
+              <a:rPr lang="en-US"/>
+              <a:t>Click to edit Master text styles</a:t>
+            </a:r>
+          </a:p>
+        </p:txBody>
+      </p:sp>
+      <p:sp>
+        <p:nvSpPr>
+          <p:cNvPr id="3" name="Text Placeholder 2"/>
+          <p:cNvSpPr>
+            <a:spLocks noGrp="1"/>
+          </p:cNvSpPr>
+          <p:nvPr>
+            <p:ph type="body" idx="1"/>
+          </p:nvPr>
+        </p:nvSpPr>
+        <p:spPr>
+          <a:xfrm>
+            <a:off x="1484311" y="4343400"/>
+            <a:ext cx="10018711" cy="1447800"/>
+          </a:xfrm>
+        </p:spPr>
+        <p:txBody>
+          <a:bodyPr anchor="ctr">
+            <a:normAutofit/>
+          </a:bodyPr>
+          <a:lstStyle>
+            <a:lvl1pPr marL="0" indent="0" algn="ctr">
+              <a:buNone/>
+              <a:defRPr sz="2000">
+                <a:solidFill>
+                  <a:schemeClr val="tx1"/>
+                </a:solidFill>
+              </a:defRPr>
+            </a:lvl1pPr>
+            <a:lvl2pPr marL="457200" indent="0">
+              <a:buNone/>
+              <a:defRPr sz="1800">
+                <a:solidFill>
+                  <a:schemeClr val="tx1">
+                    <a:tint val="75000"/>
+                  </a:schemeClr>
+                </a:solidFill>
+              </a:defRPr>
+            </a:lvl2pPr>
+            <a:lvl3pPr marL="914400" indent="0">
+              <a:buNone/>
+              <a:defRPr sz="1600">
+                <a:solidFill>
+                  <a:schemeClr val="tx1">
+                    <a:tint val="75000"/>
+                  </a:schemeClr>
+                </a:solidFill>
+              </a:defRPr>
+            </a:lvl3pPr>
+            <a:lvl4pPr marL="1371600" indent="0">
+              <a:buNone/>
+              <a:defRPr sz="1400">
+                <a:solidFill>
+                  <a:schemeClr val="tx1">
+                    <a:tint val="75000"/>
+                  </a:schemeClr>
+                </a:solidFill>
+              </a:defRPr>
+            </a:lvl4pPr>
+            <a:lvl5pPr marL="1828800" indent="0">
+              <a:buNone/>
+              <a:defRPr sz="1400">
+                <a:solidFill>
+                  <a:schemeClr val="tx1">
+                    <a:tint val="75000"/>
+                  </a:schemeClr>
+                </a:solidFill>
+              </a:defRPr>
+            </a:lvl5pPr>
+            <a:lvl6pPr marL="2286000" indent="0">
+              <a:buNone/>
+              <a:defRPr sz="1400">
+                <a:solidFill>
+                  <a:schemeClr val="tx1">
+                    <a:tint val="75000"/>
+                  </a:schemeClr>
+                </a:solidFill>
+              </a:defRPr>
+            </a:lvl6pPr>
+            <a:lvl7pPr marL="2743200" indent="0">
+              <a:buNone/>
+              <a:defRPr sz="1400">
+                <a:solidFill>
+                  <a:schemeClr val="tx1">
+                    <a:tint val="75000"/>
+                  </a:schemeClr>
+                </a:solidFill>
+              </a:defRPr>
+            </a:lvl7pPr>
+            <a:lvl8pPr marL="3200400" indent="0">
+              <a:buNone/>
+              <a:defRPr sz="1400">
+                <a:solidFill>
+                  <a:schemeClr val="tx1">
+                    <a:tint val="75000"/>
+                  </a:schemeClr>
+                </a:solidFill>
+              </a:defRPr>
+            </a:lvl8pPr>
+            <a:lvl9pPr marL="3657600" indent="0">
+              <a:buNone/>
+              <a:defRPr sz="1400">
+                <a:solidFill>
+                  <a:schemeClr val="tx1">
+                    <a:tint val="75000"/>
+                  </a:schemeClr>
+                </a:solidFill>
+              </a:defRPr>
+            </a:lvl9pPr>
+          </a:lstStyle>
+          <a:p>
+            <a:pPr lvl="0"/>
+            <a:r>
+              <a:rPr lang="en-US"/>
+              <a:t>Click to edit Master text styles</a:t>
+            </a:r>
+          </a:p>
+        </p:txBody>
+      </p:sp>
+      <p:sp>
+        <p:nvSpPr>
+          <p:cNvPr id="4" name="Date Placeholder 3"/>
+          <p:cNvSpPr>
+            <a:spLocks noGrp="1"/>
+          </p:cNvSpPr>
+          <p:nvPr>
+            <p:ph type="dt" sz="half" idx="10"/>
+          </p:nvPr>
+        </p:nvSpPr>
+        <p:spPr/>
+        <p:txBody>
+          <a:bodyPr/>
+          <a:lstStyle/>
+          <a:p>
+            <a:fld id="{858C55E5-992C-4861-AB14-28036FBC884F}" type="datetimeFigureOut">
+              <a:rPr lang="en-GB" smtClean="0"/>
+              <a:t>18/04/2024</a:t>
+            </a:fld>
+            <a:endParaRPr lang="en-GB"/>
+          </a:p>
+        </p:txBody>
+      </p:sp>
+      <p:sp>
+        <p:nvSpPr>
+          <p:cNvPr id="5" name="Footer Placeholder 4"/>
+          <p:cNvSpPr>
+            <a:spLocks noGrp="1"/>
+          </p:cNvSpPr>
+          <p:nvPr>
+            <p:ph type="ftr" sz="quarter" idx="11"/>
+          </p:nvPr>
+        </p:nvSpPr>
+        <p:spPr/>
+        <p:txBody>
+          <a:bodyPr/>
+          <a:lstStyle/>
+          <a:p>
+            <a:endParaRPr lang="en-GB"/>
+          </a:p>
+        </p:txBody>
+      </p:sp>
+      <p:sp>
+        <p:nvSpPr>
+          <p:cNvPr id="6" name="Slide Number Placeholder 5"/>
+          <p:cNvSpPr>
+            <a:spLocks noGrp="1"/>
+          </p:cNvSpPr>
+          <p:nvPr>
+            <p:ph type="sldNum" sz="quarter" idx="12"/>
+          </p:nvPr>
+        </p:nvSpPr>
+        <p:spPr/>
+        <p:txBody>
+          <a:bodyPr/>
+          <a:lstStyle/>
+          <a:p>
+            <a:fld id="{2095DC0D-3C48-4008-9D3D-49CB0DF86F68}" type="slidenum">
+              <a:rPr lang="en-GB" smtClean="0"/>
+              <a:t>‹#›</a:t>
+            </a:fld>
+            <a:endParaRPr lang="en-GB"/>
+          </a:p>
+        </p:txBody>
+      </p:sp>
+    </p:spTree>
+    <p:extLst>
+      <p:ext uri="{BB962C8B-B14F-4D97-AF65-F5344CB8AC3E}">
+        <p14:creationId xmlns:p14="http://schemas.microsoft.com/office/powerpoint/2010/main" val="3125994387"/>
+      </p:ext>
+    </p:extLst>
+  </p:cSld>
+  <p:clrMapOvr>
+    <a:masterClrMapping/>
+  </p:clrMapOvr>
+</p:sldLayout>
+</file>
+
+<file path=ppt/slideLayouts/slideLayout13.xml><?xml version="1.0" encoding="utf-8"?>
+<p:sldLayout xmlns:a="http://schemas.openxmlformats.org/drawingml/2006/main" xmlns:r="http://schemas.openxmlformats.org/officeDocument/2006/relationships" xmlns:p="http://schemas.openxmlformats.org/presentationml/2006/main" preserve="1">
+  <p:cSld name="Name Card">
+    <p:spTree>
+      <p:nvGrpSpPr>
+        <p:cNvPr id="1" name=""/>
+        <p:cNvGrpSpPr/>
+        <p:nvPr/>
+      </p:nvGrpSpPr>
+      <p:grpSpPr>
+        <a:xfrm>
+          <a:off x="0" y="0"/>
+          <a:ext cx="0" cy="0"/>
+          <a:chOff x="0" y="0"/>
+          <a:chExt cx="0" cy="0"/>
+        </a:xfrm>
+      </p:grpSpPr>
+      <p:sp>
+        <p:nvSpPr>
+          <p:cNvPr id="2" name="Title 1"/>
+          <p:cNvSpPr>
+            <a:spLocks noGrp="1"/>
+          </p:cNvSpPr>
+          <p:nvPr>
+            <p:ph type="title"/>
+          </p:nvPr>
+        </p:nvSpPr>
+        <p:spPr>
+          <a:xfrm>
+            <a:off x="1484313" y="3308581"/>
+            <a:ext cx="10018709" cy="1468800"/>
+          </a:xfrm>
+        </p:spPr>
+        <p:txBody>
+          <a:bodyPr anchor="b">
+            <a:normAutofit/>
+          </a:bodyPr>
+          <a:lstStyle>
+            <a:lvl1pPr algn="r">
+              <a:defRPr sz="3200" b="0" cap="none"/>
+            </a:lvl1pPr>
+          </a:lstStyle>
+          <a:p>
+            <a:r>
+              <a:rPr lang="en-US"/>
+              <a:t>Click to edit Master title style</a:t>
+            </a:r>
+            <a:endParaRPr lang="en-US" dirty="0"/>
+          </a:p>
+        </p:txBody>
+      </p:sp>
+      <p:sp>
+        <p:nvSpPr>
+          <p:cNvPr id="3" name="Text Placeholder 2"/>
+          <p:cNvSpPr>
+            <a:spLocks noGrp="1"/>
+          </p:cNvSpPr>
+          <p:nvPr>
+            <p:ph type="body" idx="1"/>
+          </p:nvPr>
+        </p:nvSpPr>
+        <p:spPr>
+          <a:xfrm>
+            <a:off x="1484312" y="4777381"/>
+            <a:ext cx="10018710" cy="860400"/>
+          </a:xfrm>
+        </p:spPr>
+        <p:txBody>
+          <a:bodyPr anchor="t">
+            <a:normAutofit/>
+          </a:bodyPr>
+          <a:lstStyle>
+            <a:lvl1pPr marL="0" indent="0" algn="r">
+              <a:buNone/>
+              <a:defRPr sz="2000">
+                <a:solidFill>
+                  <a:schemeClr val="tx1"/>
+                </a:solidFill>
+              </a:defRPr>
+            </a:lvl1pPr>
+            <a:lvl2pPr marL="457200" indent="0">
+              <a:buNone/>
+              <a:defRPr sz="1800">
+                <a:solidFill>
+                  <a:schemeClr val="tx1">
+                    <a:tint val="75000"/>
+                  </a:schemeClr>
+                </a:solidFill>
+              </a:defRPr>
+            </a:lvl2pPr>
+            <a:lvl3pPr marL="914400" indent="0">
+              <a:buNone/>
+              <a:defRPr sz="1600">
+                <a:solidFill>
+                  <a:schemeClr val="tx1">
+                    <a:tint val="75000"/>
+                  </a:schemeClr>
+                </a:solidFill>
+              </a:defRPr>
+            </a:lvl3pPr>
+            <a:lvl4pPr marL="1371600" indent="0">
+              <a:buNone/>
+              <a:defRPr sz="1400">
+                <a:solidFill>
+                  <a:schemeClr val="tx1">
+                    <a:tint val="75000"/>
+                  </a:schemeClr>
+                </a:solidFill>
+              </a:defRPr>
+            </a:lvl4pPr>
+            <a:lvl5pPr marL="1828800" indent="0">
+              <a:buNone/>
+              <a:defRPr sz="1400">
+                <a:solidFill>
+                  <a:schemeClr val="tx1">
+                    <a:tint val="75000"/>
+                  </a:schemeClr>
+                </a:solidFill>
+              </a:defRPr>
+            </a:lvl5pPr>
+            <a:lvl6pPr marL="2286000" indent="0">
+              <a:buNone/>
+              <a:defRPr sz="1400">
+                <a:solidFill>
+                  <a:schemeClr val="tx1">
+                    <a:tint val="75000"/>
+                  </a:schemeClr>
+                </a:solidFill>
+              </a:defRPr>
+            </a:lvl6pPr>
+            <a:lvl7pPr marL="2743200" indent="0">
+              <a:buNone/>
+              <a:defRPr sz="1400">
+                <a:solidFill>
+                  <a:schemeClr val="tx1">
+                    <a:tint val="75000"/>
+                  </a:schemeClr>
+                </a:solidFill>
+              </a:defRPr>
+            </a:lvl7pPr>
+            <a:lvl8pPr marL="3200400" indent="0">
+              <a:buNone/>
+              <a:defRPr sz="1400">
+                <a:solidFill>
+                  <a:schemeClr val="tx1">
+                    <a:tint val="75000"/>
+                  </a:schemeClr>
+                </a:solidFill>
+              </a:defRPr>
+            </a:lvl8pPr>
+            <a:lvl9pPr marL="3657600" indent="0">
+              <a:buNone/>
+              <a:defRPr sz="1400">
+                <a:solidFill>
+                  <a:schemeClr val="tx1">
+                    <a:tint val="75000"/>
+                  </a:schemeClr>
+                </a:solidFill>
+              </a:defRPr>
+            </a:lvl9pPr>
+          </a:lstStyle>
+          <a:p>
+            <a:pPr lvl="0"/>
+            <a:r>
+              <a:rPr lang="en-US"/>
+              <a:t>Click to edit Master text styles</a:t>
+            </a:r>
+          </a:p>
+        </p:txBody>
+      </p:sp>
+      <p:sp>
+        <p:nvSpPr>
+          <p:cNvPr id="4" name="Date Placeholder 3"/>
+          <p:cNvSpPr>
+            <a:spLocks noGrp="1"/>
+          </p:cNvSpPr>
+          <p:nvPr>
+            <p:ph type="dt" sz="half" idx="10"/>
+          </p:nvPr>
+        </p:nvSpPr>
+        <p:spPr/>
+        <p:txBody>
+          <a:bodyPr/>
+          <a:lstStyle/>
+          <a:p>
+            <a:fld id="{858C55E5-992C-4861-AB14-28036FBC884F}" type="datetimeFigureOut">
+              <a:rPr lang="en-GB" smtClean="0"/>
+              <a:t>18/04/2024</a:t>
+            </a:fld>
+            <a:endParaRPr lang="en-GB"/>
+          </a:p>
+        </p:txBody>
+      </p:sp>
+      <p:sp>
+        <p:nvSpPr>
+          <p:cNvPr id="5" name="Footer Placeholder 4"/>
+          <p:cNvSpPr>
+            <a:spLocks noGrp="1"/>
+          </p:cNvSpPr>
+          <p:nvPr>
+            <p:ph type="ftr" sz="quarter" idx="11"/>
+          </p:nvPr>
+        </p:nvSpPr>
+        <p:spPr/>
+        <p:txBody>
+          <a:bodyPr/>
+          <a:lstStyle/>
+          <a:p>
+            <a:endParaRPr lang="en-GB"/>
+          </a:p>
+        </p:txBody>
+      </p:sp>
+      <p:sp>
+        <p:nvSpPr>
+          <p:cNvPr id="6" name="Slide Number Placeholder 5"/>
+          <p:cNvSpPr>
+            <a:spLocks noGrp="1"/>
+          </p:cNvSpPr>
+          <p:nvPr>
+            <p:ph type="sldNum" sz="quarter" idx="12"/>
+          </p:nvPr>
+        </p:nvSpPr>
+        <p:spPr/>
+        <p:txBody>
+          <a:bodyPr/>
+          <a:lstStyle/>
+          <a:p>
+            <a:fld id="{2095DC0D-3C48-4008-9D3D-49CB0DF86F68}" type="slidenum">
+              <a:rPr lang="en-GB" smtClean="0"/>
+              <a:t>‹#›</a:t>
+            </a:fld>
+            <a:endParaRPr lang="en-GB"/>
+          </a:p>
+        </p:txBody>
+      </p:sp>
+    </p:spTree>
+    <p:extLst>
+      <p:ext uri="{BB962C8B-B14F-4D97-AF65-F5344CB8AC3E}">
+        <p14:creationId xmlns:p14="http://schemas.microsoft.com/office/powerpoint/2010/main" val="1907796843"/>
+      </p:ext>
+    </p:extLst>
+  </p:cSld>
+  <p:clrMapOvr>
+    <a:masterClrMapping/>
+  </p:clrMapOvr>
+</p:sldLayout>
+</file>
+
+<file path=ppt/slideLayouts/slideLayout14.xml><?xml version="1.0" encoding="utf-8"?>
+<p:sldLayout xmlns:a="http://schemas.openxmlformats.org/drawingml/2006/main" xmlns:r="http://schemas.openxmlformats.org/officeDocument/2006/relationships" xmlns:p="http://schemas.openxmlformats.org/presentationml/2006/main" preserve="1">
+  <p:cSld name="Quote Name Card">
+    <p:spTree>
+      <p:nvGrpSpPr>
+        <p:cNvPr id="1" name=""/>
+        <p:cNvGrpSpPr/>
+        <p:nvPr/>
+      </p:nvGrpSpPr>
+      <p:grpSpPr>
+        <a:xfrm>
+          <a:off x="0" y="0"/>
+          <a:ext cx="0" cy="0"/>
+          <a:chOff x="0" y="0"/>
+          <a:chExt cx="0" cy="0"/>
+        </a:xfrm>
+      </p:grpSpPr>
+      <p:sp>
+        <p:nvSpPr>
+          <p:cNvPr id="14" name="TextBox 13"/>
+          <p:cNvSpPr txBox="1"/>
+          <p:nvPr/>
+        </p:nvSpPr>
+        <p:spPr>
+          <a:xfrm>
+            <a:off x="1598612" y="863023"/>
+            <a:ext cx="609600" cy="584776"/>
+          </a:xfrm>
+          <a:prstGeom prst="rect">
+            <a:avLst/>
+          </a:prstGeom>
+        </p:spPr>
+        <p:txBody>
+          <a:bodyPr vert="horz" lIns="91440" tIns="45720" rIns="91440" bIns="45720" rtlCol="0" anchor="ctr">
+            <a:noAutofit/>
+          </a:bodyPr>
+          <a:lstStyle>
+            <a:lvl1pPr>
+              <a:spcBef>
+                <a:spcPct val="0"/>
+              </a:spcBef>
+              <a:buNone/>
+              <a:defRPr sz="3200" b="0" cap="all">
+                <a:ln w="3175" cmpd="sng">
+                  <a:noFill/>
+                </a:ln>
+                <a:effectLst>
+                  <a:glow rad="38100">
+                    <a:schemeClr val="bg1">
+                      <a:lumMod val="65000"/>
+                      <a:lumOff val="35000"/>
+                      <a:alpha val="40000"/>
+                    </a:schemeClr>
+                  </a:glow>
+                  <a:outerShdw blurRad="28575" dist="38100" dir="14040000" algn="tl" rotWithShape="0">
+                    <a:srgbClr val="000000">
+                      <a:alpha val="25000"/>
+                    </a:srgbClr>
+                  </a:outerShdw>
+                </a:effectLst>
+              </a:defRPr>
+            </a:lvl1pPr>
+            <a:lvl2pPr>
+              <a:defRPr>
+                <a:solidFill>
+                  <a:schemeClr val="tx2"/>
+                </a:solidFill>
+              </a:defRPr>
+            </a:lvl2pPr>
+            <a:lvl3pPr>
+              <a:defRPr>
+                <a:solidFill>
+                  <a:schemeClr val="tx2"/>
+                </a:solidFill>
+              </a:defRPr>
+            </a:lvl3pPr>
+            <a:lvl4pPr>
+              <a:defRPr>
+                <a:solidFill>
+                  <a:schemeClr val="tx2"/>
+                </a:solidFill>
+              </a:defRPr>
+            </a:lvl4pPr>
+            <a:lvl5pPr>
+              <a:defRPr>
+                <a:solidFill>
+                  <a:schemeClr val="tx2"/>
+                </a:solidFill>
+              </a:defRPr>
+            </a:lvl5pPr>
+            <a:lvl6pPr>
+              <a:defRPr>
+                <a:solidFill>
+                  <a:schemeClr val="tx2"/>
+                </a:solidFill>
+              </a:defRPr>
+            </a:lvl6pPr>
+            <a:lvl7pPr>
+              <a:defRPr>
+                <a:solidFill>
+                  <a:schemeClr val="tx2"/>
+                </a:solidFill>
+              </a:defRPr>
+            </a:lvl7pPr>
+            <a:lvl8pPr>
+              <a:defRPr>
+                <a:solidFill>
+                  <a:schemeClr val="tx2"/>
+                </a:solidFill>
+              </a:defRPr>
+            </a:lvl8pPr>
+            <a:lvl9pPr>
+              <a:defRPr>
+                <a:solidFill>
+                  <a:schemeClr val="tx2"/>
+                </a:solidFill>
+              </a:defRPr>
+            </a:lvl9pPr>
+          </a:lstStyle>
+          <a:p>
+            <a:pPr lvl="0"/>
+            <a:r>
+              <a:rPr lang="en-US" sz="8000" dirty="0">
+                <a:solidFill>
+                  <a:schemeClr val="tx1"/>
+                </a:solidFill>
+                <a:effectLst/>
+              </a:rPr>
+              <a:t>“</a:t>
+            </a:r>
+          </a:p>
+        </p:txBody>
+      </p:sp>
+      <p:sp>
+        <p:nvSpPr>
+          <p:cNvPr id="15" name="TextBox 14"/>
+          <p:cNvSpPr txBox="1"/>
+          <p:nvPr/>
+        </p:nvSpPr>
+        <p:spPr>
+          <a:xfrm>
+            <a:off x="10893425" y="2819399"/>
+            <a:ext cx="609600" cy="584776"/>
+          </a:xfrm>
+          <a:prstGeom prst="rect">
+            <a:avLst/>
+          </a:prstGeom>
+        </p:spPr>
+        <p:txBody>
+          <a:bodyPr vert="horz" lIns="91440" tIns="45720" rIns="91440" bIns="45720" rtlCol="0" anchor="ctr">
+            <a:noAutofit/>
+          </a:bodyPr>
+          <a:lstStyle>
+            <a:lvl1pPr>
+              <a:spcBef>
+                <a:spcPct val="0"/>
+              </a:spcBef>
+              <a:buNone/>
+              <a:defRPr sz="3200" b="0" cap="all">
+                <a:ln w="3175" cmpd="sng">
+                  <a:noFill/>
+                </a:ln>
+                <a:effectLst>
+                  <a:glow rad="38100">
+                    <a:schemeClr val="bg1">
+                      <a:lumMod val="65000"/>
+                      <a:lumOff val="35000"/>
+                      <a:alpha val="40000"/>
+                    </a:schemeClr>
+                  </a:glow>
+                  <a:outerShdw blurRad="28575" dist="38100" dir="14040000" algn="tl" rotWithShape="0">
+                    <a:srgbClr val="000000">
+                      <a:alpha val="25000"/>
+                    </a:srgbClr>
+                  </a:outerShdw>
+                </a:effectLst>
+              </a:defRPr>
+            </a:lvl1pPr>
+            <a:lvl2pPr>
+              <a:defRPr>
+                <a:solidFill>
+                  <a:schemeClr val="tx2"/>
+                </a:solidFill>
+              </a:defRPr>
+            </a:lvl2pPr>
+            <a:lvl3pPr>
+              <a:defRPr>
+                <a:solidFill>
+                  <a:schemeClr val="tx2"/>
+                </a:solidFill>
+              </a:defRPr>
+            </a:lvl3pPr>
+            <a:lvl4pPr>
+              <a:defRPr>
+                <a:solidFill>
+                  <a:schemeClr val="tx2"/>
+                </a:solidFill>
+              </a:defRPr>
+            </a:lvl4pPr>
+            <a:lvl5pPr>
+              <a:defRPr>
+                <a:solidFill>
+                  <a:schemeClr val="tx2"/>
+                </a:solidFill>
+              </a:defRPr>
+            </a:lvl5pPr>
+            <a:lvl6pPr>
+              <a:defRPr>
+                <a:solidFill>
+                  <a:schemeClr val="tx2"/>
+                </a:solidFill>
+              </a:defRPr>
+            </a:lvl6pPr>
+            <a:lvl7pPr>
+              <a:defRPr>
+                <a:solidFill>
+                  <a:schemeClr val="tx2"/>
+                </a:solidFill>
+              </a:defRPr>
+            </a:lvl7pPr>
+            <a:lvl8pPr>
+              <a:defRPr>
+                <a:solidFill>
+                  <a:schemeClr val="tx2"/>
+                </a:solidFill>
+              </a:defRPr>
+            </a:lvl8pPr>
+            <a:lvl9pPr>
+              <a:defRPr>
+                <a:solidFill>
+                  <a:schemeClr val="tx2"/>
+                </a:solidFill>
+              </a:defRPr>
+            </a:lvl9pPr>
+          </a:lstStyle>
+          <a:p>
+            <a:pPr lvl="0" algn="r"/>
+            <a:r>
+              <a:rPr lang="en-US" sz="8000" dirty="0">
+                <a:solidFill>
+                  <a:schemeClr val="tx1"/>
+                </a:solidFill>
+                <a:effectLst/>
+              </a:rPr>
+              <a:t>”</a:t>
+            </a:r>
+          </a:p>
+        </p:txBody>
+      </p:sp>
+      <p:sp>
+        <p:nvSpPr>
+          <p:cNvPr id="2" name="Title 1"/>
+          <p:cNvSpPr>
+            <a:spLocks noGrp="1"/>
+          </p:cNvSpPr>
+          <p:nvPr>
+            <p:ph type="title"/>
+          </p:nvPr>
+        </p:nvSpPr>
+        <p:spPr>
+          <a:xfrm>
+            <a:off x="2208212" y="685800"/>
+            <a:ext cx="8990012" cy="2743199"/>
+          </a:xfrm>
+        </p:spPr>
+        <p:txBody>
+          <a:bodyPr anchor="ctr">
+            <a:normAutofit/>
+          </a:bodyPr>
+          <a:lstStyle>
+            <a:lvl1pPr algn="ctr">
+              <a:defRPr sz="3200" b="0" cap="none">
+                <a:solidFill>
+                  <a:schemeClr val="tx1"/>
+                </a:solidFill>
+              </a:defRPr>
+            </a:lvl1pPr>
+          </a:lstStyle>
+          <a:p>
+            <a:r>
+              <a:rPr lang="en-US"/>
+              <a:t>Click to edit Master title style</a:t>
+            </a:r>
+            <a:endParaRPr lang="en-US" dirty="0"/>
+          </a:p>
+        </p:txBody>
+      </p:sp>
+      <p:sp>
+        <p:nvSpPr>
+          <p:cNvPr id="10" name="Text Placeholder 9"/>
+          <p:cNvSpPr>
+            <a:spLocks noGrp="1"/>
+          </p:cNvSpPr>
+          <p:nvPr>
+            <p:ph type="body" sz="quarter" idx="13"/>
+          </p:nvPr>
+        </p:nvSpPr>
+        <p:spPr>
+          <a:xfrm>
+            <a:off x="1484313" y="3886200"/>
+            <a:ext cx="10018710" cy="889000"/>
+          </a:xfrm>
+        </p:spPr>
+        <p:txBody>
+          <a:bodyPr vert="horz" lIns="91440" tIns="45720" rIns="91440" bIns="45720" rtlCol="0" anchor="b">
+            <a:normAutofit/>
+          </a:bodyPr>
+          <a:lstStyle>
+            <a:lvl1pPr algn="r">
+              <a:buNone/>
+              <a:defRPr lang="en-US" sz="2400" b="0" cap="none" dirty="0">
+                <a:ln w="3175" cmpd="sng">
+                  <a:noFill/>
+                </a:ln>
+                <a:solidFill>
+                  <a:schemeClr val="tx1"/>
+                </a:solidFill>
+                <a:effectLst/>
+              </a:defRPr>
+            </a:lvl1pPr>
+          </a:lstStyle>
+          <a:p>
+            <a:pPr marL="0" lvl="0">
+              <a:spcBef>
+                <a:spcPct val="0"/>
+              </a:spcBef>
+              <a:buNone/>
+            </a:pPr>
+            <a:r>
+              <a:rPr lang="en-US"/>
+              <a:t>Click to edit Master text styles</a:t>
+            </a:r>
+          </a:p>
+        </p:txBody>
+      </p:sp>
+      <p:sp>
+        <p:nvSpPr>
+          <p:cNvPr id="3" name="Text Placeholder 2"/>
+          <p:cNvSpPr>
+            <a:spLocks noGrp="1"/>
+          </p:cNvSpPr>
+          <p:nvPr>
+            <p:ph type="body" idx="1"/>
+          </p:nvPr>
+        </p:nvSpPr>
+        <p:spPr>
+          <a:xfrm>
+            <a:off x="1484312" y="4775200"/>
+            <a:ext cx="10018710" cy="1016000"/>
+          </a:xfrm>
+        </p:spPr>
+        <p:txBody>
+          <a:bodyPr anchor="t">
+            <a:normAutofit/>
+          </a:bodyPr>
+          <a:lstStyle>
+            <a:lvl1pPr marL="0" indent="0" algn="r">
+              <a:buNone/>
+              <a:defRPr sz="1800">
+                <a:solidFill>
+                  <a:schemeClr val="tx1"/>
+                </a:solidFill>
+              </a:defRPr>
+            </a:lvl1pPr>
+            <a:lvl2pPr marL="457200" indent="0">
+              <a:buNone/>
+              <a:defRPr sz="1800">
+                <a:solidFill>
+                  <a:schemeClr val="tx1">
+                    <a:tint val="75000"/>
+                  </a:schemeClr>
+                </a:solidFill>
+              </a:defRPr>
+            </a:lvl2pPr>
+            <a:lvl3pPr marL="914400" indent="0">
+              <a:buNone/>
+              <a:defRPr sz="1600">
+                <a:solidFill>
+                  <a:schemeClr val="tx1">
+                    <a:tint val="75000"/>
+                  </a:schemeClr>
+                </a:solidFill>
+              </a:defRPr>
+            </a:lvl3pPr>
+            <a:lvl4pPr marL="1371600" indent="0">
+              <a:buNone/>
+              <a:defRPr sz="1400">
+                <a:solidFill>
+                  <a:schemeClr val="tx1">
+                    <a:tint val="75000"/>
+                  </a:schemeClr>
+                </a:solidFill>
+              </a:defRPr>
+            </a:lvl4pPr>
+            <a:lvl5pPr marL="1828800" indent="0">
+              <a:buNone/>
+              <a:defRPr sz="1400">
+                <a:solidFill>
+                  <a:schemeClr val="tx1">
+                    <a:tint val="75000"/>
+                  </a:schemeClr>
+                </a:solidFill>
+              </a:defRPr>
+            </a:lvl5pPr>
+            <a:lvl6pPr marL="2286000" indent="0">
+              <a:buNone/>
+              <a:defRPr sz="1400">
+                <a:solidFill>
+                  <a:schemeClr val="tx1">
+                    <a:tint val="75000"/>
+                  </a:schemeClr>
+                </a:solidFill>
+              </a:defRPr>
+            </a:lvl6pPr>
+            <a:lvl7pPr marL="2743200" indent="0">
+              <a:buNone/>
+              <a:defRPr sz="1400">
+                <a:solidFill>
+                  <a:schemeClr val="tx1">
+                    <a:tint val="75000"/>
+                  </a:schemeClr>
+                </a:solidFill>
+              </a:defRPr>
+            </a:lvl7pPr>
+            <a:lvl8pPr marL="3200400" indent="0">
+              <a:buNone/>
+              <a:defRPr sz="1400">
+                <a:solidFill>
+                  <a:schemeClr val="tx1">
+                    <a:tint val="75000"/>
+                  </a:schemeClr>
+                </a:solidFill>
+              </a:defRPr>
+            </a:lvl8pPr>
+            <a:lvl9pPr marL="3657600" indent="0">
+              <a:buNone/>
+              <a:defRPr sz="1400">
+                <a:solidFill>
+                  <a:schemeClr val="tx1">
+                    <a:tint val="75000"/>
+                  </a:schemeClr>
+                </a:solidFill>
+              </a:defRPr>
+            </a:lvl9pPr>
+          </a:lstStyle>
+          <a:p>
+            <a:pPr lvl="0"/>
+            <a:r>
+              <a:rPr lang="en-US"/>
+              <a:t>Click to edit Master text styles</a:t>
+            </a:r>
+          </a:p>
+        </p:txBody>
+      </p:sp>
+      <p:sp>
+        <p:nvSpPr>
+          <p:cNvPr id="4" name="Date Placeholder 3"/>
+          <p:cNvSpPr>
+            <a:spLocks noGrp="1"/>
+          </p:cNvSpPr>
+          <p:nvPr>
+            <p:ph type="dt" sz="half" idx="10"/>
+          </p:nvPr>
+        </p:nvSpPr>
+        <p:spPr/>
+        <p:txBody>
+          <a:bodyPr/>
+          <a:lstStyle/>
+          <a:p>
+            <a:fld id="{858C55E5-992C-4861-AB14-28036FBC884F}" type="datetimeFigureOut">
+              <a:rPr lang="en-GB" smtClean="0"/>
+              <a:t>18/04/2024</a:t>
+            </a:fld>
+            <a:endParaRPr lang="en-GB"/>
+          </a:p>
+        </p:txBody>
+      </p:sp>
+      <p:sp>
+        <p:nvSpPr>
+          <p:cNvPr id="5" name="Footer Placeholder 4"/>
+          <p:cNvSpPr>
+            <a:spLocks noGrp="1"/>
+          </p:cNvSpPr>
+          <p:nvPr>
+            <p:ph type="ftr" sz="quarter" idx="11"/>
+          </p:nvPr>
+        </p:nvSpPr>
+        <p:spPr/>
+        <p:txBody>
+          <a:bodyPr/>
+          <a:lstStyle/>
+          <a:p>
+            <a:endParaRPr lang="en-GB"/>
+          </a:p>
+        </p:txBody>
+      </p:sp>
+      <p:sp>
+        <p:nvSpPr>
+          <p:cNvPr id="6" name="Slide Number Placeholder 5"/>
+          <p:cNvSpPr>
+            <a:spLocks noGrp="1"/>
+          </p:cNvSpPr>
+          <p:nvPr>
+            <p:ph type="sldNum" sz="quarter" idx="12"/>
+          </p:nvPr>
+        </p:nvSpPr>
+        <p:spPr/>
+        <p:txBody>
+          <a:bodyPr/>
+          <a:lstStyle/>
+          <a:p>
+            <a:fld id="{2095DC0D-3C48-4008-9D3D-49CB0DF86F68}" type="slidenum">
+              <a:rPr lang="en-GB" smtClean="0"/>
+              <a:t>‹#›</a:t>
+            </a:fld>
+            <a:endParaRPr lang="en-GB"/>
+          </a:p>
+        </p:txBody>
+      </p:sp>
+    </p:spTree>
+    <p:extLst>
+      <p:ext uri="{BB962C8B-B14F-4D97-AF65-F5344CB8AC3E}">
+        <p14:creationId xmlns:p14="http://schemas.microsoft.com/office/powerpoint/2010/main" val="3618531440"/>
+      </p:ext>
+    </p:extLst>
+  </p:cSld>
+  <p:clrMapOvr>
+    <a:masterClrMapping/>
+  </p:clrMapOvr>
+</p:sldLayout>
+</file>
+
+<file path=ppt/slideLayouts/slideLayout15.xml><?xml version="1.0" encoding="utf-8"?>
+<p:sldLayout xmlns:a="http://schemas.openxmlformats.org/drawingml/2006/main" xmlns:r="http://schemas.openxmlformats.org/officeDocument/2006/relationships" xmlns:p="http://schemas.openxmlformats.org/presentationml/2006/main" preserve="1">
+  <p:cSld name="True or False">
+    <p:spTree>
+      <p:nvGrpSpPr>
+        <p:cNvPr id="1" name=""/>
+        <p:cNvGrpSpPr/>
+        <p:nvPr/>
+      </p:nvGrpSpPr>
+      <p:grpSpPr>
+        <a:xfrm>
+          <a:off x="0" y="0"/>
+          <a:ext cx="0" cy="0"/>
+          <a:chOff x="0" y="0"/>
+          <a:chExt cx="0" cy="0"/>
+        </a:xfrm>
+      </p:grpSpPr>
+      <p:sp>
+        <p:nvSpPr>
+          <p:cNvPr id="2" name="Title 1"/>
+          <p:cNvSpPr>
+            <a:spLocks noGrp="1"/>
+          </p:cNvSpPr>
+          <p:nvPr>
+            <p:ph type="title"/>
+          </p:nvPr>
+        </p:nvSpPr>
+        <p:spPr>
+          <a:xfrm>
+            <a:off x="1484313" y="685800"/>
+            <a:ext cx="10018712" cy="2727325"/>
+          </a:xfrm>
+        </p:spPr>
+        <p:txBody>
+          <a:bodyPr vert="horz" lIns="91440" tIns="45720" rIns="91440" bIns="45720" rtlCol="0" anchor="ctr">
+            <a:normAutofit/>
+          </a:bodyPr>
+          <a:lstStyle>
+            <a:lvl1pPr>
+              <a:defRPr lang="en-US" b="0" dirty="0"/>
+            </a:lvl1pPr>
+          </a:lstStyle>
+          <a:p>
+            <a:pPr marL="0" lvl="0"/>
+            <a:r>
+              <a:rPr lang="en-US"/>
+              <a:t>Click to edit Master title style</a:t>
+            </a:r>
+            <a:endParaRPr lang="en-US" dirty="0"/>
+          </a:p>
+        </p:txBody>
+      </p:sp>
+      <p:sp>
+        <p:nvSpPr>
+          <p:cNvPr id="10" name="Text Placeholder 9"/>
+          <p:cNvSpPr>
+            <a:spLocks noGrp="1"/>
+          </p:cNvSpPr>
+          <p:nvPr>
+            <p:ph type="body" sz="quarter" idx="13"/>
+          </p:nvPr>
+        </p:nvSpPr>
+        <p:spPr>
+          <a:xfrm>
+            <a:off x="1484312" y="3505200"/>
+            <a:ext cx="10018713" cy="838200"/>
+          </a:xfrm>
+        </p:spPr>
+        <p:txBody>
+          <a:bodyPr vert="horz" lIns="91440" tIns="45720" rIns="91440" bIns="45720" rtlCol="0" anchor="b">
+            <a:normAutofit/>
+          </a:bodyPr>
+          <a:lstStyle>
+            <a:lvl1pPr>
+              <a:buNone/>
+              <a:defRPr lang="en-US" sz="2800" b="0" cap="none" dirty="0">
+                <a:ln w="3175" cmpd="sng">
+                  <a:noFill/>
+                </a:ln>
+                <a:solidFill>
+                  <a:schemeClr val="tx1"/>
+                </a:solidFill>
+                <a:effectLst/>
+              </a:defRPr>
+            </a:lvl1pPr>
+          </a:lstStyle>
+          <a:p>
+            <a:pPr marL="0" lvl="0">
+              <a:spcBef>
+                <a:spcPct val="0"/>
+              </a:spcBef>
+              <a:buNone/>
+            </a:pPr>
+            <a:r>
+              <a:rPr lang="en-US"/>
+              <a:t>Click to edit Master text styles</a:t>
+            </a:r>
+          </a:p>
+        </p:txBody>
+      </p:sp>
+      <p:sp>
+        <p:nvSpPr>
+          <p:cNvPr id="3" name="Text Placeholder 2"/>
+          <p:cNvSpPr>
+            <a:spLocks noGrp="1"/>
+          </p:cNvSpPr>
+          <p:nvPr>
+            <p:ph type="body" idx="1"/>
+          </p:nvPr>
+        </p:nvSpPr>
+        <p:spPr>
+          <a:xfrm>
+            <a:off x="1484311" y="4343400"/>
+            <a:ext cx="10018713" cy="1447800"/>
+          </a:xfrm>
+        </p:spPr>
+        <p:txBody>
+          <a:bodyPr anchor="t">
+            <a:normAutofit/>
+          </a:bodyPr>
+          <a:lstStyle>
+            <a:lvl1pPr marL="0" indent="0" algn="l">
+              <a:buNone/>
+              <a:defRPr sz="1800">
+                <a:solidFill>
+                  <a:schemeClr val="tx1"/>
+                </a:solidFill>
+              </a:defRPr>
+            </a:lvl1pPr>
+            <a:lvl2pPr marL="457200" indent="0">
+              <a:buNone/>
+              <a:defRPr sz="1800">
+                <a:solidFill>
+                  <a:schemeClr val="tx1">
+                    <a:tint val="75000"/>
+                  </a:schemeClr>
+                </a:solidFill>
+              </a:defRPr>
+            </a:lvl2pPr>
+            <a:lvl3pPr marL="914400" indent="0">
+              <a:buNone/>
+              <a:defRPr sz="1600">
+                <a:solidFill>
+                  <a:schemeClr val="tx1">
+                    <a:tint val="75000"/>
+                  </a:schemeClr>
+                </a:solidFill>
+              </a:defRPr>
+            </a:lvl3pPr>
+            <a:lvl4pPr marL="1371600" indent="0">
+              <a:buNone/>
+              <a:defRPr sz="1400">
+                <a:solidFill>
+                  <a:schemeClr val="tx1">
+                    <a:tint val="75000"/>
+                  </a:schemeClr>
+                </a:solidFill>
+              </a:defRPr>
+            </a:lvl4pPr>
+            <a:lvl5pPr marL="1828800" indent="0">
+              <a:buNone/>
+              <a:defRPr sz="1400">
+                <a:solidFill>
+                  <a:schemeClr val="tx1">
+                    <a:tint val="75000"/>
+                  </a:schemeClr>
+                </a:solidFill>
+              </a:defRPr>
+            </a:lvl5pPr>
+            <a:lvl6pPr marL="2286000" indent="0">
+              <a:buNone/>
+              <a:defRPr sz="1400">
+                <a:solidFill>
+                  <a:schemeClr val="tx1">
+                    <a:tint val="75000"/>
+                  </a:schemeClr>
+                </a:solidFill>
+              </a:defRPr>
+            </a:lvl6pPr>
+            <a:lvl7pPr marL="2743200" indent="0">
+              <a:buNone/>
+              <a:defRPr sz="1400">
+                <a:solidFill>
+                  <a:schemeClr val="tx1">
+                    <a:tint val="75000"/>
+                  </a:schemeClr>
+                </a:solidFill>
+              </a:defRPr>
+            </a:lvl7pPr>
+            <a:lvl8pPr marL="3200400" indent="0">
+              <a:buNone/>
+              <a:defRPr sz="1400">
+                <a:solidFill>
+                  <a:schemeClr val="tx1">
+                    <a:tint val="75000"/>
+                  </a:schemeClr>
+                </a:solidFill>
+              </a:defRPr>
+            </a:lvl8pPr>
+            <a:lvl9pPr marL="3657600" indent="0">
+              <a:buNone/>
+              <a:defRPr sz="1400">
+                <a:solidFill>
+                  <a:schemeClr val="tx1">
+                    <a:tint val="75000"/>
+                  </a:schemeClr>
+                </a:solidFill>
+              </a:defRPr>
+            </a:lvl9pPr>
+          </a:lstStyle>
+          <a:p>
+            <a:pPr lvl="0"/>
+            <a:r>
+              <a:rPr lang="en-US"/>
+              <a:t>Click to edit Master text styles</a:t>
+            </a:r>
+          </a:p>
+        </p:txBody>
+      </p:sp>
+      <p:sp>
+        <p:nvSpPr>
+          <p:cNvPr id="4" name="Date Placeholder 3"/>
+          <p:cNvSpPr>
+            <a:spLocks noGrp="1"/>
+          </p:cNvSpPr>
+          <p:nvPr>
+            <p:ph type="dt" sz="half" idx="10"/>
+          </p:nvPr>
+        </p:nvSpPr>
+        <p:spPr/>
+        <p:txBody>
+          <a:bodyPr/>
+          <a:lstStyle/>
+          <a:p>
+            <a:fld id="{858C55E5-992C-4861-AB14-28036FBC884F}" type="datetimeFigureOut">
+              <a:rPr lang="en-GB" smtClean="0"/>
+              <a:t>18/04/2024</a:t>
+            </a:fld>
+            <a:endParaRPr lang="en-GB"/>
+          </a:p>
+        </p:txBody>
+      </p:sp>
+      <p:sp>
+        <p:nvSpPr>
+          <p:cNvPr id="5" name="Footer Placeholder 4"/>
+          <p:cNvSpPr>
+            <a:spLocks noGrp="1"/>
+          </p:cNvSpPr>
+          <p:nvPr>
+            <p:ph type="ftr" sz="quarter" idx="11"/>
+          </p:nvPr>
+        </p:nvSpPr>
+        <p:spPr/>
+        <p:txBody>
+          <a:bodyPr/>
+          <a:lstStyle/>
+          <a:p>
+            <a:endParaRPr lang="en-GB"/>
+          </a:p>
+        </p:txBody>
+      </p:sp>
+      <p:sp>
+        <p:nvSpPr>
+          <p:cNvPr id="6" name="Slide Number Placeholder 5"/>
+          <p:cNvSpPr>
+            <a:spLocks noGrp="1"/>
+          </p:cNvSpPr>
+          <p:nvPr>
+            <p:ph type="sldNum" sz="quarter" idx="12"/>
+          </p:nvPr>
+        </p:nvSpPr>
+        <p:spPr/>
+        <p:txBody>
+          <a:bodyPr/>
+          <a:lstStyle/>
+          <a:p>
+            <a:fld id="{2095DC0D-3C48-4008-9D3D-49CB0DF86F68}" type="slidenum">
+              <a:rPr lang="en-GB" smtClean="0"/>
+              <a:t>‹#›</a:t>
+            </a:fld>
+            <a:endParaRPr lang="en-GB"/>
+          </a:p>
+        </p:txBody>
+      </p:sp>
+    </p:spTree>
+    <p:extLst>
+      <p:ext uri="{BB962C8B-B14F-4D97-AF65-F5344CB8AC3E}">
+        <p14:creationId xmlns:p14="http://schemas.microsoft.com/office/powerpoint/2010/main" val="2985793313"/>
+      </p:ext>
+    </p:extLst>
+  </p:cSld>
+  <p:clrMapOvr>
+    <a:masterClrMapping/>
+  </p:clrMapOvr>
+</p:sldLayout>
+</file>
+
+<file path=ppt/slideLayouts/slideLayout16.xml><?xml version="1.0" encoding="utf-8"?>
 <p:sldLayout xmlns:a="http://schemas.openxmlformats.org/drawingml/2006/main" xmlns:r="http://schemas.openxmlformats.org/officeDocument/2006/relationships" xmlns:p="http://schemas.openxmlformats.org/presentationml/2006/main" type="vertTx" preserve="1">
   <p:cSld name="Title and Vertical Text">
     <p:spTree>
@@ -349,13 +2864,7 @@
       </p:grpSpPr>
       <p:sp>
         <p:nvSpPr>
-          <p:cNvPr id="2" name="Title 1">
-            <a:extLst>
-              <a:ext uri="{FF2B5EF4-FFF2-40B4-BE49-F238E27FC236}">
-                <a16:creationId xmlns:a16="http://schemas.microsoft.com/office/drawing/2014/main" id="{99B0499A-E271-4060-A795-5A4D3A5E62B2}"/>
-              </a:ext>
-            </a:extLst>
-          </p:cNvPr>
+          <p:cNvPr id="2" name="Title 1"/>
           <p:cNvSpPr>
             <a:spLocks noGrp="1"/>
           </p:cNvSpPr>
@@ -366,25 +2875,23 @@
         <p:spPr/>
         <p:txBody>
           <a:bodyPr/>
-          <a:lstStyle/>
+          <a:lstStyle>
+            <a:lvl1pPr algn="ctr">
+              <a:defRPr/>
+            </a:lvl1pPr>
+          </a:lstStyle>
           <a:p>
             <a:r>
               <a:rPr lang="en-US"/>
               <a:t>Click to edit Master title style</a:t>
             </a:r>
-            <a:endParaRPr lang="en-GB"/>
-          </a:p>
-        </p:txBody>
-      </p:sp>
-      <p:sp>
-        <p:nvSpPr>
-          <p:cNvPr id="3" name="Vertical Text Placeholder 2">
-            <a:extLst>
-              <a:ext uri="{FF2B5EF4-FFF2-40B4-BE49-F238E27FC236}">
-                <a16:creationId xmlns:a16="http://schemas.microsoft.com/office/drawing/2014/main" id="{85FE46CF-53C3-422A-86B5-1BC5182382E4}"/>
-              </a:ext>
-            </a:extLst>
-          </p:cNvPr>
+            <a:endParaRPr lang="en-US" dirty="0"/>
+          </a:p>
+        </p:txBody>
+      </p:sp>
+      <p:sp>
+        <p:nvSpPr>
+          <p:cNvPr id="3" name="Vertical Text Placeholder 2"/>
           <p:cNvSpPr>
             <a:spLocks noGrp="1"/>
           </p:cNvSpPr>
@@ -394,7 +2901,7 @@
         </p:nvSpPr>
         <p:spPr/>
         <p:txBody>
-          <a:bodyPr vert="eaVert"/>
+          <a:bodyPr vert="eaVert" anchor="t"/>
           <a:lstStyle/>
           <a:p>
             <a:pPr lvl="0"/>
@@ -430,19 +2937,13 @@
               <a:rPr lang="en-US"/>
               <a:t>Fifth level</a:t>
             </a:r>
-            <a:endParaRPr lang="en-GB"/>
-          </a:p>
-        </p:txBody>
-      </p:sp>
-      <p:sp>
-        <p:nvSpPr>
-          <p:cNvPr id="4" name="Date Placeholder 3">
-            <a:extLst>
-              <a:ext uri="{FF2B5EF4-FFF2-40B4-BE49-F238E27FC236}">
-                <a16:creationId xmlns:a16="http://schemas.microsoft.com/office/drawing/2014/main" id="{3E4ABE7D-D195-4FE9-90E0-325B52C1F087}"/>
-              </a:ext>
-            </a:extLst>
-          </p:cNvPr>
+            <a:endParaRPr lang="en-US" dirty="0"/>
+          </a:p>
+        </p:txBody>
+      </p:sp>
+      <p:sp>
+        <p:nvSpPr>
+          <p:cNvPr id="4" name="Date Placeholder 3"/>
           <p:cNvSpPr>
             <a:spLocks noGrp="1"/>
           </p:cNvSpPr>
@@ -465,13 +2966,7 @@
       </p:sp>
       <p:sp>
         <p:nvSpPr>
-          <p:cNvPr id="5" name="Footer Placeholder 4">
-            <a:extLst>
-              <a:ext uri="{FF2B5EF4-FFF2-40B4-BE49-F238E27FC236}">
-                <a16:creationId xmlns:a16="http://schemas.microsoft.com/office/drawing/2014/main" id="{C316102C-F308-4CBD-9168-E3257A71BEC6}"/>
-              </a:ext>
-            </a:extLst>
-          </p:cNvPr>
+          <p:cNvPr id="5" name="Footer Placeholder 4"/>
           <p:cNvSpPr>
             <a:spLocks noGrp="1"/>
           </p:cNvSpPr>
@@ -490,13 +2985,7 @@
       </p:sp>
       <p:sp>
         <p:nvSpPr>
-          <p:cNvPr id="6" name="Slide Number Placeholder 5">
-            <a:extLst>
-              <a:ext uri="{FF2B5EF4-FFF2-40B4-BE49-F238E27FC236}">
-                <a16:creationId xmlns:a16="http://schemas.microsoft.com/office/drawing/2014/main" id="{F8718EAA-8442-427A-AAA8-A0E5049D3FBC}"/>
-              </a:ext>
-            </a:extLst>
-          </p:cNvPr>
+          <p:cNvPr id="6" name="Slide Number Placeholder 5"/>
           <p:cNvSpPr>
             <a:spLocks noGrp="1"/>
           </p:cNvSpPr>
@@ -520,7 +3009,7 @@
     </p:spTree>
     <p:extLst>
       <p:ext uri="{BB962C8B-B14F-4D97-AF65-F5344CB8AC3E}">
-        <p14:creationId xmlns:p14="http://schemas.microsoft.com/office/powerpoint/2010/main" val="1193666327"/>
+        <p14:creationId xmlns:p14="http://schemas.microsoft.com/office/powerpoint/2010/main" val="2508867739"/>
       </p:ext>
     </p:extLst>
   </p:cSld>
@@ -530,7 +3019,7 @@
 </p:sldLayout>
 </file>
 
-<file path=ppt/slideLayouts/slideLayout11.xml><?xml version="1.0" encoding="utf-8"?>
+<file path=ppt/slideLayouts/slideLayout17.xml><?xml version="1.0" encoding="utf-8"?>
 <p:sldLayout xmlns:a="http://schemas.openxmlformats.org/drawingml/2006/main" xmlns:r="http://schemas.openxmlformats.org/officeDocument/2006/relationships" xmlns:p="http://schemas.openxmlformats.org/presentationml/2006/main" type="vertTitleAndTx" preserve="1">
   <p:cSld name="Vertical Title and Text">
     <p:spTree>
@@ -549,13 +3038,7 @@
       </p:grpSpPr>
       <p:sp>
         <p:nvSpPr>
-          <p:cNvPr id="2" name="Vertical Title 1">
-            <a:extLst>
-              <a:ext uri="{FF2B5EF4-FFF2-40B4-BE49-F238E27FC236}">
-                <a16:creationId xmlns:a16="http://schemas.microsoft.com/office/drawing/2014/main" id="{7BDB7BC0-1BB3-409C-9EB5-26A84D6BD932}"/>
-              </a:ext>
-            </a:extLst>
-          </p:cNvPr>
+          <p:cNvPr id="2" name="Vertical Title 1"/>
           <p:cNvSpPr>
             <a:spLocks noGrp="1"/>
           </p:cNvSpPr>
@@ -565,8 +3048,8 @@
         </p:nvSpPr>
         <p:spPr>
           <a:xfrm>
-            <a:off x="8724900" y="365125"/>
-            <a:ext cx="2628900" cy="5811838"/>
+            <a:off x="9732655" y="685800"/>
+            <a:ext cx="1770369" cy="5105400"/>
           </a:xfrm>
         </p:spPr>
         <p:txBody>
@@ -577,19 +3060,13 @@
               <a:rPr lang="en-US"/>
               <a:t>Click to edit Master title style</a:t>
             </a:r>
-            <a:endParaRPr lang="en-GB"/>
-          </a:p>
-        </p:txBody>
-      </p:sp>
-      <p:sp>
-        <p:nvSpPr>
-          <p:cNvPr id="3" name="Vertical Text Placeholder 2">
-            <a:extLst>
-              <a:ext uri="{FF2B5EF4-FFF2-40B4-BE49-F238E27FC236}">
-                <a16:creationId xmlns:a16="http://schemas.microsoft.com/office/drawing/2014/main" id="{5A566252-7C54-47DF-B7D5-8FDEDCD0ADFB}"/>
-              </a:ext>
-            </a:extLst>
-          </p:cNvPr>
+            <a:endParaRPr lang="en-US" dirty="0"/>
+          </a:p>
+        </p:txBody>
+      </p:sp>
+      <p:sp>
+        <p:nvSpPr>
+          <p:cNvPr id="3" name="Vertical Text Placeholder 2"/>
           <p:cNvSpPr>
             <a:spLocks noGrp="1"/>
           </p:cNvSpPr>
@@ -599,12 +3076,12 @@
         </p:nvSpPr>
         <p:spPr>
           <a:xfrm>
-            <a:off x="838200" y="365125"/>
-            <a:ext cx="7734300" cy="5811838"/>
+            <a:off x="1484312" y="685800"/>
+            <a:ext cx="8019742" cy="5105400"/>
           </a:xfrm>
         </p:spPr>
         <p:txBody>
-          <a:bodyPr vert="eaVert"/>
+          <a:bodyPr vert="eaVert" anchor="t"/>
           <a:lstStyle/>
           <a:p>
             <a:pPr lvl="0"/>
@@ -640,19 +3117,13 @@
               <a:rPr lang="en-US"/>
               <a:t>Fifth level</a:t>
             </a:r>
-            <a:endParaRPr lang="en-GB"/>
-          </a:p>
-        </p:txBody>
-      </p:sp>
-      <p:sp>
-        <p:nvSpPr>
-          <p:cNvPr id="4" name="Date Placeholder 3">
-            <a:extLst>
-              <a:ext uri="{FF2B5EF4-FFF2-40B4-BE49-F238E27FC236}">
-                <a16:creationId xmlns:a16="http://schemas.microsoft.com/office/drawing/2014/main" id="{4A1A384D-14F8-4A9A-B391-2CF08E797A6A}"/>
-              </a:ext>
-            </a:extLst>
-          </p:cNvPr>
+            <a:endParaRPr lang="en-US" dirty="0"/>
+          </a:p>
+        </p:txBody>
+      </p:sp>
+      <p:sp>
+        <p:nvSpPr>
+          <p:cNvPr id="4" name="Date Placeholder 3"/>
           <p:cNvSpPr>
             <a:spLocks noGrp="1"/>
           </p:cNvSpPr>
@@ -675,13 +3146,7 @@
       </p:sp>
       <p:sp>
         <p:nvSpPr>
-          <p:cNvPr id="5" name="Footer Placeholder 4">
-            <a:extLst>
-              <a:ext uri="{FF2B5EF4-FFF2-40B4-BE49-F238E27FC236}">
-                <a16:creationId xmlns:a16="http://schemas.microsoft.com/office/drawing/2014/main" id="{02660CA4-F60F-49C9-86DE-44BE3EDFF23F}"/>
-              </a:ext>
-            </a:extLst>
-          </p:cNvPr>
+          <p:cNvPr id="5" name="Footer Placeholder 4"/>
           <p:cNvSpPr>
             <a:spLocks noGrp="1"/>
           </p:cNvSpPr>
@@ -700,13 +3165,7 @@
       </p:sp>
       <p:sp>
         <p:nvSpPr>
-          <p:cNvPr id="6" name="Slide Number Placeholder 5">
-            <a:extLst>
-              <a:ext uri="{FF2B5EF4-FFF2-40B4-BE49-F238E27FC236}">
-                <a16:creationId xmlns:a16="http://schemas.microsoft.com/office/drawing/2014/main" id="{69AB47B9-087F-486B-B511-DEA689A38436}"/>
-              </a:ext>
-            </a:extLst>
-          </p:cNvPr>
+          <p:cNvPr id="6" name="Slide Number Placeholder 5"/>
           <p:cNvSpPr>
             <a:spLocks noGrp="1"/>
           </p:cNvSpPr>
@@ -730,7 +3189,7 @@
     </p:spTree>
     <p:extLst>
       <p:ext uri="{BB962C8B-B14F-4D97-AF65-F5344CB8AC3E}">
-        <p14:creationId xmlns:p14="http://schemas.microsoft.com/office/powerpoint/2010/main" val="3725644330"/>
+        <p14:creationId xmlns:p14="http://schemas.microsoft.com/office/powerpoint/2010/main" val="2015276231"/>
       </p:ext>
     </p:extLst>
   </p:cSld>
@@ -759,13 +3218,7 @@
       </p:grpSpPr>
       <p:sp>
         <p:nvSpPr>
-          <p:cNvPr id="2" name="Title 1">
-            <a:extLst>
-              <a:ext uri="{FF2B5EF4-FFF2-40B4-BE49-F238E27FC236}">
-                <a16:creationId xmlns:a16="http://schemas.microsoft.com/office/drawing/2014/main" id="{0C9C6122-8804-40D7-B67B-435251DC4818}"/>
-              </a:ext>
-            </a:extLst>
-          </p:cNvPr>
+          <p:cNvPr id="2" name="Title 1"/>
           <p:cNvSpPr>
             <a:spLocks noGrp="1"/>
           </p:cNvSpPr>
@@ -782,19 +3235,13 @@
               <a:rPr lang="en-US"/>
               <a:t>Click to edit Master title style</a:t>
             </a:r>
-            <a:endParaRPr lang="en-GB"/>
-          </a:p>
-        </p:txBody>
-      </p:sp>
-      <p:sp>
-        <p:nvSpPr>
-          <p:cNvPr id="3" name="Content Placeholder 2">
-            <a:extLst>
-              <a:ext uri="{FF2B5EF4-FFF2-40B4-BE49-F238E27FC236}">
-                <a16:creationId xmlns:a16="http://schemas.microsoft.com/office/drawing/2014/main" id="{1DADBC83-7107-48E5-A6E3-1BE0682D40FB}"/>
-              </a:ext>
-            </a:extLst>
-          </p:cNvPr>
+            <a:endParaRPr lang="en-US" dirty="0"/>
+          </a:p>
+        </p:txBody>
+      </p:sp>
+      <p:sp>
+        <p:nvSpPr>
+          <p:cNvPr id="3" name="Content Placeholder 2"/>
           <p:cNvSpPr>
             <a:spLocks noGrp="1"/>
           </p:cNvSpPr>
@@ -804,7 +3251,7 @@
         </p:nvSpPr>
         <p:spPr/>
         <p:txBody>
-          <a:bodyPr/>
+          <a:bodyPr anchor="ctr"/>
           <a:lstStyle/>
           <a:p>
             <a:pPr lvl="0"/>
@@ -840,19 +3287,13 @@
               <a:rPr lang="en-US"/>
               <a:t>Fifth level</a:t>
             </a:r>
-            <a:endParaRPr lang="en-GB"/>
-          </a:p>
-        </p:txBody>
-      </p:sp>
-      <p:sp>
-        <p:nvSpPr>
-          <p:cNvPr id="4" name="Date Placeholder 3">
-            <a:extLst>
-              <a:ext uri="{FF2B5EF4-FFF2-40B4-BE49-F238E27FC236}">
-                <a16:creationId xmlns:a16="http://schemas.microsoft.com/office/drawing/2014/main" id="{DF57E2B7-EF22-4782-801E-A3D5E98884B9}"/>
-              </a:ext>
-            </a:extLst>
-          </p:cNvPr>
+            <a:endParaRPr lang="en-US" dirty="0"/>
+          </a:p>
+        </p:txBody>
+      </p:sp>
+      <p:sp>
+        <p:nvSpPr>
+          <p:cNvPr id="4" name="Date Placeholder 3"/>
           <p:cNvSpPr>
             <a:spLocks noGrp="1"/>
           </p:cNvSpPr>
@@ -875,13 +3316,7 @@
       </p:sp>
       <p:sp>
         <p:nvSpPr>
-          <p:cNvPr id="5" name="Footer Placeholder 4">
-            <a:extLst>
-              <a:ext uri="{FF2B5EF4-FFF2-40B4-BE49-F238E27FC236}">
-                <a16:creationId xmlns:a16="http://schemas.microsoft.com/office/drawing/2014/main" id="{5B82DB70-F6D8-4238-8075-412FBCAF5B3E}"/>
-              </a:ext>
-            </a:extLst>
-          </p:cNvPr>
+          <p:cNvPr id="5" name="Footer Placeholder 4"/>
           <p:cNvSpPr>
             <a:spLocks noGrp="1"/>
           </p:cNvSpPr>
@@ -900,13 +3335,7 @@
       </p:sp>
       <p:sp>
         <p:nvSpPr>
-          <p:cNvPr id="6" name="Slide Number Placeholder 5">
-            <a:extLst>
-              <a:ext uri="{FF2B5EF4-FFF2-40B4-BE49-F238E27FC236}">
-                <a16:creationId xmlns:a16="http://schemas.microsoft.com/office/drawing/2014/main" id="{F3F805CD-F232-459F-98D0-5D755E535012}"/>
-              </a:ext>
-            </a:extLst>
-          </p:cNvPr>
+          <p:cNvPr id="6" name="Slide Number Placeholder 5"/>
           <p:cNvSpPr>
             <a:spLocks noGrp="1"/>
           </p:cNvSpPr>
@@ -914,7 +3343,12 @@
             <p:ph type="sldNum" sz="quarter" idx="12"/>
           </p:nvPr>
         </p:nvSpPr>
-        <p:spPr/>
+        <p:spPr>
+          <a:xfrm>
+            <a:off x="10951856" y="5867131"/>
+            <a:ext cx="551167" cy="365125"/>
+          </a:xfrm>
+        </p:spPr>
         <p:txBody>
           <a:bodyPr/>
           <a:lstStyle/>
@@ -930,7 +3364,7 @@
     </p:spTree>
     <p:extLst>
       <p:ext uri="{BB962C8B-B14F-4D97-AF65-F5344CB8AC3E}">
-        <p14:creationId xmlns:p14="http://schemas.microsoft.com/office/powerpoint/2010/main" val="582990311"/>
+        <p14:creationId xmlns:p14="http://schemas.microsoft.com/office/powerpoint/2010/main" val="2683275165"/>
       </p:ext>
     </p:extLst>
   </p:cSld>
@@ -959,13 +3393,7 @@
       </p:grpSpPr>
       <p:sp>
         <p:nvSpPr>
-          <p:cNvPr id="2" name="Title 1">
-            <a:extLst>
-              <a:ext uri="{FF2B5EF4-FFF2-40B4-BE49-F238E27FC236}">
-                <a16:creationId xmlns:a16="http://schemas.microsoft.com/office/drawing/2014/main" id="{C82C7E5E-BE20-4BAC-B26A-484C979D2243}"/>
-              </a:ext>
-            </a:extLst>
-          </p:cNvPr>
+          <p:cNvPr id="2" name="Title 1"/>
           <p:cNvSpPr>
             <a:spLocks noGrp="1"/>
           </p:cNvSpPr>
@@ -975,15 +3403,15 @@
         </p:nvSpPr>
         <p:spPr>
           <a:xfrm>
-            <a:off x="831850" y="1709738"/>
-            <a:ext cx="10515600" cy="2852737"/>
+            <a:off x="2572279" y="2666999"/>
+            <a:ext cx="8930747" cy="2110382"/>
           </a:xfrm>
         </p:spPr>
         <p:txBody>
           <a:bodyPr anchor="b"/>
           <a:lstStyle>
-            <a:lvl1pPr>
-              <a:defRPr sz="6000"/>
+            <a:lvl1pPr algn="r">
+              <a:defRPr sz="4000" b="0" cap="none"/>
             </a:lvl1pPr>
           </a:lstStyle>
           <a:p>
@@ -991,19 +3419,13 @@
               <a:rPr lang="en-US"/>
               <a:t>Click to edit Master title style</a:t>
             </a:r>
-            <a:endParaRPr lang="en-GB"/>
-          </a:p>
-        </p:txBody>
-      </p:sp>
-      <p:sp>
-        <p:nvSpPr>
-          <p:cNvPr id="3" name="Text Placeholder 2">
-            <a:extLst>
-              <a:ext uri="{FF2B5EF4-FFF2-40B4-BE49-F238E27FC236}">
-                <a16:creationId xmlns:a16="http://schemas.microsoft.com/office/drawing/2014/main" id="{757556C2-EFAB-4C21-94FD-011818E44CC7}"/>
-              </a:ext>
-            </a:extLst>
-          </p:cNvPr>
+            <a:endParaRPr lang="en-US" dirty="0"/>
+          </a:p>
+        </p:txBody>
+      </p:sp>
+      <p:sp>
+        <p:nvSpPr>
+          <p:cNvPr id="3" name="Text Placeholder 2"/>
           <p:cNvSpPr>
             <a:spLocks noGrp="1"/>
           </p:cNvSpPr>
@@ -1013,102 +3435,102 @@
         </p:nvSpPr>
         <p:spPr>
           <a:xfrm>
-            <a:off x="831850" y="4589463"/>
-            <a:ext cx="10515600" cy="1500187"/>
+            <a:off x="2572278" y="4777381"/>
+            <a:ext cx="8930748" cy="860400"/>
           </a:xfrm>
         </p:spPr>
         <p:txBody>
-          <a:bodyPr/>
+          <a:bodyPr anchor="t">
+            <a:normAutofit/>
+          </a:bodyPr>
           <a:lstStyle>
-            <a:lvl1pPr marL="0" indent="0">
-              <a:buNone/>
-              <a:defRPr sz="2400">
+            <a:lvl1pPr marL="0" indent="0" algn="r">
+              <a:buNone/>
+              <a:defRPr sz="2000">
+                <a:solidFill>
+                  <a:schemeClr val="tx1"/>
+                </a:solidFill>
+              </a:defRPr>
+            </a:lvl1pPr>
+            <a:lvl2pPr marL="457200" indent="0">
+              <a:buNone/>
+              <a:defRPr sz="1800">
                 <a:solidFill>
                   <a:schemeClr val="tx1">
                     <a:tint val="75000"/>
                   </a:schemeClr>
                 </a:solidFill>
               </a:defRPr>
-            </a:lvl1pPr>
-            <a:lvl2pPr marL="457200" indent="0">
-              <a:buNone/>
-              <a:defRPr sz="2000">
+            </a:lvl2pPr>
+            <a:lvl3pPr marL="914400" indent="0">
+              <a:buNone/>
+              <a:defRPr sz="1600">
                 <a:solidFill>
                   <a:schemeClr val="tx1">
                     <a:tint val="75000"/>
                   </a:schemeClr>
                 </a:solidFill>
               </a:defRPr>
-            </a:lvl2pPr>
-            <a:lvl3pPr marL="914400" indent="0">
-              <a:buNone/>
-              <a:defRPr sz="1800">
+            </a:lvl3pPr>
+            <a:lvl4pPr marL="1371600" indent="0">
+              <a:buNone/>
+              <a:defRPr sz="1400">
                 <a:solidFill>
                   <a:schemeClr val="tx1">
                     <a:tint val="75000"/>
                   </a:schemeClr>
                 </a:solidFill>
               </a:defRPr>
-            </a:lvl3pPr>
-            <a:lvl4pPr marL="1371600" indent="0">
-              <a:buNone/>
-              <a:defRPr sz="1600">
+            </a:lvl4pPr>
+            <a:lvl5pPr marL="1828800" indent="0">
+              <a:buNone/>
+              <a:defRPr sz="1400">
                 <a:solidFill>
                   <a:schemeClr val="tx1">
                     <a:tint val="75000"/>
                   </a:schemeClr>
                 </a:solidFill>
               </a:defRPr>
-            </a:lvl4pPr>
-            <a:lvl5pPr marL="1828800" indent="0">
-              <a:buNone/>
-              <a:defRPr sz="1600">
+            </a:lvl5pPr>
+            <a:lvl6pPr marL="2286000" indent="0">
+              <a:buNone/>
+              <a:defRPr sz="1400">
                 <a:solidFill>
                   <a:schemeClr val="tx1">
                     <a:tint val="75000"/>
                   </a:schemeClr>
                 </a:solidFill>
               </a:defRPr>
-            </a:lvl5pPr>
-            <a:lvl6pPr marL="2286000" indent="0">
-              <a:buNone/>
-              <a:defRPr sz="1600">
+            </a:lvl6pPr>
+            <a:lvl7pPr marL="2743200" indent="0">
+              <a:buNone/>
+              <a:defRPr sz="1400">
                 <a:solidFill>
                   <a:schemeClr val="tx1">
                     <a:tint val="75000"/>
                   </a:schemeClr>
                 </a:solidFill>
               </a:defRPr>
-            </a:lvl6pPr>
-            <a:lvl7pPr marL="2743200" indent="0">
-              <a:buNone/>
-              <a:defRPr sz="1600">
+            </a:lvl7pPr>
+            <a:lvl8pPr marL="3200400" indent="0">
+              <a:buNone/>
+              <a:defRPr sz="1400">
                 <a:solidFill>
                   <a:schemeClr val="tx1">
                     <a:tint val="75000"/>
                   </a:schemeClr>
                 </a:solidFill>
               </a:defRPr>
-            </a:lvl7pPr>
-            <a:lvl8pPr marL="3200400" indent="0">
-              <a:buNone/>
-              <a:defRPr sz="1600">
+            </a:lvl8pPr>
+            <a:lvl9pPr marL="3657600" indent="0">
+              <a:buNone/>
+              <a:defRPr sz="1400">
                 <a:solidFill>
                   <a:schemeClr val="tx1">
                     <a:tint val="75000"/>
                   </a:schemeClr>
                 </a:solidFill>
               </a:defRPr>
-            </a:lvl8pPr>
-            <a:lvl9pPr marL="3657600" indent="0">
-              <a:buNone/>
-              <a:defRPr sz="1600">
-                <a:solidFill>
-                  <a:schemeClr val="tx1">
-                    <a:tint val="75000"/>
-                  </a:schemeClr>
-                </a:solidFill>
-              </a:defRPr>
             </a:lvl9pPr>
           </a:lstStyle>
           <a:p>
@@ -1122,13 +3544,7 @@
       </p:sp>
       <p:sp>
         <p:nvSpPr>
-          <p:cNvPr id="4" name="Date Placeholder 3">
-            <a:extLst>
-              <a:ext uri="{FF2B5EF4-FFF2-40B4-BE49-F238E27FC236}">
-                <a16:creationId xmlns:a16="http://schemas.microsoft.com/office/drawing/2014/main" id="{B500056B-59A3-4536-830B-8A2516AAA538}"/>
-              </a:ext>
-            </a:extLst>
-          </p:cNvPr>
+          <p:cNvPr id="4" name="Date Placeholder 3"/>
           <p:cNvSpPr>
             <a:spLocks noGrp="1"/>
           </p:cNvSpPr>
@@ -1151,13 +3567,7 @@
       </p:sp>
       <p:sp>
         <p:nvSpPr>
-          <p:cNvPr id="5" name="Footer Placeholder 4">
-            <a:extLst>
-              <a:ext uri="{FF2B5EF4-FFF2-40B4-BE49-F238E27FC236}">
-                <a16:creationId xmlns:a16="http://schemas.microsoft.com/office/drawing/2014/main" id="{7015DE18-E67F-4B1E-92CC-2DD72EEBAEA2}"/>
-              </a:ext>
-            </a:extLst>
-          </p:cNvPr>
+          <p:cNvPr id="5" name="Footer Placeholder 4"/>
           <p:cNvSpPr>
             <a:spLocks noGrp="1"/>
           </p:cNvSpPr>
@@ -1176,13 +3586,7 @@
       </p:sp>
       <p:sp>
         <p:nvSpPr>
-          <p:cNvPr id="6" name="Slide Number Placeholder 5">
-            <a:extLst>
-              <a:ext uri="{FF2B5EF4-FFF2-40B4-BE49-F238E27FC236}">
-                <a16:creationId xmlns:a16="http://schemas.microsoft.com/office/drawing/2014/main" id="{6972D37F-8309-4554-91F5-2D3AA8FB0671}"/>
-              </a:ext>
-            </a:extLst>
-          </p:cNvPr>
+          <p:cNvPr id="6" name="Slide Number Placeholder 5"/>
           <p:cNvSpPr>
             <a:spLocks noGrp="1"/>
           </p:cNvSpPr>
@@ -1206,7 +3610,7 @@
     </p:spTree>
     <p:extLst>
       <p:ext uri="{BB962C8B-B14F-4D97-AF65-F5344CB8AC3E}">
-        <p14:creationId xmlns:p14="http://schemas.microsoft.com/office/powerpoint/2010/main" val="2765860336"/>
+        <p14:creationId xmlns:p14="http://schemas.microsoft.com/office/powerpoint/2010/main" val="1481226677"/>
       </p:ext>
     </p:extLst>
   </p:cSld>
@@ -1235,121 +3639,81 @@
       </p:grpSpPr>
       <p:sp>
         <p:nvSpPr>
-          <p:cNvPr id="2" name="Title 1">
-            <a:extLst>
-              <a:ext uri="{FF2B5EF4-FFF2-40B4-BE49-F238E27FC236}">
-                <a16:creationId xmlns:a16="http://schemas.microsoft.com/office/drawing/2014/main" id="{A9277AD3-582C-49CC-83AC-8966D528A6C9}"/>
-              </a:ext>
-            </a:extLst>
-          </p:cNvPr>
+          <p:cNvPr id="2" name="Title 1"/>
           <p:cNvSpPr>
             <a:spLocks noGrp="1"/>
           </p:cNvSpPr>
           <p:nvPr>
             <p:ph type="title"/>
-          </p:nvPr>
-        </p:nvSpPr>
-        <p:spPr/>
-        <p:txBody>
-          <a:bodyPr/>
-          <a:lstStyle/>
-          <a:p>
-            <a:r>
-              <a:rPr lang="en-US"/>
-              <a:t>Click to edit Master title style</a:t>
-            </a:r>
-            <a:endParaRPr lang="en-GB"/>
-          </a:p>
-        </p:txBody>
-      </p:sp>
-      <p:sp>
-        <p:nvSpPr>
-          <p:cNvPr id="3" name="Content Placeholder 2">
-            <a:extLst>
-              <a:ext uri="{FF2B5EF4-FFF2-40B4-BE49-F238E27FC236}">
-                <a16:creationId xmlns:a16="http://schemas.microsoft.com/office/drawing/2014/main" id="{56178E28-CD83-4F9B-BE4C-792C71EE681B}"/>
-              </a:ext>
-            </a:extLst>
-          </p:cNvPr>
-          <p:cNvSpPr>
-            <a:spLocks noGrp="1"/>
-          </p:cNvSpPr>
-          <p:nvPr>
-            <p:ph sz="half" idx="1"/>
           </p:nvPr>
         </p:nvSpPr>
         <p:spPr>
           <a:xfrm>
-            <a:off x="838200" y="1825625"/>
-            <a:ext cx="5181600" cy="4351338"/>
+            <a:off x="1484311" y="685800"/>
+            <a:ext cx="10018713" cy="1752599"/>
           </a:xfrm>
         </p:spPr>
         <p:txBody>
           <a:bodyPr/>
           <a:lstStyle/>
           <a:p>
-            <a:pPr lvl="0"/>
-            <a:r>
-              <a:rPr lang="en-US"/>
-              <a:t>Click to edit Master text styles</a:t>
-            </a:r>
-          </a:p>
-          <a:p>
-            <a:pPr lvl="1"/>
-            <a:r>
-              <a:rPr lang="en-US"/>
-              <a:t>Second level</a:t>
-            </a:r>
-          </a:p>
-          <a:p>
-            <a:pPr lvl="2"/>
-            <a:r>
-              <a:rPr lang="en-US"/>
-              <a:t>Third level</a:t>
-            </a:r>
-          </a:p>
-          <a:p>
-            <a:pPr lvl="3"/>
-            <a:r>
-              <a:rPr lang="en-US"/>
-              <a:t>Fourth level</a:t>
-            </a:r>
-          </a:p>
-          <a:p>
-            <a:pPr lvl="4"/>
-            <a:r>
-              <a:rPr lang="en-US"/>
-              <a:t>Fifth level</a:t>
-            </a:r>
-            <a:endParaRPr lang="en-GB"/>
-          </a:p>
-        </p:txBody>
-      </p:sp>
-      <p:sp>
-        <p:nvSpPr>
-          <p:cNvPr id="4" name="Content Placeholder 3">
-            <a:extLst>
-              <a:ext uri="{FF2B5EF4-FFF2-40B4-BE49-F238E27FC236}">
-                <a16:creationId xmlns:a16="http://schemas.microsoft.com/office/drawing/2014/main" id="{E1617C00-4BC6-40AB-9414-6CAFA0E80236}"/>
-              </a:ext>
-            </a:extLst>
-          </p:cNvPr>
-          <p:cNvSpPr>
-            <a:spLocks noGrp="1"/>
-          </p:cNvSpPr>
-          <p:nvPr>
-            <p:ph sz="half" idx="2"/>
+            <a:r>
+              <a:rPr lang="en-US"/>
+              <a:t>Click to edit Master title style</a:t>
+            </a:r>
+            <a:endParaRPr lang="en-US" dirty="0"/>
+          </a:p>
+        </p:txBody>
+      </p:sp>
+      <p:sp>
+        <p:nvSpPr>
+          <p:cNvPr id="3" name="Content Placeholder 2"/>
+          <p:cNvSpPr>
+            <a:spLocks noGrp="1"/>
+          </p:cNvSpPr>
+          <p:nvPr>
+            <p:ph sz="half" idx="1"/>
           </p:nvPr>
         </p:nvSpPr>
         <p:spPr>
           <a:xfrm>
-            <a:off x="6172200" y="1825625"/>
-            <a:ext cx="5181600" cy="4351338"/>
+            <a:off x="1484312" y="2666999"/>
+            <a:ext cx="4895055" cy="3124201"/>
           </a:xfrm>
         </p:spPr>
         <p:txBody>
-          <a:bodyPr/>
-          <a:lstStyle/>
+          <a:bodyPr>
+            <a:normAutofit/>
+          </a:bodyPr>
+          <a:lstStyle>
+            <a:lvl1pPr>
+              <a:defRPr sz="1800"/>
+            </a:lvl1pPr>
+            <a:lvl2pPr>
+              <a:defRPr sz="1600"/>
+            </a:lvl2pPr>
+            <a:lvl3pPr>
+              <a:defRPr sz="1400"/>
+            </a:lvl3pPr>
+            <a:lvl4pPr>
+              <a:defRPr sz="1200"/>
+            </a:lvl4pPr>
+            <a:lvl5pPr>
+              <a:defRPr sz="1200"/>
+            </a:lvl5pPr>
+            <a:lvl6pPr>
+              <a:defRPr sz="1200"/>
+            </a:lvl6pPr>
+            <a:lvl7pPr>
+              <a:defRPr sz="1200"/>
+            </a:lvl7pPr>
+            <a:lvl8pPr>
+              <a:defRPr sz="1200"/>
+            </a:lvl8pPr>
+            <a:lvl9pPr>
+              <a:defRPr sz="1200"/>
+            </a:lvl9pPr>
+          </a:lstStyle>
           <a:p>
             <a:pPr lvl="0"/>
             <a:r>
@@ -1384,19 +3748,100 @@
               <a:rPr lang="en-US"/>
               <a:t>Fifth level</a:t>
             </a:r>
-            <a:endParaRPr lang="en-GB"/>
-          </a:p>
-        </p:txBody>
-      </p:sp>
-      <p:sp>
-        <p:nvSpPr>
-          <p:cNvPr id="5" name="Date Placeholder 4">
-            <a:extLst>
-              <a:ext uri="{FF2B5EF4-FFF2-40B4-BE49-F238E27FC236}">
-                <a16:creationId xmlns:a16="http://schemas.microsoft.com/office/drawing/2014/main" id="{3E006B93-D7A2-4914-BDB5-269AD9F67E5D}"/>
-              </a:ext>
-            </a:extLst>
-          </p:cNvPr>
+            <a:endParaRPr lang="en-US" dirty="0"/>
+          </a:p>
+        </p:txBody>
+      </p:sp>
+      <p:sp>
+        <p:nvSpPr>
+          <p:cNvPr id="4" name="Content Placeholder 3"/>
+          <p:cNvSpPr>
+            <a:spLocks noGrp="1"/>
+          </p:cNvSpPr>
+          <p:nvPr>
+            <p:ph sz="half" idx="2"/>
+          </p:nvPr>
+        </p:nvSpPr>
+        <p:spPr>
+          <a:xfrm>
+            <a:off x="6607967" y="2667000"/>
+            <a:ext cx="4895056" cy="3124200"/>
+          </a:xfrm>
+        </p:spPr>
+        <p:txBody>
+          <a:bodyPr>
+            <a:normAutofit/>
+          </a:bodyPr>
+          <a:lstStyle>
+            <a:lvl1pPr>
+              <a:defRPr sz="1800"/>
+            </a:lvl1pPr>
+            <a:lvl2pPr>
+              <a:defRPr sz="1600"/>
+            </a:lvl2pPr>
+            <a:lvl3pPr>
+              <a:defRPr sz="1400"/>
+            </a:lvl3pPr>
+            <a:lvl4pPr>
+              <a:defRPr sz="1200"/>
+            </a:lvl4pPr>
+            <a:lvl5pPr>
+              <a:defRPr sz="1200"/>
+            </a:lvl5pPr>
+            <a:lvl6pPr>
+              <a:defRPr sz="1200"/>
+            </a:lvl6pPr>
+            <a:lvl7pPr>
+              <a:defRPr sz="1200"/>
+            </a:lvl7pPr>
+            <a:lvl8pPr>
+              <a:defRPr sz="1200"/>
+            </a:lvl8pPr>
+            <a:lvl9pPr>
+              <a:defRPr sz="1200"/>
+            </a:lvl9pPr>
+          </a:lstStyle>
+          <a:p>
+            <a:pPr lvl="0"/>
+            <a:r>
+              <a:rPr lang="en-US"/>
+              <a:t>Click to edit Master text styles</a:t>
+            </a:r>
+          </a:p>
+          <a:p>
+            <a:pPr lvl="1"/>
+            <a:r>
+              <a:rPr lang="en-US"/>
+              <a:t>Second level</a:t>
+            </a:r>
+          </a:p>
+          <a:p>
+            <a:pPr lvl="2"/>
+            <a:r>
+              <a:rPr lang="en-US"/>
+              <a:t>Third level</a:t>
+            </a:r>
+          </a:p>
+          <a:p>
+            <a:pPr lvl="3"/>
+            <a:r>
+              <a:rPr lang="en-US"/>
+              <a:t>Fourth level</a:t>
+            </a:r>
+          </a:p>
+          <a:p>
+            <a:pPr lvl="4"/>
+            <a:r>
+              <a:rPr lang="en-US"/>
+              <a:t>Fifth level</a:t>
+            </a:r>
+            <a:endParaRPr lang="en-US" dirty="0"/>
+          </a:p>
+        </p:txBody>
+      </p:sp>
+      <p:sp>
+        <p:nvSpPr>
+          <p:cNvPr id="5" name="Date Placeholder 4"/>
           <p:cNvSpPr>
             <a:spLocks noGrp="1"/>
           </p:cNvSpPr>
@@ -1419,13 +3864,7 @@
       </p:sp>
       <p:sp>
         <p:nvSpPr>
-          <p:cNvPr id="6" name="Footer Placeholder 5">
-            <a:extLst>
-              <a:ext uri="{FF2B5EF4-FFF2-40B4-BE49-F238E27FC236}">
-                <a16:creationId xmlns:a16="http://schemas.microsoft.com/office/drawing/2014/main" id="{5D5AAD05-6556-4474-A08F-A6760128A1E6}"/>
-              </a:ext>
-            </a:extLst>
-          </p:cNvPr>
+          <p:cNvPr id="6" name="Footer Placeholder 5"/>
           <p:cNvSpPr>
             <a:spLocks noGrp="1"/>
           </p:cNvSpPr>
@@ -1444,13 +3883,7 @@
       </p:sp>
       <p:sp>
         <p:nvSpPr>
-          <p:cNvPr id="7" name="Slide Number Placeholder 6">
-            <a:extLst>
-              <a:ext uri="{FF2B5EF4-FFF2-40B4-BE49-F238E27FC236}">
-                <a16:creationId xmlns:a16="http://schemas.microsoft.com/office/drawing/2014/main" id="{91449042-CF6D-4383-AD60-AA47E693AA80}"/>
-              </a:ext>
-            </a:extLst>
-          </p:cNvPr>
+          <p:cNvPr id="7" name="Slide Number Placeholder 6"/>
           <p:cNvSpPr>
             <a:spLocks noGrp="1"/>
           </p:cNvSpPr>
@@ -1474,7 +3907,7 @@
     </p:spTree>
     <p:extLst>
       <p:ext uri="{BB962C8B-B14F-4D97-AF65-F5344CB8AC3E}">
-        <p14:creationId xmlns:p14="http://schemas.microsoft.com/office/powerpoint/2010/main" val="338499479"/>
+        <p14:creationId xmlns:p14="http://schemas.microsoft.com/office/powerpoint/2010/main" val="907222504"/>
       </p:ext>
     </p:extLst>
   </p:cSld>
@@ -1503,66 +3936,61 @@
       </p:grpSpPr>
       <p:sp>
         <p:nvSpPr>
-          <p:cNvPr id="2" name="Title 1">
-            <a:extLst>
-              <a:ext uri="{FF2B5EF4-FFF2-40B4-BE49-F238E27FC236}">
-                <a16:creationId xmlns:a16="http://schemas.microsoft.com/office/drawing/2014/main" id="{C1B67915-2E7F-4E33-9FBA-180EE21C62AE}"/>
-              </a:ext>
-            </a:extLst>
-          </p:cNvPr>
+          <p:cNvPr id="2" name="Title 1"/>
           <p:cNvSpPr>
             <a:spLocks noGrp="1"/>
           </p:cNvSpPr>
           <p:nvPr>
             <p:ph type="title"/>
+          </p:nvPr>
+        </p:nvSpPr>
+        <p:spPr/>
+        <p:txBody>
+          <a:bodyPr/>
+          <a:lstStyle>
+            <a:lvl1pPr>
+              <a:defRPr/>
+            </a:lvl1pPr>
+          </a:lstStyle>
+          <a:p>
+            <a:r>
+              <a:rPr lang="en-US"/>
+              <a:t>Click to edit Master title style</a:t>
+            </a:r>
+            <a:endParaRPr lang="en-US" dirty="0"/>
+          </a:p>
+        </p:txBody>
+      </p:sp>
+      <p:sp>
+        <p:nvSpPr>
+          <p:cNvPr id="3" name="Text Placeholder 2"/>
+          <p:cNvSpPr>
+            <a:spLocks noGrp="1"/>
+          </p:cNvSpPr>
+          <p:nvPr>
+            <p:ph type="body" idx="1"/>
           </p:nvPr>
         </p:nvSpPr>
         <p:spPr>
           <a:xfrm>
-            <a:off x="839788" y="365125"/>
-            <a:ext cx="10515600" cy="1325563"/>
+            <a:off x="1772179" y="2658533"/>
+            <a:ext cx="4607188" cy="576262"/>
           </a:xfrm>
         </p:spPr>
         <p:txBody>
-          <a:bodyPr/>
-          <a:lstStyle/>
-          <a:p>
-            <a:r>
-              <a:rPr lang="en-US"/>
-              <a:t>Click to edit Master title style</a:t>
-            </a:r>
-            <a:endParaRPr lang="en-GB"/>
-          </a:p>
-        </p:txBody>
-      </p:sp>
-      <p:sp>
-        <p:nvSpPr>
-          <p:cNvPr id="3" name="Text Placeholder 2">
-            <a:extLst>
-              <a:ext uri="{FF2B5EF4-FFF2-40B4-BE49-F238E27FC236}">
-                <a16:creationId xmlns:a16="http://schemas.microsoft.com/office/drawing/2014/main" id="{F2893921-C049-4168-8093-82A32208F882}"/>
-              </a:ext>
-            </a:extLst>
-          </p:cNvPr>
-          <p:cNvSpPr>
-            <a:spLocks noGrp="1"/>
-          </p:cNvSpPr>
-          <p:nvPr>
-            <p:ph type="body" idx="1"/>
-          </p:nvPr>
-        </p:nvSpPr>
-        <p:spPr>
-          <a:xfrm>
-            <a:off x="839788" y="1681163"/>
-            <a:ext cx="5157787" cy="823912"/>
-          </a:xfrm>
-        </p:spPr>
-        <p:txBody>
-          <a:bodyPr anchor="b"/>
+          <a:bodyPr anchor="b">
+            <a:noAutofit/>
+          </a:bodyPr>
           <a:lstStyle>
             <a:lvl1pPr marL="0" indent="0">
               <a:buNone/>
-              <a:defRPr sz="2400" b="1"/>
+              <a:defRPr sz="2800" b="0">
+                <a:solidFill>
+                  <a:schemeClr val="accent1">
+                    <a:lumMod val="75000"/>
+                  </a:schemeClr>
+                </a:solidFill>
+              </a:defRPr>
             </a:lvl1pPr>
             <a:lvl2pPr marL="457200" indent="0">
               <a:buNone/>
@@ -1608,13 +4036,7 @@
       </p:sp>
       <p:sp>
         <p:nvSpPr>
-          <p:cNvPr id="4" name="Content Placeholder 3">
-            <a:extLst>
-              <a:ext uri="{FF2B5EF4-FFF2-40B4-BE49-F238E27FC236}">
-                <a16:creationId xmlns:a16="http://schemas.microsoft.com/office/drawing/2014/main" id="{E15F9CD1-623E-41F4-BE59-09C28AC33125}"/>
-              </a:ext>
-            </a:extLst>
-          </p:cNvPr>
+          <p:cNvPr id="4" name="Content Placeholder 3"/>
           <p:cNvSpPr>
             <a:spLocks noGrp="1"/>
           </p:cNvSpPr>
@@ -1624,13 +4046,43 @@
         </p:nvSpPr>
         <p:spPr>
           <a:xfrm>
-            <a:off x="839788" y="2505075"/>
-            <a:ext cx="5157787" cy="3684588"/>
+            <a:off x="1484311" y="3335337"/>
+            <a:ext cx="4895056" cy="2455862"/>
           </a:xfrm>
         </p:spPr>
         <p:txBody>
-          <a:bodyPr/>
-          <a:lstStyle/>
+          <a:bodyPr anchor="t">
+            <a:normAutofit/>
+          </a:bodyPr>
+          <a:lstStyle>
+            <a:lvl1pPr>
+              <a:defRPr sz="1800"/>
+            </a:lvl1pPr>
+            <a:lvl2pPr>
+              <a:defRPr sz="1600"/>
+            </a:lvl2pPr>
+            <a:lvl3pPr>
+              <a:defRPr sz="1400"/>
+            </a:lvl3pPr>
+            <a:lvl4pPr>
+              <a:defRPr sz="1200"/>
+            </a:lvl4pPr>
+            <a:lvl5pPr>
+              <a:defRPr sz="1200"/>
+            </a:lvl5pPr>
+            <a:lvl6pPr>
+              <a:defRPr sz="1200"/>
+            </a:lvl6pPr>
+            <a:lvl7pPr>
+              <a:defRPr sz="1200"/>
+            </a:lvl7pPr>
+            <a:lvl8pPr>
+              <a:defRPr sz="1200"/>
+            </a:lvl8pPr>
+            <a:lvl9pPr>
+              <a:defRPr sz="1200"/>
+            </a:lvl9pPr>
+          </a:lstStyle>
           <a:p>
             <a:pPr lvl="0"/>
             <a:r>
@@ -1665,19 +4117,13 @@
               <a:rPr lang="en-US"/>
               <a:t>Fifth level</a:t>
             </a:r>
-            <a:endParaRPr lang="en-GB"/>
-          </a:p>
-        </p:txBody>
-      </p:sp>
-      <p:sp>
-        <p:nvSpPr>
-          <p:cNvPr id="5" name="Text Placeholder 4">
-            <a:extLst>
-              <a:ext uri="{FF2B5EF4-FFF2-40B4-BE49-F238E27FC236}">
-                <a16:creationId xmlns:a16="http://schemas.microsoft.com/office/drawing/2014/main" id="{FF74FE09-9BB3-430B-B049-A7AC91B90A42}"/>
-              </a:ext>
-            </a:extLst>
-          </p:cNvPr>
+            <a:endParaRPr lang="en-US" dirty="0"/>
+          </a:p>
+        </p:txBody>
+      </p:sp>
+      <p:sp>
+        <p:nvSpPr>
+          <p:cNvPr id="5" name="Text Placeholder 4"/>
           <p:cNvSpPr>
             <a:spLocks noGrp="1"/>
           </p:cNvSpPr>
@@ -1687,16 +4133,24 @@
         </p:nvSpPr>
         <p:spPr>
           <a:xfrm>
-            <a:off x="6172200" y="1681163"/>
-            <a:ext cx="5183188" cy="823912"/>
+            <a:off x="6880487" y="2667000"/>
+            <a:ext cx="4622537" cy="576262"/>
           </a:xfrm>
         </p:spPr>
         <p:txBody>
-          <a:bodyPr anchor="b"/>
+          <a:bodyPr anchor="b">
+            <a:noAutofit/>
+          </a:bodyPr>
           <a:lstStyle>
             <a:lvl1pPr marL="0" indent="0">
               <a:buNone/>
-              <a:defRPr sz="2400" b="1"/>
+              <a:defRPr sz="2800" b="0">
+                <a:solidFill>
+                  <a:schemeClr val="accent1">
+                    <a:lumMod val="75000"/>
+                  </a:schemeClr>
+                </a:solidFill>
+              </a:defRPr>
             </a:lvl1pPr>
             <a:lvl2pPr marL="457200" indent="0">
               <a:buNone/>
@@ -1742,13 +4196,7 @@
       </p:sp>
       <p:sp>
         <p:nvSpPr>
-          <p:cNvPr id="6" name="Content Placeholder 5">
-            <a:extLst>
-              <a:ext uri="{FF2B5EF4-FFF2-40B4-BE49-F238E27FC236}">
-                <a16:creationId xmlns:a16="http://schemas.microsoft.com/office/drawing/2014/main" id="{10C0213D-D75E-4581-AF64-F88CCC251065}"/>
-              </a:ext>
-            </a:extLst>
-          </p:cNvPr>
+          <p:cNvPr id="6" name="Content Placeholder 5"/>
           <p:cNvSpPr>
             <a:spLocks noGrp="1"/>
           </p:cNvSpPr>
@@ -1758,13 +4206,43 @@
         </p:nvSpPr>
         <p:spPr>
           <a:xfrm>
-            <a:off x="6172200" y="2505075"/>
-            <a:ext cx="5183188" cy="3684588"/>
+            <a:off x="6607967" y="3335337"/>
+            <a:ext cx="4895056" cy="2455862"/>
           </a:xfrm>
         </p:spPr>
         <p:txBody>
-          <a:bodyPr/>
-          <a:lstStyle/>
+          <a:bodyPr anchor="t">
+            <a:normAutofit/>
+          </a:bodyPr>
+          <a:lstStyle>
+            <a:lvl1pPr>
+              <a:defRPr sz="1800"/>
+            </a:lvl1pPr>
+            <a:lvl2pPr>
+              <a:defRPr sz="1600"/>
+            </a:lvl2pPr>
+            <a:lvl3pPr>
+              <a:defRPr sz="1400"/>
+            </a:lvl3pPr>
+            <a:lvl4pPr>
+              <a:defRPr sz="1200"/>
+            </a:lvl4pPr>
+            <a:lvl5pPr>
+              <a:defRPr sz="1200"/>
+            </a:lvl5pPr>
+            <a:lvl6pPr>
+              <a:defRPr sz="1200"/>
+            </a:lvl6pPr>
+            <a:lvl7pPr>
+              <a:defRPr sz="1200"/>
+            </a:lvl7pPr>
+            <a:lvl8pPr>
+              <a:defRPr sz="1200"/>
+            </a:lvl8pPr>
+            <a:lvl9pPr>
+              <a:defRPr sz="1200"/>
+            </a:lvl9pPr>
+          </a:lstStyle>
           <a:p>
             <a:pPr lvl="0"/>
             <a:r>
@@ -1799,19 +4277,13 @@
               <a:rPr lang="en-US"/>
               <a:t>Fifth level</a:t>
             </a:r>
-            <a:endParaRPr lang="en-GB"/>
-          </a:p>
-        </p:txBody>
-      </p:sp>
-      <p:sp>
-        <p:nvSpPr>
-          <p:cNvPr id="7" name="Date Placeholder 6">
-            <a:extLst>
-              <a:ext uri="{FF2B5EF4-FFF2-40B4-BE49-F238E27FC236}">
-                <a16:creationId xmlns:a16="http://schemas.microsoft.com/office/drawing/2014/main" id="{5244AC3D-5A27-44FC-9BC5-043B022A7478}"/>
-              </a:ext>
-            </a:extLst>
-          </p:cNvPr>
+            <a:endParaRPr lang="en-US" dirty="0"/>
+          </a:p>
+        </p:txBody>
+      </p:sp>
+      <p:sp>
+        <p:nvSpPr>
+          <p:cNvPr id="7" name="Date Placeholder 6"/>
           <p:cNvSpPr>
             <a:spLocks noGrp="1"/>
           </p:cNvSpPr>
@@ -1834,13 +4306,7 @@
       </p:sp>
       <p:sp>
         <p:nvSpPr>
-          <p:cNvPr id="8" name="Footer Placeholder 7">
-            <a:extLst>
-              <a:ext uri="{FF2B5EF4-FFF2-40B4-BE49-F238E27FC236}">
-                <a16:creationId xmlns:a16="http://schemas.microsoft.com/office/drawing/2014/main" id="{DE32EA46-CDC0-4672-8A85-572A5511E300}"/>
-              </a:ext>
-            </a:extLst>
-          </p:cNvPr>
+          <p:cNvPr id="8" name="Footer Placeholder 7"/>
           <p:cNvSpPr>
             <a:spLocks noGrp="1"/>
           </p:cNvSpPr>
@@ -1859,13 +4325,7 @@
       </p:sp>
       <p:sp>
         <p:nvSpPr>
-          <p:cNvPr id="9" name="Slide Number Placeholder 8">
-            <a:extLst>
-              <a:ext uri="{FF2B5EF4-FFF2-40B4-BE49-F238E27FC236}">
-                <a16:creationId xmlns:a16="http://schemas.microsoft.com/office/drawing/2014/main" id="{BD61E068-81A6-4588-BB96-F106EA5834C2}"/>
-              </a:ext>
-            </a:extLst>
-          </p:cNvPr>
+          <p:cNvPr id="9" name="Slide Number Placeholder 8"/>
           <p:cNvSpPr>
             <a:spLocks noGrp="1"/>
           </p:cNvSpPr>
@@ -1889,7 +4349,7 @@
     </p:spTree>
     <p:extLst>
       <p:ext uri="{BB962C8B-B14F-4D97-AF65-F5344CB8AC3E}">
-        <p14:creationId xmlns:p14="http://schemas.microsoft.com/office/powerpoint/2010/main" val="2386673360"/>
+        <p14:creationId xmlns:p14="http://schemas.microsoft.com/office/powerpoint/2010/main" val="4208363606"/>
       </p:ext>
     </p:extLst>
   </p:cSld>
@@ -1918,13 +4378,7 @@
       </p:grpSpPr>
       <p:sp>
         <p:nvSpPr>
-          <p:cNvPr id="2" name="Title 1">
-            <a:extLst>
-              <a:ext uri="{FF2B5EF4-FFF2-40B4-BE49-F238E27FC236}">
-                <a16:creationId xmlns:a16="http://schemas.microsoft.com/office/drawing/2014/main" id="{47A54A29-6F2A-4EBC-83B4-F466B221ADA1}"/>
-              </a:ext>
-            </a:extLst>
-          </p:cNvPr>
+          <p:cNvPr id="2" name="Title 1"/>
           <p:cNvSpPr>
             <a:spLocks noGrp="1"/>
           </p:cNvSpPr>
@@ -1941,19 +4395,13 @@
               <a:rPr lang="en-US"/>
               <a:t>Click to edit Master title style</a:t>
             </a:r>
-            <a:endParaRPr lang="en-GB"/>
-          </a:p>
-        </p:txBody>
-      </p:sp>
-      <p:sp>
-        <p:nvSpPr>
-          <p:cNvPr id="3" name="Date Placeholder 2">
-            <a:extLst>
-              <a:ext uri="{FF2B5EF4-FFF2-40B4-BE49-F238E27FC236}">
-                <a16:creationId xmlns:a16="http://schemas.microsoft.com/office/drawing/2014/main" id="{11F3996E-27F1-4D61-B68D-D5EBBE7769DE}"/>
-              </a:ext>
-            </a:extLst>
-          </p:cNvPr>
+            <a:endParaRPr lang="en-US" dirty="0"/>
+          </a:p>
+        </p:txBody>
+      </p:sp>
+      <p:sp>
+        <p:nvSpPr>
+          <p:cNvPr id="3" name="Date Placeholder 2"/>
           <p:cNvSpPr>
             <a:spLocks noGrp="1"/>
           </p:cNvSpPr>
@@ -1976,13 +4424,7 @@
       </p:sp>
       <p:sp>
         <p:nvSpPr>
-          <p:cNvPr id="4" name="Footer Placeholder 3">
-            <a:extLst>
-              <a:ext uri="{FF2B5EF4-FFF2-40B4-BE49-F238E27FC236}">
-                <a16:creationId xmlns:a16="http://schemas.microsoft.com/office/drawing/2014/main" id="{D5EEBD95-8952-4075-AE5F-4FF8AFB048EF}"/>
-              </a:ext>
-            </a:extLst>
-          </p:cNvPr>
+          <p:cNvPr id="4" name="Footer Placeholder 3"/>
           <p:cNvSpPr>
             <a:spLocks noGrp="1"/>
           </p:cNvSpPr>
@@ -2001,13 +4443,7 @@
       </p:sp>
       <p:sp>
         <p:nvSpPr>
-          <p:cNvPr id="5" name="Slide Number Placeholder 4">
-            <a:extLst>
-              <a:ext uri="{FF2B5EF4-FFF2-40B4-BE49-F238E27FC236}">
-                <a16:creationId xmlns:a16="http://schemas.microsoft.com/office/drawing/2014/main" id="{4C443C26-A956-489A-85E5-47DD94D3CE55}"/>
-              </a:ext>
-            </a:extLst>
-          </p:cNvPr>
+          <p:cNvPr id="5" name="Slide Number Placeholder 4"/>
           <p:cNvSpPr>
             <a:spLocks noGrp="1"/>
           </p:cNvSpPr>
@@ -2031,7 +4467,7 @@
     </p:spTree>
     <p:extLst>
       <p:ext uri="{BB962C8B-B14F-4D97-AF65-F5344CB8AC3E}">
-        <p14:creationId xmlns:p14="http://schemas.microsoft.com/office/powerpoint/2010/main" val="1443930525"/>
+        <p14:creationId xmlns:p14="http://schemas.microsoft.com/office/powerpoint/2010/main" val="1953172943"/>
       </p:ext>
     </p:extLst>
   </p:cSld>
@@ -2060,13 +4496,7 @@
       </p:grpSpPr>
       <p:sp>
         <p:nvSpPr>
-          <p:cNvPr id="2" name="Date Placeholder 1">
-            <a:extLst>
-              <a:ext uri="{FF2B5EF4-FFF2-40B4-BE49-F238E27FC236}">
-                <a16:creationId xmlns:a16="http://schemas.microsoft.com/office/drawing/2014/main" id="{76479096-8767-493E-9150-4CD56E2754B5}"/>
-              </a:ext>
-            </a:extLst>
-          </p:cNvPr>
+          <p:cNvPr id="2" name="Date Placeholder 1"/>
           <p:cNvSpPr>
             <a:spLocks noGrp="1"/>
           </p:cNvSpPr>
@@ -2089,13 +4519,7 @@
       </p:sp>
       <p:sp>
         <p:nvSpPr>
-          <p:cNvPr id="3" name="Footer Placeholder 2">
-            <a:extLst>
-              <a:ext uri="{FF2B5EF4-FFF2-40B4-BE49-F238E27FC236}">
-                <a16:creationId xmlns:a16="http://schemas.microsoft.com/office/drawing/2014/main" id="{65869EB0-865D-45BD-A38A-2DC9F7707418}"/>
-              </a:ext>
-            </a:extLst>
-          </p:cNvPr>
+          <p:cNvPr id="3" name="Footer Placeholder 2"/>
           <p:cNvSpPr>
             <a:spLocks noGrp="1"/>
           </p:cNvSpPr>
@@ -2114,13 +4538,7 @@
       </p:sp>
       <p:sp>
         <p:nvSpPr>
-          <p:cNvPr id="4" name="Slide Number Placeholder 3">
-            <a:extLst>
-              <a:ext uri="{FF2B5EF4-FFF2-40B4-BE49-F238E27FC236}">
-                <a16:creationId xmlns:a16="http://schemas.microsoft.com/office/drawing/2014/main" id="{E030525F-C292-4005-82DD-E622F6421E5C}"/>
-              </a:ext>
-            </a:extLst>
-          </p:cNvPr>
+          <p:cNvPr id="4" name="Slide Number Placeholder 3"/>
           <p:cNvSpPr>
             <a:spLocks noGrp="1"/>
           </p:cNvSpPr>
@@ -2144,7 +4562,7 @@
     </p:spTree>
     <p:extLst>
       <p:ext uri="{BB962C8B-B14F-4D97-AF65-F5344CB8AC3E}">
-        <p14:creationId xmlns:p14="http://schemas.microsoft.com/office/powerpoint/2010/main" val="2866130255"/>
+        <p14:creationId xmlns:p14="http://schemas.microsoft.com/office/powerpoint/2010/main" val="94298981"/>
       </p:ext>
     </p:extLst>
   </p:cSld>
@@ -2173,13 +4591,7 @@
       </p:grpSpPr>
       <p:sp>
         <p:nvSpPr>
-          <p:cNvPr id="2" name="Title 1">
-            <a:extLst>
-              <a:ext uri="{FF2B5EF4-FFF2-40B4-BE49-F238E27FC236}">
-                <a16:creationId xmlns:a16="http://schemas.microsoft.com/office/drawing/2014/main" id="{E5F0BEA4-A68E-4921-B4FE-135473566BE7}"/>
-              </a:ext>
-            </a:extLst>
-          </p:cNvPr>
+          <p:cNvPr id="2" name="Title 1"/>
           <p:cNvSpPr>
             <a:spLocks noGrp="1"/>
           </p:cNvSpPr>
@@ -2189,177 +4601,171 @@
         </p:nvSpPr>
         <p:spPr>
           <a:xfrm>
-            <a:off x="839788" y="457200"/>
-            <a:ext cx="3932237" cy="1600200"/>
+            <a:off x="1484312" y="1600200"/>
+            <a:ext cx="3549121" cy="1371600"/>
           </a:xfrm>
         </p:spPr>
         <p:txBody>
-          <a:bodyPr anchor="b"/>
+          <a:bodyPr anchor="b">
+            <a:normAutofit/>
+          </a:bodyPr>
+          <a:lstStyle>
+            <a:lvl1pPr algn="ctr">
+              <a:defRPr sz="2400" b="0"/>
+            </a:lvl1pPr>
+          </a:lstStyle>
+          <a:p>
+            <a:r>
+              <a:rPr lang="en-US"/>
+              <a:t>Click to edit Master title style</a:t>
+            </a:r>
+            <a:endParaRPr lang="en-US" dirty="0"/>
+          </a:p>
+        </p:txBody>
+      </p:sp>
+      <p:sp>
+        <p:nvSpPr>
+          <p:cNvPr id="3" name="Content Placeholder 2"/>
+          <p:cNvSpPr>
+            <a:spLocks noGrp="1"/>
+          </p:cNvSpPr>
+          <p:nvPr>
+            <p:ph idx="1"/>
+          </p:nvPr>
+        </p:nvSpPr>
+        <p:spPr>
+          <a:xfrm>
+            <a:off x="5262033" y="685799"/>
+            <a:ext cx="6240990" cy="5105401"/>
+          </a:xfrm>
+        </p:spPr>
+        <p:txBody>
+          <a:bodyPr anchor="ctr">
+            <a:normAutofit/>
+          </a:bodyPr>
           <a:lstStyle>
             <a:lvl1pPr>
-              <a:defRPr sz="3200"/>
+              <a:defRPr sz="2000"/>
             </a:lvl1pPr>
+            <a:lvl2pPr>
+              <a:defRPr sz="1800"/>
+            </a:lvl2pPr>
+            <a:lvl3pPr>
+              <a:defRPr sz="1600"/>
+            </a:lvl3pPr>
+            <a:lvl4pPr>
+              <a:defRPr sz="1400"/>
+            </a:lvl4pPr>
+            <a:lvl5pPr>
+              <a:defRPr sz="1400"/>
+            </a:lvl5pPr>
+            <a:lvl6pPr>
+              <a:defRPr sz="1400"/>
+            </a:lvl6pPr>
+            <a:lvl7pPr>
+              <a:defRPr sz="1400"/>
+            </a:lvl7pPr>
+            <a:lvl8pPr>
+              <a:defRPr sz="1400"/>
+            </a:lvl8pPr>
+            <a:lvl9pPr>
+              <a:defRPr sz="1400"/>
+            </a:lvl9pPr>
           </a:lstStyle>
           <a:p>
-            <a:r>
-              <a:rPr lang="en-US"/>
-              <a:t>Click to edit Master title style</a:t>
-            </a:r>
-            <a:endParaRPr lang="en-GB"/>
-          </a:p>
-        </p:txBody>
-      </p:sp>
-      <p:sp>
-        <p:nvSpPr>
-          <p:cNvPr id="3" name="Content Placeholder 2">
-            <a:extLst>
-              <a:ext uri="{FF2B5EF4-FFF2-40B4-BE49-F238E27FC236}">
-                <a16:creationId xmlns:a16="http://schemas.microsoft.com/office/drawing/2014/main" id="{7D5436E7-03DB-4F4D-8922-F00C434CA3EF}"/>
-              </a:ext>
-            </a:extLst>
-          </p:cNvPr>
-          <p:cNvSpPr>
-            <a:spLocks noGrp="1"/>
-          </p:cNvSpPr>
-          <p:nvPr>
-            <p:ph idx="1"/>
+            <a:pPr lvl="0"/>
+            <a:r>
+              <a:rPr lang="en-US"/>
+              <a:t>Click to edit Master text styles</a:t>
+            </a:r>
+          </a:p>
+          <a:p>
+            <a:pPr lvl="1"/>
+            <a:r>
+              <a:rPr lang="en-US"/>
+              <a:t>Second level</a:t>
+            </a:r>
+          </a:p>
+          <a:p>
+            <a:pPr lvl="2"/>
+            <a:r>
+              <a:rPr lang="en-US"/>
+              <a:t>Third level</a:t>
+            </a:r>
+          </a:p>
+          <a:p>
+            <a:pPr lvl="3"/>
+            <a:r>
+              <a:rPr lang="en-US"/>
+              <a:t>Fourth level</a:t>
+            </a:r>
+          </a:p>
+          <a:p>
+            <a:pPr lvl="4"/>
+            <a:r>
+              <a:rPr lang="en-US"/>
+              <a:t>Fifth level</a:t>
+            </a:r>
+            <a:endParaRPr lang="en-US" dirty="0"/>
+          </a:p>
+        </p:txBody>
+      </p:sp>
+      <p:sp>
+        <p:nvSpPr>
+          <p:cNvPr id="4" name="Text Placeholder 3"/>
+          <p:cNvSpPr>
+            <a:spLocks noGrp="1"/>
+          </p:cNvSpPr>
+          <p:nvPr>
+            <p:ph type="body" sz="half" idx="2"/>
           </p:nvPr>
         </p:nvSpPr>
         <p:spPr>
           <a:xfrm>
-            <a:off x="5183188" y="987425"/>
-            <a:ext cx="6172200" cy="4873625"/>
+            <a:off x="1484312" y="2971800"/>
+            <a:ext cx="3549121" cy="1828800"/>
           </a:xfrm>
         </p:spPr>
         <p:txBody>
-          <a:bodyPr/>
+          <a:bodyPr>
+            <a:normAutofit/>
+          </a:bodyPr>
           <a:lstStyle>
-            <a:lvl1pPr>
-              <a:defRPr sz="3200"/>
-            </a:lvl1pPr>
-            <a:lvl2pPr>
-              <a:defRPr sz="2800"/>
-            </a:lvl2pPr>
-            <a:lvl3pPr>
-              <a:defRPr sz="2400"/>
-            </a:lvl3pPr>
-            <a:lvl4pPr>
-              <a:defRPr sz="2000"/>
-            </a:lvl4pPr>
-            <a:lvl5pPr>
-              <a:defRPr sz="2000"/>
-            </a:lvl5pPr>
-            <a:lvl6pPr>
-              <a:defRPr sz="2000"/>
-            </a:lvl6pPr>
-            <a:lvl7pPr>
-              <a:defRPr sz="2000"/>
-            </a:lvl7pPr>
-            <a:lvl8pPr>
-              <a:defRPr sz="2000"/>
-            </a:lvl8pPr>
-            <a:lvl9pPr>
-              <a:defRPr sz="2000"/>
-            </a:lvl9pPr>
-          </a:lstStyle>
-          <a:p>
-            <a:pPr lvl="0"/>
-            <a:r>
-              <a:rPr lang="en-US"/>
-              <a:t>Click to edit Master text styles</a:t>
-            </a:r>
-          </a:p>
-          <a:p>
-            <a:pPr lvl="1"/>
-            <a:r>
-              <a:rPr lang="en-US"/>
-              <a:t>Second level</a:t>
-            </a:r>
-          </a:p>
-          <a:p>
-            <a:pPr lvl="2"/>
-            <a:r>
-              <a:rPr lang="en-US"/>
-              <a:t>Third level</a:t>
-            </a:r>
-          </a:p>
-          <a:p>
-            <a:pPr lvl="3"/>
-            <a:r>
-              <a:rPr lang="en-US"/>
-              <a:t>Fourth level</a:t>
-            </a:r>
-          </a:p>
-          <a:p>
-            <a:pPr lvl="4"/>
-            <a:r>
-              <a:rPr lang="en-US"/>
-              <a:t>Fifth level</a:t>
-            </a:r>
-            <a:endParaRPr lang="en-GB"/>
-          </a:p>
-        </p:txBody>
-      </p:sp>
-      <p:sp>
-        <p:nvSpPr>
-          <p:cNvPr id="4" name="Text Placeholder 3">
-            <a:extLst>
-              <a:ext uri="{FF2B5EF4-FFF2-40B4-BE49-F238E27FC236}">
-                <a16:creationId xmlns:a16="http://schemas.microsoft.com/office/drawing/2014/main" id="{37914463-A436-4478-B8F6-79E61245A215}"/>
-              </a:ext>
-            </a:extLst>
-          </p:cNvPr>
-          <p:cNvSpPr>
-            <a:spLocks noGrp="1"/>
-          </p:cNvSpPr>
-          <p:nvPr>
-            <p:ph type="body" sz="half" idx="2"/>
-          </p:nvPr>
-        </p:nvSpPr>
-        <p:spPr>
-          <a:xfrm>
-            <a:off x="839788" y="2057400"/>
-            <a:ext cx="3932237" cy="3811588"/>
-          </a:xfrm>
-        </p:spPr>
-        <p:txBody>
-          <a:bodyPr/>
-          <a:lstStyle>
-            <a:lvl1pPr marL="0" indent="0">
+            <a:lvl1pPr marL="0" indent="0" algn="ctr">
               <a:buNone/>
               <a:defRPr sz="1600"/>
             </a:lvl1pPr>
             <a:lvl2pPr marL="457200" indent="0">
               <a:buNone/>
-              <a:defRPr sz="1400"/>
+              <a:defRPr sz="1200"/>
             </a:lvl2pPr>
             <a:lvl3pPr marL="914400" indent="0">
               <a:buNone/>
-              <a:defRPr sz="1200"/>
+              <a:defRPr sz="1000"/>
             </a:lvl3pPr>
             <a:lvl4pPr marL="1371600" indent="0">
               <a:buNone/>
-              <a:defRPr sz="1000"/>
+              <a:defRPr sz="900"/>
             </a:lvl4pPr>
             <a:lvl5pPr marL="1828800" indent="0">
               <a:buNone/>
-              <a:defRPr sz="1000"/>
+              <a:defRPr sz="900"/>
             </a:lvl5pPr>
             <a:lvl6pPr marL="2286000" indent="0">
               <a:buNone/>
-              <a:defRPr sz="1000"/>
+              <a:defRPr sz="900"/>
             </a:lvl6pPr>
             <a:lvl7pPr marL="2743200" indent="0">
               <a:buNone/>
-              <a:defRPr sz="1000"/>
+              <a:defRPr sz="900"/>
             </a:lvl7pPr>
             <a:lvl8pPr marL="3200400" indent="0">
               <a:buNone/>
-              <a:defRPr sz="1000"/>
+              <a:defRPr sz="900"/>
             </a:lvl8pPr>
             <a:lvl9pPr marL="3657600" indent="0">
               <a:buNone/>
-              <a:defRPr sz="1000"/>
+              <a:defRPr sz="900"/>
             </a:lvl9pPr>
           </a:lstStyle>
           <a:p>
@@ -2373,13 +4779,7 @@
       </p:sp>
       <p:sp>
         <p:nvSpPr>
-          <p:cNvPr id="5" name="Date Placeholder 4">
-            <a:extLst>
-              <a:ext uri="{FF2B5EF4-FFF2-40B4-BE49-F238E27FC236}">
-                <a16:creationId xmlns:a16="http://schemas.microsoft.com/office/drawing/2014/main" id="{26D2EBED-1141-4C58-BEC9-66CEFA4C189A}"/>
-              </a:ext>
-            </a:extLst>
-          </p:cNvPr>
+          <p:cNvPr id="5" name="Date Placeholder 4"/>
           <p:cNvSpPr>
             <a:spLocks noGrp="1"/>
           </p:cNvSpPr>
@@ -2402,13 +4802,7 @@
       </p:sp>
       <p:sp>
         <p:nvSpPr>
-          <p:cNvPr id="6" name="Footer Placeholder 5">
-            <a:extLst>
-              <a:ext uri="{FF2B5EF4-FFF2-40B4-BE49-F238E27FC236}">
-                <a16:creationId xmlns:a16="http://schemas.microsoft.com/office/drawing/2014/main" id="{980B338B-B8F9-4774-ABC7-77A6E7B857C7}"/>
-              </a:ext>
-            </a:extLst>
-          </p:cNvPr>
+          <p:cNvPr id="6" name="Footer Placeholder 5"/>
           <p:cNvSpPr>
             <a:spLocks noGrp="1"/>
           </p:cNvSpPr>
@@ -2427,13 +4821,7 @@
       </p:sp>
       <p:sp>
         <p:nvSpPr>
-          <p:cNvPr id="7" name="Slide Number Placeholder 6">
-            <a:extLst>
-              <a:ext uri="{FF2B5EF4-FFF2-40B4-BE49-F238E27FC236}">
-                <a16:creationId xmlns:a16="http://schemas.microsoft.com/office/drawing/2014/main" id="{43843F5B-2636-46B8-A273-23B227AB51A2}"/>
-              </a:ext>
-            </a:extLst>
-          </p:cNvPr>
+          <p:cNvPr id="7" name="Slide Number Placeholder 6"/>
           <p:cNvSpPr>
             <a:spLocks noGrp="1"/>
           </p:cNvSpPr>
@@ -2457,7 +4845,7 @@
     </p:spTree>
     <p:extLst>
       <p:ext uri="{BB962C8B-B14F-4D97-AF65-F5344CB8AC3E}">
-        <p14:creationId xmlns:p14="http://schemas.microsoft.com/office/powerpoint/2010/main" val="4046618825"/>
+        <p14:creationId xmlns:p14="http://schemas.microsoft.com/office/powerpoint/2010/main" val="296679313"/>
       </p:ext>
     </p:extLst>
   </p:cSld>
@@ -2486,13 +4874,7 @@
       </p:grpSpPr>
       <p:sp>
         <p:nvSpPr>
-          <p:cNvPr id="2" name="Title 1">
-            <a:extLst>
-              <a:ext uri="{FF2B5EF4-FFF2-40B4-BE49-F238E27FC236}">
-                <a16:creationId xmlns:a16="http://schemas.microsoft.com/office/drawing/2014/main" id="{3160979E-69B2-4173-B012-F414338AFA0B}"/>
-              </a:ext>
-            </a:extLst>
-          </p:cNvPr>
+          <p:cNvPr id="2" name="Title 1"/>
           <p:cNvSpPr>
             <a:spLocks noGrp="1"/>
           </p:cNvSpPr>
@@ -2502,15 +4884,17 @@
         </p:nvSpPr>
         <p:spPr>
           <a:xfrm>
-            <a:off x="839788" y="457200"/>
-            <a:ext cx="3932237" cy="1600200"/>
+            <a:off x="1482724" y="1752599"/>
+            <a:ext cx="5426158" cy="1371600"/>
           </a:xfrm>
         </p:spPr>
         <p:txBody>
-          <a:bodyPr anchor="b"/>
+          <a:bodyPr anchor="b">
+            <a:normAutofit/>
+          </a:bodyPr>
           <a:lstStyle>
-            <a:lvl1pPr>
-              <a:defRPr sz="3200"/>
+            <a:lvl1pPr algn="ctr">
+              <a:defRPr sz="2800" b="0"/>
             </a:lvl1pPr>
           </a:lstStyle>
           <a:p>
@@ -2518,21 +4902,15 @@
               <a:rPr lang="en-US"/>
               <a:t>Click to edit Master title style</a:t>
             </a:r>
-            <a:endParaRPr lang="en-GB"/>
-          </a:p>
-        </p:txBody>
-      </p:sp>
-      <p:sp>
-        <p:nvSpPr>
-          <p:cNvPr id="3" name="Picture Placeholder 2">
-            <a:extLst>
-              <a:ext uri="{FF2B5EF4-FFF2-40B4-BE49-F238E27FC236}">
-                <a16:creationId xmlns:a16="http://schemas.microsoft.com/office/drawing/2014/main" id="{94AB83D8-CCE7-4098-8F5D-75F7AFD21297}"/>
-              </a:ext>
-            </a:extLst>
-          </p:cNvPr>
-          <p:cNvSpPr>
-            <a:spLocks noGrp="1"/>
+            <a:endParaRPr lang="en-US" dirty="0"/>
+          </a:p>
+        </p:txBody>
+      </p:sp>
+      <p:sp>
+        <p:nvSpPr>
+          <p:cNvPr id="14" name="Picture Placeholder 2"/>
+          <p:cNvSpPr>
+            <a:spLocks noGrp="1" noChangeAspect="1"/>
           </p:cNvSpPr>
           <p:nvPr>
             <p:ph type="pic" idx="1"/>
@@ -2540,118 +4918,148 @@
         </p:nvSpPr>
         <p:spPr>
           <a:xfrm>
-            <a:off x="5183188" y="987425"/>
-            <a:ext cx="6172200" cy="4873625"/>
+            <a:off x="7594682" y="914400"/>
+            <a:ext cx="3280974" cy="4572000"/>
           </a:xfrm>
+          <a:prstGeom prst="roundRect">
+            <a:avLst>
+              <a:gd name="adj" fmla="val 4280"/>
+            </a:avLst>
+          </a:prstGeom>
+          <a:ln w="38100">
+            <a:gradFill flip="none" rotWithShape="1">
+              <a:gsLst>
+                <a:gs pos="0">
+                  <a:schemeClr val="bg2"/>
+                </a:gs>
+                <a:gs pos="100000">
+                  <a:schemeClr val="bg2">
+                    <a:lumMod val="75000"/>
+                  </a:schemeClr>
+                </a:gs>
+              </a:gsLst>
+              <a:lin ang="5400000" scaled="0"/>
+              <a:tileRect/>
+            </a:gradFill>
+          </a:ln>
+          <a:effectLst>
+            <a:innerShdw blurRad="57150" dist="38100" dir="14460000">
+              <a:srgbClr val="000000">
+                <a:alpha val="70000"/>
+              </a:srgbClr>
+            </a:innerShdw>
+          </a:effectLst>
         </p:spPr>
         <p:txBody>
-          <a:bodyPr/>
+          <a:bodyPr anchor="t">
+            <a:normAutofit/>
+          </a:bodyPr>
           <a:lstStyle>
-            <a:lvl1pPr marL="0" indent="0">
-              <a:buNone/>
-              <a:defRPr sz="3200"/>
-            </a:lvl1pPr>
-            <a:lvl2pPr marL="457200" indent="0">
-              <a:buNone/>
-              <a:defRPr sz="2800"/>
-            </a:lvl2pPr>
-            <a:lvl3pPr marL="914400" indent="0">
-              <a:buNone/>
-              <a:defRPr sz="2400"/>
-            </a:lvl3pPr>
-            <a:lvl4pPr marL="1371600" indent="0">
-              <a:buNone/>
-              <a:defRPr sz="2000"/>
-            </a:lvl4pPr>
-            <a:lvl5pPr marL="1828800" indent="0">
-              <a:buNone/>
-              <a:defRPr sz="2000"/>
-            </a:lvl5pPr>
-            <a:lvl6pPr marL="2286000" indent="0">
-              <a:buNone/>
-              <a:defRPr sz="2000"/>
-            </a:lvl6pPr>
-            <a:lvl7pPr marL="2743200" indent="0">
-              <a:buNone/>
-              <a:defRPr sz="2000"/>
-            </a:lvl7pPr>
-            <a:lvl8pPr marL="3200400" indent="0">
-              <a:buNone/>
-              <a:defRPr sz="2000"/>
-            </a:lvl8pPr>
-            <a:lvl9pPr marL="3657600" indent="0">
-              <a:buNone/>
-              <a:defRPr sz="2000"/>
-            </a:lvl9pPr>
-          </a:lstStyle>
-          <a:p>
-            <a:endParaRPr lang="en-GB"/>
-          </a:p>
-        </p:txBody>
-      </p:sp>
-      <p:sp>
-        <p:nvSpPr>
-          <p:cNvPr id="4" name="Text Placeholder 3">
-            <a:extLst>
-              <a:ext uri="{FF2B5EF4-FFF2-40B4-BE49-F238E27FC236}">
-                <a16:creationId xmlns:a16="http://schemas.microsoft.com/office/drawing/2014/main" id="{13FB7E8F-E3FD-47DD-80D5-FCCF3905614C}"/>
-              </a:ext>
-            </a:extLst>
-          </p:cNvPr>
-          <p:cNvSpPr>
-            <a:spLocks noGrp="1"/>
-          </p:cNvSpPr>
-          <p:nvPr>
-            <p:ph type="body" sz="half" idx="2"/>
-          </p:nvPr>
-        </p:nvSpPr>
-        <p:spPr>
-          <a:xfrm>
-            <a:off x="839788" y="2057400"/>
-            <a:ext cx="3932237" cy="3811588"/>
-          </a:xfrm>
-        </p:spPr>
-        <p:txBody>
-          <a:bodyPr/>
-          <a:lstStyle>
-            <a:lvl1pPr marL="0" indent="0">
+            <a:lvl1pPr marL="0" indent="0" algn="ctr">
               <a:buNone/>
               <a:defRPr sz="1600"/>
             </a:lvl1pPr>
             <a:lvl2pPr marL="457200" indent="0">
               <a:buNone/>
-              <a:defRPr sz="1400"/>
+              <a:defRPr sz="1600"/>
             </a:lvl2pPr>
             <a:lvl3pPr marL="914400" indent="0">
               <a:buNone/>
-              <a:defRPr sz="1200"/>
+              <a:defRPr sz="1600"/>
             </a:lvl3pPr>
             <a:lvl4pPr marL="1371600" indent="0">
               <a:buNone/>
-              <a:defRPr sz="1000"/>
+              <a:defRPr sz="1600"/>
             </a:lvl4pPr>
             <a:lvl5pPr marL="1828800" indent="0">
               <a:buNone/>
-              <a:defRPr sz="1000"/>
+              <a:defRPr sz="1600"/>
             </a:lvl5pPr>
             <a:lvl6pPr marL="2286000" indent="0">
               <a:buNone/>
-              <a:defRPr sz="1000"/>
+              <a:defRPr sz="1600"/>
             </a:lvl6pPr>
             <a:lvl7pPr marL="2743200" indent="0">
               <a:buNone/>
-              <a:defRPr sz="1000"/>
+              <a:defRPr sz="1600"/>
             </a:lvl7pPr>
             <a:lvl8pPr marL="3200400" indent="0">
               <a:buNone/>
-              <a:defRPr sz="1000"/>
+              <a:defRPr sz="1600"/>
             </a:lvl8pPr>
             <a:lvl9pPr marL="3657600" indent="0">
               <a:buNone/>
-              <a:defRPr sz="1000"/>
+              <a:defRPr sz="1600"/>
             </a:lvl9pPr>
           </a:lstStyle>
           <a:p>
+            <a:r>
+              <a:rPr lang="en-US"/>
+              <a:t>Click icon to add picture</a:t>
+            </a:r>
+            <a:endParaRPr lang="en-US" dirty="0"/>
+          </a:p>
+        </p:txBody>
+      </p:sp>
+      <p:sp>
+        <p:nvSpPr>
+          <p:cNvPr id="4" name="Text Placeholder 3"/>
+          <p:cNvSpPr>
+            <a:spLocks noGrp="1"/>
+          </p:cNvSpPr>
+          <p:nvPr>
+            <p:ph type="body" sz="half" idx="2"/>
+          </p:nvPr>
+        </p:nvSpPr>
+        <p:spPr>
+          <a:xfrm>
+            <a:off x="1482724" y="3124199"/>
+            <a:ext cx="5426158" cy="1828800"/>
+          </a:xfrm>
+        </p:spPr>
+        <p:txBody>
+          <a:bodyPr>
+            <a:normAutofit/>
+          </a:bodyPr>
+          <a:lstStyle>
+            <a:lvl1pPr marL="0" indent="0" algn="ctr">
+              <a:buNone/>
+              <a:defRPr sz="1800"/>
+            </a:lvl1pPr>
+            <a:lvl2pPr marL="457200" indent="0">
+              <a:buNone/>
+              <a:defRPr sz="1200"/>
+            </a:lvl2pPr>
+            <a:lvl3pPr marL="914400" indent="0">
+              <a:buNone/>
+              <a:defRPr sz="1000"/>
+            </a:lvl3pPr>
+            <a:lvl4pPr marL="1371600" indent="0">
+              <a:buNone/>
+              <a:defRPr sz="900"/>
+            </a:lvl4pPr>
+            <a:lvl5pPr marL="1828800" indent="0">
+              <a:buNone/>
+              <a:defRPr sz="900"/>
+            </a:lvl5pPr>
+            <a:lvl6pPr marL="2286000" indent="0">
+              <a:buNone/>
+              <a:defRPr sz="900"/>
+            </a:lvl6pPr>
+            <a:lvl7pPr marL="2743200" indent="0">
+              <a:buNone/>
+              <a:defRPr sz="900"/>
+            </a:lvl7pPr>
+            <a:lvl8pPr marL="3200400" indent="0">
+              <a:buNone/>
+              <a:defRPr sz="900"/>
+            </a:lvl8pPr>
+            <a:lvl9pPr marL="3657600" indent="0">
+              <a:buNone/>
+              <a:defRPr sz="900"/>
+            </a:lvl9pPr>
+          </a:lstStyle>
+          <a:p>
             <a:pPr lvl="0"/>
             <a:r>
               <a:rPr lang="en-US"/>
@@ -2662,13 +5070,7 @@
       </p:sp>
       <p:sp>
         <p:nvSpPr>
-          <p:cNvPr id="5" name="Date Placeholder 4">
-            <a:extLst>
-              <a:ext uri="{FF2B5EF4-FFF2-40B4-BE49-F238E27FC236}">
-                <a16:creationId xmlns:a16="http://schemas.microsoft.com/office/drawing/2014/main" id="{7F18E362-613B-408A-AC61-575C3A2D971D}"/>
-              </a:ext>
-            </a:extLst>
-          </p:cNvPr>
+          <p:cNvPr id="5" name="Date Placeholder 4"/>
           <p:cNvSpPr>
             <a:spLocks noGrp="1"/>
           </p:cNvSpPr>
@@ -2691,13 +5093,7 @@
       </p:sp>
       <p:sp>
         <p:nvSpPr>
-          <p:cNvPr id="6" name="Footer Placeholder 5">
-            <a:extLst>
-              <a:ext uri="{FF2B5EF4-FFF2-40B4-BE49-F238E27FC236}">
-                <a16:creationId xmlns:a16="http://schemas.microsoft.com/office/drawing/2014/main" id="{7C00011F-98A1-4312-AE8A-E1D0CEB99DD7}"/>
-              </a:ext>
-            </a:extLst>
-          </p:cNvPr>
+          <p:cNvPr id="6" name="Footer Placeholder 5"/>
           <p:cNvSpPr>
             <a:spLocks noGrp="1"/>
           </p:cNvSpPr>
@@ -2716,13 +5112,7 @@
       </p:sp>
       <p:sp>
         <p:nvSpPr>
-          <p:cNvPr id="7" name="Slide Number Placeholder 6">
-            <a:extLst>
-              <a:ext uri="{FF2B5EF4-FFF2-40B4-BE49-F238E27FC236}">
-                <a16:creationId xmlns:a16="http://schemas.microsoft.com/office/drawing/2014/main" id="{E96C8EA6-8F7F-488C-B931-EF320A0F56FA}"/>
-              </a:ext>
-            </a:extLst>
-          </p:cNvPr>
+          <p:cNvPr id="7" name="Slide Number Placeholder 6"/>
           <p:cNvSpPr>
             <a:spLocks noGrp="1"/>
           </p:cNvSpPr>
@@ -2746,7 +5136,7 @@
     </p:spTree>
     <p:extLst>
       <p:ext uri="{BB962C8B-B14F-4D97-AF65-F5344CB8AC3E}">
-        <p14:creationId xmlns:p14="http://schemas.microsoft.com/office/powerpoint/2010/main" val="2253358687"/>
+        <p14:creationId xmlns:p14="http://schemas.microsoft.com/office/powerpoint/2010/main" val="218057065"/>
       </p:ext>
     </p:extLst>
   </p:cSld>
@@ -2760,8 +5150,8 @@
 <p:sldMaster xmlns:a="http://schemas.openxmlformats.org/drawingml/2006/main" xmlns:r="http://schemas.openxmlformats.org/officeDocument/2006/relationships" xmlns:p="http://schemas.openxmlformats.org/presentationml/2006/main">
   <p:cSld>
     <p:bg>
-      <p:bgRef idx="1001">
-        <a:schemeClr val="bg1"/>
+      <p:bgRef idx="1003">
+        <a:schemeClr val="bg2"/>
       </p:bgRef>
     </p:bg>
     <p:spTree>
@@ -2778,15 +5168,325 @@
           <a:chExt cx="0" cy="0"/>
         </a:xfrm>
       </p:grpSpPr>
-      <p:sp>
-        <p:nvSpPr>
-          <p:cNvPr id="2" name="Title Placeholder 1">
-            <a:extLst>
-              <a:ext uri="{FF2B5EF4-FFF2-40B4-BE49-F238E27FC236}">
-                <a16:creationId xmlns:a16="http://schemas.microsoft.com/office/drawing/2014/main" id="{E18ECA8C-7506-40F3-B274-674391CF6FAD}"/>
-              </a:ext>
-            </a:extLst>
-          </p:cNvPr>
+      <p:grpSp>
+        <p:nvGrpSpPr>
+          <p:cNvPr id="7" name="Group 6"/>
+          <p:cNvGrpSpPr/>
+          <p:nvPr/>
+        </p:nvGrpSpPr>
+        <p:grpSpPr>
+          <a:xfrm>
+            <a:off x="150812" y="0"/>
+            <a:ext cx="2436813" cy="6858001"/>
+            <a:chOff x="1320800" y="0"/>
+            <a:chExt cx="2436813" cy="6858001"/>
+          </a:xfrm>
+        </p:grpSpPr>
+        <p:sp>
+          <p:nvSpPr>
+            <p:cNvPr id="8" name="Freeform 6"/>
+            <p:cNvSpPr/>
+            <p:nvPr/>
+          </p:nvSpPr>
+          <p:spPr bwMode="auto">
+            <a:xfrm>
+              <a:off x="1627188" y="0"/>
+              <a:ext cx="1122363" cy="5329238"/>
+            </a:xfrm>
+            <a:custGeom>
+              <a:avLst/>
+              <a:gdLst/>
+              <a:ahLst/>
+              <a:cxnLst/>
+              <a:rect l="0" t="0" r="r" b="b"/>
+              <a:pathLst>
+                <a:path w="707" h="3357">
+                  <a:moveTo>
+                    <a:pt x="0" y="3330"/>
+                  </a:moveTo>
+                  <a:lnTo>
+                    <a:pt x="156" y="3357"/>
+                  </a:lnTo>
+                  <a:lnTo>
+                    <a:pt x="707" y="0"/>
+                  </a:lnTo>
+                  <a:lnTo>
+                    <a:pt x="547" y="0"/>
+                  </a:lnTo>
+                  <a:lnTo>
+                    <a:pt x="0" y="3330"/>
+                  </a:lnTo>
+                  <a:close/>
+                </a:path>
+              </a:pathLst>
+            </a:custGeom>
+            <a:solidFill>
+              <a:schemeClr val="accent1"/>
+            </a:solidFill>
+            <a:ln>
+              <a:noFill/>
+            </a:ln>
+          </p:spPr>
+        </p:sp>
+        <p:sp>
+          <p:nvSpPr>
+            <p:cNvPr id="9" name="Freeform 7"/>
+            <p:cNvSpPr/>
+            <p:nvPr/>
+          </p:nvSpPr>
+          <p:spPr bwMode="auto">
+            <a:xfrm>
+              <a:off x="1320800" y="0"/>
+              <a:ext cx="1117600" cy="5276850"/>
+            </a:xfrm>
+            <a:custGeom>
+              <a:avLst/>
+              <a:gdLst/>
+              <a:ahLst/>
+              <a:cxnLst/>
+              <a:rect l="0" t="0" r="r" b="b"/>
+              <a:pathLst>
+                <a:path w="704" h="3324">
+                  <a:moveTo>
+                    <a:pt x="704" y="0"/>
+                  </a:moveTo>
+                  <a:lnTo>
+                    <a:pt x="545" y="0"/>
+                  </a:lnTo>
+                  <a:lnTo>
+                    <a:pt x="0" y="3300"/>
+                  </a:lnTo>
+                  <a:lnTo>
+                    <a:pt x="157" y="3324"/>
+                  </a:lnTo>
+                  <a:lnTo>
+                    <a:pt x="704" y="0"/>
+                  </a:lnTo>
+                  <a:close/>
+                </a:path>
+              </a:pathLst>
+            </a:custGeom>
+            <a:solidFill>
+              <a:schemeClr val="tx1">
+                <a:lumMod val="65000"/>
+                <a:lumOff val="35000"/>
+              </a:schemeClr>
+            </a:solidFill>
+            <a:ln>
+              <a:noFill/>
+            </a:ln>
+          </p:spPr>
+        </p:sp>
+        <p:sp>
+          <p:nvSpPr>
+            <p:cNvPr id="10" name="Freeform 8"/>
+            <p:cNvSpPr/>
+            <p:nvPr/>
+          </p:nvSpPr>
+          <p:spPr bwMode="auto">
+            <a:xfrm>
+              <a:off x="1320800" y="5238750"/>
+              <a:ext cx="1228725" cy="1619250"/>
+            </a:xfrm>
+            <a:custGeom>
+              <a:avLst/>
+              <a:gdLst/>
+              <a:ahLst/>
+              <a:cxnLst/>
+              <a:rect l="0" t="0" r="r" b="b"/>
+              <a:pathLst>
+                <a:path w="774" h="1020">
+                  <a:moveTo>
+                    <a:pt x="0" y="0"/>
+                  </a:moveTo>
+                  <a:lnTo>
+                    <a:pt x="740" y="1020"/>
+                  </a:lnTo>
+                  <a:lnTo>
+                    <a:pt x="774" y="1020"/>
+                  </a:lnTo>
+                  <a:lnTo>
+                    <a:pt x="0" y="0"/>
+                  </a:lnTo>
+                  <a:close/>
+                </a:path>
+              </a:pathLst>
+            </a:custGeom>
+            <a:solidFill>
+              <a:schemeClr val="tx1">
+                <a:lumMod val="85000"/>
+                <a:lumOff val="15000"/>
+              </a:schemeClr>
+            </a:solidFill>
+            <a:ln>
+              <a:noFill/>
+            </a:ln>
+          </p:spPr>
+        </p:sp>
+        <p:sp>
+          <p:nvSpPr>
+            <p:cNvPr id="11" name="Freeform 9"/>
+            <p:cNvSpPr/>
+            <p:nvPr/>
+          </p:nvSpPr>
+          <p:spPr bwMode="auto">
+            <a:xfrm>
+              <a:off x="1627188" y="5291138"/>
+              <a:ext cx="1495425" cy="1566863"/>
+            </a:xfrm>
+            <a:custGeom>
+              <a:avLst/>
+              <a:gdLst/>
+              <a:ahLst/>
+              <a:cxnLst/>
+              <a:rect l="0" t="0" r="r" b="b"/>
+              <a:pathLst>
+                <a:path w="942" h="987">
+                  <a:moveTo>
+                    <a:pt x="0" y="0"/>
+                  </a:moveTo>
+                  <a:lnTo>
+                    <a:pt x="909" y="987"/>
+                  </a:lnTo>
+                  <a:lnTo>
+                    <a:pt x="942" y="987"/>
+                  </a:lnTo>
+                  <a:lnTo>
+                    <a:pt x="0" y="0"/>
+                  </a:lnTo>
+                  <a:close/>
+                </a:path>
+              </a:pathLst>
+            </a:custGeom>
+            <a:solidFill>
+              <a:schemeClr val="accent1">
+                <a:lumMod val="50000"/>
+              </a:schemeClr>
+            </a:solidFill>
+            <a:ln>
+              <a:noFill/>
+            </a:ln>
+          </p:spPr>
+        </p:sp>
+        <p:sp>
+          <p:nvSpPr>
+            <p:cNvPr id="12" name="Freeform 10"/>
+            <p:cNvSpPr/>
+            <p:nvPr/>
+          </p:nvSpPr>
+          <p:spPr bwMode="auto">
+            <a:xfrm>
+              <a:off x="1627188" y="5286375"/>
+              <a:ext cx="2130425" cy="1571625"/>
+            </a:xfrm>
+            <a:custGeom>
+              <a:avLst/>
+              <a:gdLst/>
+              <a:ahLst/>
+              <a:cxnLst/>
+              <a:rect l="0" t="0" r="r" b="b"/>
+              <a:pathLst>
+                <a:path w="1342" h="990">
+                  <a:moveTo>
+                    <a:pt x="0" y="3"/>
+                  </a:moveTo>
+                  <a:lnTo>
+                    <a:pt x="942" y="990"/>
+                  </a:lnTo>
+                  <a:lnTo>
+                    <a:pt x="1342" y="990"/>
+                  </a:lnTo>
+                  <a:lnTo>
+                    <a:pt x="156" y="27"/>
+                  </a:lnTo>
+                  <a:lnTo>
+                    <a:pt x="0" y="0"/>
+                  </a:lnTo>
+                  <a:lnTo>
+                    <a:pt x="0" y="3"/>
+                  </a:lnTo>
+                  <a:close/>
+                </a:path>
+              </a:pathLst>
+            </a:custGeom>
+            <a:solidFill>
+              <a:schemeClr val="accent1">
+                <a:lumMod val="75000"/>
+              </a:schemeClr>
+            </a:solidFill>
+            <a:ln>
+              <a:noFill/>
+            </a:ln>
+          </p:spPr>
+        </p:sp>
+        <p:sp>
+          <p:nvSpPr>
+            <p:cNvPr id="13" name="Freeform 11"/>
+            <p:cNvSpPr/>
+            <p:nvPr/>
+          </p:nvSpPr>
+          <p:spPr bwMode="auto">
+            <a:xfrm>
+              <a:off x="1320800" y="5238750"/>
+              <a:ext cx="1695450" cy="1619250"/>
+            </a:xfrm>
+            <a:custGeom>
+              <a:avLst/>
+              <a:gdLst/>
+              <a:ahLst/>
+              <a:cxnLst/>
+              <a:rect l="0" t="0" r="r" b="b"/>
+              <a:pathLst>
+                <a:path w="1068" h="1020">
+                  <a:moveTo>
+                    <a:pt x="1068" y="1020"/>
+                  </a:moveTo>
+                  <a:lnTo>
+                    <a:pt x="184" y="60"/>
+                  </a:lnTo>
+                  <a:lnTo>
+                    <a:pt x="154" y="27"/>
+                  </a:lnTo>
+                  <a:lnTo>
+                    <a:pt x="157" y="27"/>
+                  </a:lnTo>
+                  <a:lnTo>
+                    <a:pt x="157" y="24"/>
+                  </a:lnTo>
+                  <a:lnTo>
+                    <a:pt x="154" y="24"/>
+                  </a:lnTo>
+                  <a:lnTo>
+                    <a:pt x="0" y="0"/>
+                  </a:lnTo>
+                  <a:lnTo>
+                    <a:pt x="0" y="0"/>
+                  </a:lnTo>
+                  <a:lnTo>
+                    <a:pt x="774" y="1020"/>
+                  </a:lnTo>
+                  <a:lnTo>
+                    <a:pt x="1068" y="1020"/>
+                  </a:lnTo>
+                  <a:close/>
+                </a:path>
+              </a:pathLst>
+            </a:custGeom>
+            <a:solidFill>
+              <a:schemeClr val="tx1">
+                <a:lumMod val="75000"/>
+                <a:lumOff val="25000"/>
+              </a:schemeClr>
+            </a:solidFill>
+            <a:ln>
+              <a:noFill/>
+            </a:ln>
+          </p:spPr>
+        </p:sp>
+      </p:grpSp>
+      <p:sp>
+        <p:nvSpPr>
+          <p:cNvPr id="2" name="Title Placeholder 1"/>
           <p:cNvSpPr>
             <a:spLocks noGrp="1"/>
           </p:cNvSpPr>
@@ -2796,8 +5496,42 @@
         </p:nvSpPr>
         <p:spPr>
           <a:xfrm>
-            <a:off x="838200" y="365125"/>
-            <a:ext cx="10515600" cy="1325563"/>
+            <a:off x="1484311" y="685800"/>
+            <a:ext cx="10018713" cy="1752599"/>
+          </a:xfrm>
+          <a:prstGeom prst="rect">
+            <a:avLst/>
+          </a:prstGeom>
+          <a:effectLst/>
+        </p:spPr>
+        <p:txBody>
+          <a:bodyPr vert="horz" lIns="91440" tIns="45720" rIns="91440" bIns="45720" rtlCol="0" anchor="ctr">
+            <a:normAutofit/>
+          </a:bodyPr>
+          <a:lstStyle/>
+          <a:p>
+            <a:r>
+              <a:rPr lang="en-US"/>
+              <a:t>Click to edit Master title style</a:t>
+            </a:r>
+            <a:endParaRPr lang="en-US" dirty="0"/>
+          </a:p>
+        </p:txBody>
+      </p:sp>
+      <p:sp>
+        <p:nvSpPr>
+          <p:cNvPr id="3" name="Text Placeholder 2"/>
+          <p:cNvSpPr>
+            <a:spLocks noGrp="1"/>
+          </p:cNvSpPr>
+          <p:nvPr>
+            <p:ph type="body" idx="1"/>
+          </p:nvPr>
+        </p:nvSpPr>
+        <p:spPr>
+          <a:xfrm>
+            <a:off x="1484310" y="2666999"/>
+            <a:ext cx="10018713" cy="3124201"/>
           </a:xfrm>
           <a:prstGeom prst="rect">
             <a:avLst/>
@@ -2809,102 +5543,98 @@
           </a:bodyPr>
           <a:lstStyle/>
           <a:p>
-            <a:r>
-              <a:rPr lang="en-US"/>
-              <a:t>Click to edit Master title style</a:t>
-            </a:r>
-            <a:endParaRPr lang="en-GB"/>
-          </a:p>
-        </p:txBody>
-      </p:sp>
-      <p:sp>
-        <p:nvSpPr>
-          <p:cNvPr id="3" name="Text Placeholder 2">
-            <a:extLst>
-              <a:ext uri="{FF2B5EF4-FFF2-40B4-BE49-F238E27FC236}">
-                <a16:creationId xmlns:a16="http://schemas.microsoft.com/office/drawing/2014/main" id="{B2E37E53-DE9C-4173-9F95-3DE59E817048}"/>
-              </a:ext>
-            </a:extLst>
-          </p:cNvPr>
-          <p:cNvSpPr>
-            <a:spLocks noGrp="1"/>
-          </p:cNvSpPr>
-          <p:nvPr>
-            <p:ph type="body" idx="1"/>
+            <a:pPr lvl="0"/>
+            <a:r>
+              <a:rPr lang="en-US"/>
+              <a:t>Click to edit Master text styles</a:t>
+            </a:r>
+          </a:p>
+          <a:p>
+            <a:pPr lvl="1"/>
+            <a:r>
+              <a:rPr lang="en-US"/>
+              <a:t>Second level</a:t>
+            </a:r>
+          </a:p>
+          <a:p>
+            <a:pPr lvl="2"/>
+            <a:r>
+              <a:rPr lang="en-US"/>
+              <a:t>Third level</a:t>
+            </a:r>
+          </a:p>
+          <a:p>
+            <a:pPr lvl="3"/>
+            <a:r>
+              <a:rPr lang="en-US"/>
+              <a:t>Fourth level</a:t>
+            </a:r>
+          </a:p>
+          <a:p>
+            <a:pPr lvl="4"/>
+            <a:r>
+              <a:rPr lang="en-US"/>
+              <a:t>Fifth level</a:t>
+            </a:r>
+            <a:endParaRPr lang="en-US" dirty="0"/>
+          </a:p>
+        </p:txBody>
+      </p:sp>
+      <p:sp>
+        <p:nvSpPr>
+          <p:cNvPr id="4" name="Date Placeholder 3"/>
+          <p:cNvSpPr>
+            <a:spLocks noGrp="1"/>
+          </p:cNvSpPr>
+          <p:nvPr>
+            <p:ph type="dt" sz="half" idx="2"/>
           </p:nvPr>
         </p:nvSpPr>
         <p:spPr>
           <a:xfrm>
-            <a:off x="838200" y="1825625"/>
-            <a:ext cx="10515600" cy="4351338"/>
+            <a:off x="9732656" y="5883275"/>
+            <a:ext cx="1143000" cy="365125"/>
           </a:xfrm>
           <a:prstGeom prst="rect">
             <a:avLst/>
           </a:prstGeom>
         </p:spPr>
         <p:txBody>
-          <a:bodyPr vert="horz" lIns="91440" tIns="45720" rIns="91440" bIns="45720" rtlCol="0">
-            <a:normAutofit/>
-          </a:bodyPr>
-          <a:lstStyle/>
-          <a:p>
-            <a:pPr lvl="0"/>
-            <a:r>
-              <a:rPr lang="en-US"/>
-              <a:t>Click to edit Master text styles</a:t>
-            </a:r>
-          </a:p>
-          <a:p>
-            <a:pPr lvl="1"/>
-            <a:r>
-              <a:rPr lang="en-US"/>
-              <a:t>Second level</a:t>
-            </a:r>
-          </a:p>
-          <a:p>
-            <a:pPr lvl="2"/>
-            <a:r>
-              <a:rPr lang="en-US"/>
-              <a:t>Third level</a:t>
-            </a:r>
-          </a:p>
-          <a:p>
-            <a:pPr lvl="3"/>
-            <a:r>
-              <a:rPr lang="en-US"/>
-              <a:t>Fourth level</a:t>
-            </a:r>
-          </a:p>
-          <a:p>
-            <a:pPr lvl="4"/>
-            <a:r>
-              <a:rPr lang="en-US"/>
-              <a:t>Fifth level</a:t>
-            </a:r>
+          <a:bodyPr vert="horz" lIns="91440" tIns="45720" rIns="91440" bIns="45720" rtlCol="0" anchor="ctr"/>
+          <a:lstStyle>
+            <a:lvl1pPr algn="r">
+              <a:defRPr sz="1000" b="0" i="0">
+                <a:solidFill>
+                  <a:schemeClr val="tx1"/>
+                </a:solidFill>
+                <a:effectLst/>
+                <a:latin typeface="+mn-lt"/>
+              </a:defRPr>
+            </a:lvl1pPr>
+          </a:lstStyle>
+          <a:p>
+            <a:fld id="{858C55E5-992C-4861-AB14-28036FBC884F}" type="datetimeFigureOut">
+              <a:rPr lang="en-GB" smtClean="0"/>
+              <a:t>18/04/2024</a:t>
+            </a:fld>
             <a:endParaRPr lang="en-GB"/>
           </a:p>
         </p:txBody>
       </p:sp>
       <p:sp>
         <p:nvSpPr>
-          <p:cNvPr id="4" name="Date Placeholder 3">
-            <a:extLst>
-              <a:ext uri="{FF2B5EF4-FFF2-40B4-BE49-F238E27FC236}">
-                <a16:creationId xmlns:a16="http://schemas.microsoft.com/office/drawing/2014/main" id="{6DCC4E3D-DDB7-48C3-A24F-931E1780E3C3}"/>
-              </a:ext>
-            </a:extLst>
-          </p:cNvPr>
-          <p:cNvSpPr>
-            <a:spLocks noGrp="1"/>
-          </p:cNvSpPr>
-          <p:nvPr>
-            <p:ph type="dt" sz="half" idx="2"/>
+          <p:cNvPr id="5" name="Footer Placeholder 4"/>
+          <p:cNvSpPr>
+            <a:spLocks noGrp="1"/>
+          </p:cNvSpPr>
+          <p:nvPr>
+            <p:ph type="ftr" sz="quarter" idx="3"/>
           </p:nvPr>
         </p:nvSpPr>
         <p:spPr>
           <a:xfrm>
-            <a:off x="838200" y="6356350"/>
-            <a:ext cx="2743200" cy="365125"/>
+            <a:off x="2572279" y="5883275"/>
+            <a:ext cx="7084177" cy="365125"/>
           </a:xfrm>
           <a:prstGeom prst="rect">
             <a:avLst/>
@@ -2914,44 +5644,34 @@
           <a:bodyPr vert="horz" lIns="91440" tIns="45720" rIns="91440" bIns="45720" rtlCol="0" anchor="ctr"/>
           <a:lstStyle>
             <a:lvl1pPr algn="l">
-              <a:defRPr sz="1200">
-                <a:solidFill>
-                  <a:schemeClr val="tx1">
-                    <a:tint val="75000"/>
-                  </a:schemeClr>
-                </a:solidFill>
+              <a:defRPr sz="1000" b="0" i="0">
+                <a:solidFill>
+                  <a:schemeClr val="tx1"/>
+                </a:solidFill>
+                <a:effectLst/>
+                <a:latin typeface="+mn-lt"/>
               </a:defRPr>
             </a:lvl1pPr>
           </a:lstStyle>
           <a:p>
-            <a:fld id="{858C55E5-992C-4861-AB14-28036FBC884F}" type="datetimeFigureOut">
-              <a:rPr lang="en-GB" smtClean="0"/>
-              <a:t>18/04/2024</a:t>
-            </a:fld>
             <a:endParaRPr lang="en-GB"/>
           </a:p>
         </p:txBody>
       </p:sp>
       <p:sp>
         <p:nvSpPr>
-          <p:cNvPr id="5" name="Footer Placeholder 4">
-            <a:extLst>
-              <a:ext uri="{FF2B5EF4-FFF2-40B4-BE49-F238E27FC236}">
-                <a16:creationId xmlns:a16="http://schemas.microsoft.com/office/drawing/2014/main" id="{73711E0B-7C98-4F43-8C82-9A4C6D26570D}"/>
-              </a:ext>
-            </a:extLst>
-          </p:cNvPr>
-          <p:cNvSpPr>
-            <a:spLocks noGrp="1"/>
-          </p:cNvSpPr>
-          <p:nvPr>
-            <p:ph type="ftr" sz="quarter" idx="3"/>
+          <p:cNvPr id="6" name="Slide Number Placeholder 5"/>
+          <p:cNvSpPr>
+            <a:spLocks noGrp="1"/>
+          </p:cNvSpPr>
+          <p:nvPr>
+            <p:ph type="sldNum" sz="quarter" idx="4"/>
           </p:nvPr>
         </p:nvSpPr>
         <p:spPr>
           <a:xfrm>
-            <a:off x="4038600" y="6356350"/>
-            <a:ext cx="4114800" cy="365125"/>
+            <a:off x="10951856" y="5883275"/>
+            <a:ext cx="551167" cy="365125"/>
           </a:xfrm>
           <a:prstGeom prst="rect">
             <a:avLst/>
@@ -2960,56 +5680,13 @@
         <p:txBody>
           <a:bodyPr vert="horz" lIns="91440" tIns="45720" rIns="91440" bIns="45720" rtlCol="0" anchor="ctr"/>
           <a:lstStyle>
-            <a:lvl1pPr algn="ctr">
-              <a:defRPr sz="1200">
-                <a:solidFill>
-                  <a:schemeClr val="tx1">
-                    <a:tint val="75000"/>
-                  </a:schemeClr>
-                </a:solidFill>
-              </a:defRPr>
-            </a:lvl1pPr>
-          </a:lstStyle>
-          <a:p>
-            <a:endParaRPr lang="en-GB"/>
-          </a:p>
-        </p:txBody>
-      </p:sp>
-      <p:sp>
-        <p:nvSpPr>
-          <p:cNvPr id="6" name="Slide Number Placeholder 5">
-            <a:extLst>
-              <a:ext uri="{FF2B5EF4-FFF2-40B4-BE49-F238E27FC236}">
-                <a16:creationId xmlns:a16="http://schemas.microsoft.com/office/drawing/2014/main" id="{5A3BCA69-64A9-4978-9EF2-EFBDDD6D2397}"/>
-              </a:ext>
-            </a:extLst>
-          </p:cNvPr>
-          <p:cNvSpPr>
-            <a:spLocks noGrp="1"/>
-          </p:cNvSpPr>
-          <p:nvPr>
-            <p:ph type="sldNum" sz="quarter" idx="4"/>
-          </p:nvPr>
-        </p:nvSpPr>
-        <p:spPr>
-          <a:xfrm>
-            <a:off x="8610600" y="6356350"/>
-            <a:ext cx="2743200" cy="365125"/>
-          </a:xfrm>
-          <a:prstGeom prst="rect">
-            <a:avLst/>
-          </a:prstGeom>
-        </p:spPr>
-        <p:txBody>
-          <a:bodyPr vert="horz" lIns="91440" tIns="45720" rIns="91440" bIns="45720" rtlCol="0" anchor="ctr"/>
-          <a:lstStyle>
             <a:lvl1pPr algn="r">
-              <a:defRPr sz="1200">
-                <a:solidFill>
-                  <a:schemeClr val="tx1">
-                    <a:tint val="75000"/>
-                  </a:schemeClr>
-                </a:solidFill>
+              <a:defRPr sz="1000" b="0" i="0">
+                <a:solidFill>
+                  <a:schemeClr val="tx1"/>
+                </a:solidFill>
+                <a:effectLst/>
+                <a:latin typeface="+mn-lt"/>
               </a:defRPr>
             </a:lvl1pPr>
           </a:lstStyle>
@@ -3025,202 +5702,328 @@
     </p:spTree>
     <p:extLst>
       <p:ext uri="{BB962C8B-B14F-4D97-AF65-F5344CB8AC3E}">
-        <p14:creationId xmlns:p14="http://schemas.microsoft.com/office/powerpoint/2010/main" val="2588876207"/>
+        <p14:creationId xmlns:p14="http://schemas.microsoft.com/office/powerpoint/2010/main" val="308092847"/>
       </p:ext>
     </p:extLst>
   </p:cSld>
   <p:clrMap bg1="lt1" tx1="dk1" bg2="lt2" tx2="dk2" accent1="accent1" accent2="accent2" accent3="accent3" accent4="accent4" accent5="accent5" accent6="accent6" hlink="hlink" folHlink="folHlink"/>
   <p:sldLayoutIdLst>
-    <p:sldLayoutId id="2147483649" r:id="rId1"/>
-    <p:sldLayoutId id="2147483650" r:id="rId2"/>
-    <p:sldLayoutId id="2147483651" r:id="rId3"/>
-    <p:sldLayoutId id="2147483652" r:id="rId4"/>
-    <p:sldLayoutId id="2147483653" r:id="rId5"/>
-    <p:sldLayoutId id="2147483654" r:id="rId6"/>
-    <p:sldLayoutId id="2147483655" r:id="rId7"/>
-    <p:sldLayoutId id="2147483656" r:id="rId8"/>
-    <p:sldLayoutId id="2147483657" r:id="rId9"/>
-    <p:sldLayoutId id="2147483658" r:id="rId10"/>
-    <p:sldLayoutId id="2147483659" r:id="rId11"/>
+    <p:sldLayoutId id="2147483679" r:id="rId1"/>
+    <p:sldLayoutId id="2147483680" r:id="rId2"/>
+    <p:sldLayoutId id="2147483681" r:id="rId3"/>
+    <p:sldLayoutId id="2147483682" r:id="rId4"/>
+    <p:sldLayoutId id="2147483683" r:id="rId5"/>
+    <p:sldLayoutId id="2147483684" r:id="rId6"/>
+    <p:sldLayoutId id="2147483685" r:id="rId7"/>
+    <p:sldLayoutId id="2147483686" r:id="rId8"/>
+    <p:sldLayoutId id="2147483687" r:id="rId9"/>
+    <p:sldLayoutId id="2147483688" r:id="rId10"/>
+    <p:sldLayoutId id="2147483689" r:id="rId11"/>
+    <p:sldLayoutId id="2147483690" r:id="rId12"/>
+    <p:sldLayoutId id="2147483691" r:id="rId13"/>
+    <p:sldLayoutId id="2147483692" r:id="rId14"/>
+    <p:sldLayoutId id="2147483693" r:id="rId15"/>
+    <p:sldLayoutId id="2147483694" r:id="rId16"/>
+    <p:sldLayoutId id="2147483695" r:id="rId17"/>
   </p:sldLayoutIdLst>
   <p:txStyles>
     <p:titleStyle>
-      <a:lvl1pPr algn="l" defTabSz="914400" rtl="0" eaLnBrk="1" latinLnBrk="0" hangingPunct="1">
-        <a:lnSpc>
-          <a:spcPct val="90000"/>
-        </a:lnSpc>
+      <a:lvl1pPr algn="ctr" defTabSz="457200" rtl="0" eaLnBrk="1" latinLnBrk="0" hangingPunct="1">
         <a:spcBef>
           <a:spcPct val="0"/>
         </a:spcBef>
         <a:buNone/>
-        <a:defRPr sz="4400" kern="1200">
+        <a:defRPr sz="4000" kern="1200" cap="none">
+          <a:ln w="3175" cmpd="sng">
+            <a:noFill/>
+          </a:ln>
           <a:solidFill>
             <a:schemeClr val="tx1"/>
           </a:solidFill>
+          <a:effectLst/>
           <a:latin typeface="+mj-lt"/>
           <a:ea typeface="+mj-ea"/>
           <a:cs typeface="+mj-cs"/>
         </a:defRPr>
       </a:lvl1pPr>
+      <a:lvl2pPr eaLnBrk="1" hangingPunct="1">
+        <a:defRPr>
+          <a:solidFill>
+            <a:schemeClr val="tx2"/>
+          </a:solidFill>
+        </a:defRPr>
+      </a:lvl2pPr>
+      <a:lvl3pPr eaLnBrk="1" hangingPunct="1">
+        <a:defRPr>
+          <a:solidFill>
+            <a:schemeClr val="tx2"/>
+          </a:solidFill>
+        </a:defRPr>
+      </a:lvl3pPr>
+      <a:lvl4pPr eaLnBrk="1" hangingPunct="1">
+        <a:defRPr>
+          <a:solidFill>
+            <a:schemeClr val="tx2"/>
+          </a:solidFill>
+        </a:defRPr>
+      </a:lvl4pPr>
+      <a:lvl5pPr eaLnBrk="1" hangingPunct="1">
+        <a:defRPr>
+          <a:solidFill>
+            <a:schemeClr val="tx2"/>
+          </a:solidFill>
+        </a:defRPr>
+      </a:lvl5pPr>
+      <a:lvl6pPr eaLnBrk="1" hangingPunct="1">
+        <a:defRPr>
+          <a:solidFill>
+            <a:schemeClr val="tx2"/>
+          </a:solidFill>
+        </a:defRPr>
+      </a:lvl6pPr>
+      <a:lvl7pPr eaLnBrk="1" hangingPunct="1">
+        <a:defRPr>
+          <a:solidFill>
+            <a:schemeClr val="tx2"/>
+          </a:solidFill>
+        </a:defRPr>
+      </a:lvl7pPr>
+      <a:lvl8pPr eaLnBrk="1" hangingPunct="1">
+        <a:defRPr>
+          <a:solidFill>
+            <a:schemeClr val="tx2"/>
+          </a:solidFill>
+        </a:defRPr>
+      </a:lvl8pPr>
+      <a:lvl9pPr eaLnBrk="1" hangingPunct="1">
+        <a:defRPr>
+          <a:solidFill>
+            <a:schemeClr val="tx2"/>
+          </a:solidFill>
+        </a:defRPr>
+      </a:lvl9pPr>
     </p:titleStyle>
     <p:bodyStyle>
-      <a:lvl1pPr marL="228600" indent="-228600" algn="l" defTabSz="914400" rtl="0" eaLnBrk="1" latinLnBrk="0" hangingPunct="1">
-        <a:lnSpc>
-          <a:spcPct val="90000"/>
-        </a:lnSpc>
+      <a:lvl1pPr marL="285750" indent="-285750" algn="l" defTabSz="457200" rtl="0" eaLnBrk="1" latinLnBrk="0" hangingPunct="1">
         <a:spcBef>
-          <a:spcPts val="1000"/>
+          <a:spcPct val="20000"/>
         </a:spcBef>
-        <a:buFont typeface="Arial" panose="020B0604020202020204" pitchFamily="34" charset="0"/>
+        <a:spcAft>
+          <a:spcPts val="600"/>
+        </a:spcAft>
+        <a:buClr>
+          <a:schemeClr val="accent1">
+            <a:lumMod val="75000"/>
+          </a:schemeClr>
+        </a:buClr>
+        <a:buSzPct val="145000"/>
+        <a:buFont typeface="Arial"/>
         <a:buChar char="•"/>
-        <a:defRPr sz="2800" kern="1200">
+        <a:defRPr sz="2400" kern="1200" cap="none">
           <a:solidFill>
             <a:schemeClr val="tx1"/>
           </a:solidFill>
+          <a:effectLst/>
           <a:latin typeface="+mn-lt"/>
           <a:ea typeface="+mn-ea"/>
           <a:cs typeface="+mn-cs"/>
         </a:defRPr>
       </a:lvl1pPr>
-      <a:lvl2pPr marL="685800" indent="-228600" algn="l" defTabSz="914400" rtl="0" eaLnBrk="1" latinLnBrk="0" hangingPunct="1">
-        <a:lnSpc>
-          <a:spcPct val="90000"/>
-        </a:lnSpc>
+      <a:lvl2pPr marL="742950" indent="-285750" algn="l" defTabSz="457200" rtl="0" eaLnBrk="1" latinLnBrk="0" hangingPunct="1">
         <a:spcBef>
-          <a:spcPts val="500"/>
+          <a:spcPct val="20000"/>
         </a:spcBef>
-        <a:buFont typeface="Arial" panose="020B0604020202020204" pitchFamily="34" charset="0"/>
+        <a:spcAft>
+          <a:spcPts val="600"/>
+        </a:spcAft>
+        <a:buClr>
+          <a:schemeClr val="accent1">
+            <a:lumMod val="75000"/>
+          </a:schemeClr>
+        </a:buClr>
+        <a:buSzPct val="145000"/>
+        <a:buFont typeface="Arial"/>
         <a:buChar char="•"/>
-        <a:defRPr sz="2400" kern="1200">
+        <a:defRPr sz="2000" kern="1200" cap="none">
           <a:solidFill>
             <a:schemeClr val="tx1"/>
           </a:solidFill>
+          <a:effectLst/>
           <a:latin typeface="+mn-lt"/>
           <a:ea typeface="+mn-ea"/>
           <a:cs typeface="+mn-cs"/>
         </a:defRPr>
       </a:lvl2pPr>
-      <a:lvl3pPr marL="1143000" indent="-228600" algn="l" defTabSz="914400" rtl="0" eaLnBrk="1" latinLnBrk="0" hangingPunct="1">
-        <a:lnSpc>
-          <a:spcPct val="90000"/>
-        </a:lnSpc>
+      <a:lvl3pPr marL="1200150" indent="-285750" algn="l" defTabSz="457200" rtl="0" eaLnBrk="1" latinLnBrk="0" hangingPunct="1">
         <a:spcBef>
-          <a:spcPts val="500"/>
+          <a:spcPct val="20000"/>
         </a:spcBef>
-        <a:buFont typeface="Arial" panose="020B0604020202020204" pitchFamily="34" charset="0"/>
+        <a:spcAft>
+          <a:spcPts val="600"/>
+        </a:spcAft>
+        <a:buClr>
+          <a:schemeClr val="accent1">
+            <a:lumMod val="75000"/>
+          </a:schemeClr>
+        </a:buClr>
+        <a:buSzPct val="145000"/>
+        <a:buFont typeface="Arial"/>
         <a:buChar char="•"/>
-        <a:defRPr sz="2000" kern="1200">
+        <a:defRPr sz="1800" kern="1200" cap="none">
           <a:solidFill>
             <a:schemeClr val="tx1"/>
           </a:solidFill>
+          <a:effectLst/>
           <a:latin typeface="+mn-lt"/>
           <a:ea typeface="+mn-ea"/>
           <a:cs typeface="+mn-cs"/>
         </a:defRPr>
       </a:lvl3pPr>
-      <a:lvl4pPr marL="1600200" indent="-228600" algn="l" defTabSz="914400" rtl="0" eaLnBrk="1" latinLnBrk="0" hangingPunct="1">
-        <a:lnSpc>
-          <a:spcPct val="90000"/>
-        </a:lnSpc>
+      <a:lvl4pPr marL="1543050" indent="-171450" algn="l" defTabSz="457200" rtl="0" eaLnBrk="1" latinLnBrk="0" hangingPunct="1">
         <a:spcBef>
-          <a:spcPts val="500"/>
+          <a:spcPct val="20000"/>
         </a:spcBef>
-        <a:buFont typeface="Arial" panose="020B0604020202020204" pitchFamily="34" charset="0"/>
+        <a:spcAft>
+          <a:spcPts val="600"/>
+        </a:spcAft>
+        <a:buClr>
+          <a:schemeClr val="accent1">
+            <a:lumMod val="75000"/>
+          </a:schemeClr>
+        </a:buClr>
+        <a:buSzPct val="145000"/>
+        <a:buFont typeface="Arial"/>
         <a:buChar char="•"/>
-        <a:defRPr sz="1800" kern="1200">
+        <a:defRPr sz="1600" kern="1200" cap="none">
           <a:solidFill>
             <a:schemeClr val="tx1"/>
           </a:solidFill>
+          <a:effectLst/>
           <a:latin typeface="+mn-lt"/>
           <a:ea typeface="+mn-ea"/>
           <a:cs typeface="+mn-cs"/>
         </a:defRPr>
       </a:lvl4pPr>
-      <a:lvl5pPr marL="2057400" indent="-228600" algn="l" defTabSz="914400" rtl="0" eaLnBrk="1" latinLnBrk="0" hangingPunct="1">
-        <a:lnSpc>
-          <a:spcPct val="90000"/>
-        </a:lnSpc>
+      <a:lvl5pPr marL="2000250" indent="-171450" algn="l" defTabSz="457200" rtl="0" eaLnBrk="1" latinLnBrk="0" hangingPunct="1">
         <a:spcBef>
-          <a:spcPts val="500"/>
+          <a:spcPct val="20000"/>
         </a:spcBef>
-        <a:buFont typeface="Arial" panose="020B0604020202020204" pitchFamily="34" charset="0"/>
+        <a:spcAft>
+          <a:spcPts val="600"/>
+        </a:spcAft>
+        <a:buClr>
+          <a:schemeClr val="accent1">
+            <a:lumMod val="75000"/>
+          </a:schemeClr>
+        </a:buClr>
+        <a:buSzPct val="145000"/>
+        <a:buFont typeface="Arial"/>
         <a:buChar char="•"/>
-        <a:defRPr sz="1800" kern="1200">
+        <a:defRPr sz="1400" kern="1200" cap="none">
           <a:solidFill>
             <a:schemeClr val="tx1"/>
           </a:solidFill>
+          <a:effectLst/>
           <a:latin typeface="+mn-lt"/>
           <a:ea typeface="+mn-ea"/>
           <a:cs typeface="+mn-cs"/>
         </a:defRPr>
       </a:lvl5pPr>
-      <a:lvl6pPr marL="2514600" indent="-228600" algn="l" defTabSz="914400" rtl="0" eaLnBrk="1" latinLnBrk="0" hangingPunct="1">
-        <a:lnSpc>
-          <a:spcPct val="90000"/>
-        </a:lnSpc>
+      <a:lvl6pPr marL="2514600" indent="-228600" algn="l" defTabSz="457200" rtl="0" eaLnBrk="1" latinLnBrk="0" hangingPunct="1">
         <a:spcBef>
-          <a:spcPts val="500"/>
+          <a:spcPct val="20000"/>
         </a:spcBef>
-        <a:buFont typeface="Arial" panose="020B0604020202020204" pitchFamily="34" charset="0"/>
+        <a:spcAft>
+          <a:spcPts val="600"/>
+        </a:spcAft>
+        <a:buClr>
+          <a:schemeClr val="accent1">
+            <a:lumMod val="75000"/>
+          </a:schemeClr>
+        </a:buClr>
+        <a:buSzPct val="145000"/>
+        <a:buFont typeface="Arial"/>
         <a:buChar char="•"/>
-        <a:defRPr sz="1800" kern="1200">
+        <a:defRPr sz="1400" kern="1200" cap="none">
           <a:solidFill>
             <a:schemeClr val="tx1"/>
           </a:solidFill>
+          <a:effectLst/>
           <a:latin typeface="+mn-lt"/>
           <a:ea typeface="+mn-ea"/>
           <a:cs typeface="+mn-cs"/>
         </a:defRPr>
       </a:lvl6pPr>
-      <a:lvl7pPr marL="2971800" indent="-228600" algn="l" defTabSz="914400" rtl="0" eaLnBrk="1" latinLnBrk="0" hangingPunct="1">
-        <a:lnSpc>
-          <a:spcPct val="90000"/>
-        </a:lnSpc>
+      <a:lvl7pPr marL="2971800" indent="-228600" algn="l" defTabSz="457200" rtl="0" eaLnBrk="1" latinLnBrk="0" hangingPunct="1">
         <a:spcBef>
-          <a:spcPts val="500"/>
+          <a:spcPct val="20000"/>
         </a:spcBef>
-        <a:buFont typeface="Arial" panose="020B0604020202020204" pitchFamily="34" charset="0"/>
+        <a:spcAft>
+          <a:spcPts val="600"/>
+        </a:spcAft>
+        <a:buClr>
+          <a:schemeClr val="accent1">
+            <a:lumMod val="75000"/>
+          </a:schemeClr>
+        </a:buClr>
+        <a:buSzPct val="145000"/>
+        <a:buFont typeface="Arial"/>
         <a:buChar char="•"/>
-        <a:defRPr sz="1800" kern="1200">
+        <a:defRPr sz="1400" kern="1200" cap="none">
           <a:solidFill>
             <a:schemeClr val="tx1"/>
           </a:solidFill>
+          <a:effectLst/>
           <a:latin typeface="+mn-lt"/>
           <a:ea typeface="+mn-ea"/>
           <a:cs typeface="+mn-cs"/>
         </a:defRPr>
       </a:lvl7pPr>
-      <a:lvl8pPr marL="3429000" indent="-228600" algn="l" defTabSz="914400" rtl="0" eaLnBrk="1" latinLnBrk="0" hangingPunct="1">
-        <a:lnSpc>
-          <a:spcPct val="90000"/>
-        </a:lnSpc>
+      <a:lvl8pPr marL="3429000" indent="-228600" algn="l" defTabSz="457200" rtl="0" eaLnBrk="1" latinLnBrk="0" hangingPunct="1">
         <a:spcBef>
-          <a:spcPts val="500"/>
+          <a:spcPct val="20000"/>
         </a:spcBef>
-        <a:buFont typeface="Arial" panose="020B0604020202020204" pitchFamily="34" charset="0"/>
+        <a:spcAft>
+          <a:spcPts val="600"/>
+        </a:spcAft>
+        <a:buClr>
+          <a:schemeClr val="accent1">
+            <a:lumMod val="75000"/>
+          </a:schemeClr>
+        </a:buClr>
+        <a:buSzPct val="145000"/>
+        <a:buFont typeface="Arial"/>
         <a:buChar char="•"/>
-        <a:defRPr sz="1800" kern="1200">
+        <a:defRPr sz="1400" kern="1200" cap="none">
           <a:solidFill>
             <a:schemeClr val="tx1"/>
           </a:solidFill>
+          <a:effectLst/>
           <a:latin typeface="+mn-lt"/>
           <a:ea typeface="+mn-ea"/>
           <a:cs typeface="+mn-cs"/>
         </a:defRPr>
       </a:lvl8pPr>
-      <a:lvl9pPr marL="3886200" indent="-228600" algn="l" defTabSz="914400" rtl="0" eaLnBrk="1" latinLnBrk="0" hangingPunct="1">
-        <a:lnSpc>
-          <a:spcPct val="90000"/>
-        </a:lnSpc>
+      <a:lvl9pPr marL="3886200" indent="-228600" algn="l" defTabSz="457200" rtl="0" eaLnBrk="1" latinLnBrk="0" hangingPunct="1">
         <a:spcBef>
-          <a:spcPts val="500"/>
+          <a:spcPct val="20000"/>
         </a:spcBef>
-        <a:buFont typeface="Arial" panose="020B0604020202020204" pitchFamily="34" charset="0"/>
+        <a:spcAft>
+          <a:spcPts val="600"/>
+        </a:spcAft>
+        <a:buClr>
+          <a:schemeClr val="accent1">
+            <a:lumMod val="75000"/>
+          </a:schemeClr>
+        </a:buClr>
+        <a:buSzPct val="145000"/>
+        <a:buFont typeface="Arial"/>
         <a:buChar char="•"/>
-        <a:defRPr sz="1800" kern="1200">
+        <a:defRPr sz="1400" kern="1200" cap="none">
           <a:solidFill>
             <a:schemeClr val="tx1"/>
           </a:solidFill>
+          <a:effectLst/>
           <a:latin typeface="+mn-lt"/>
           <a:ea typeface="+mn-ea"/>
           <a:cs typeface="+mn-cs"/>
@@ -3231,7 +6034,7 @@
       <a:defPPr>
         <a:defRPr lang="en-US"/>
       </a:defPPr>
-      <a:lvl1pPr marL="0" algn="l" defTabSz="914400" rtl="0" eaLnBrk="1" latinLnBrk="0" hangingPunct="1">
+      <a:lvl1pPr marL="0" algn="l" defTabSz="457200" rtl="0" eaLnBrk="1" latinLnBrk="0" hangingPunct="1">
         <a:defRPr sz="1800" kern="1200">
           <a:solidFill>
             <a:schemeClr val="tx1"/>
@@ -3241,7 +6044,7 @@
           <a:cs typeface="+mn-cs"/>
         </a:defRPr>
       </a:lvl1pPr>
-      <a:lvl2pPr marL="457200" algn="l" defTabSz="914400" rtl="0" eaLnBrk="1" latinLnBrk="0" hangingPunct="1">
+      <a:lvl2pPr marL="457200" algn="l" defTabSz="457200" rtl="0" eaLnBrk="1" latinLnBrk="0" hangingPunct="1">
         <a:defRPr sz="1800" kern="1200">
           <a:solidFill>
             <a:schemeClr val="tx1"/>
@@ -3251,7 +6054,7 @@
           <a:cs typeface="+mn-cs"/>
         </a:defRPr>
       </a:lvl2pPr>
-      <a:lvl3pPr marL="914400" algn="l" defTabSz="914400" rtl="0" eaLnBrk="1" latinLnBrk="0" hangingPunct="1">
+      <a:lvl3pPr marL="914400" algn="l" defTabSz="457200" rtl="0" eaLnBrk="1" latinLnBrk="0" hangingPunct="1">
         <a:defRPr sz="1800" kern="1200">
           <a:solidFill>
             <a:schemeClr val="tx1"/>
@@ -3261,7 +6064,7 @@
           <a:cs typeface="+mn-cs"/>
         </a:defRPr>
       </a:lvl3pPr>
-      <a:lvl4pPr marL="1371600" algn="l" defTabSz="914400" rtl="0" eaLnBrk="1" latinLnBrk="0" hangingPunct="1">
+      <a:lvl4pPr marL="1371600" algn="l" defTabSz="457200" rtl="0" eaLnBrk="1" latinLnBrk="0" hangingPunct="1">
         <a:defRPr sz="1800" kern="1200">
           <a:solidFill>
             <a:schemeClr val="tx1"/>
@@ -3271,7 +6074,7 @@
           <a:cs typeface="+mn-cs"/>
         </a:defRPr>
       </a:lvl4pPr>
-      <a:lvl5pPr marL="1828800" algn="l" defTabSz="914400" rtl="0" eaLnBrk="1" latinLnBrk="0" hangingPunct="1">
+      <a:lvl5pPr marL="1828800" algn="l" defTabSz="457200" rtl="0" eaLnBrk="1" latinLnBrk="0" hangingPunct="1">
         <a:defRPr sz="1800" kern="1200">
           <a:solidFill>
             <a:schemeClr val="tx1"/>
@@ -3281,7 +6084,7 @@
           <a:cs typeface="+mn-cs"/>
         </a:defRPr>
       </a:lvl5pPr>
-      <a:lvl6pPr marL="2286000" algn="l" defTabSz="914400" rtl="0" eaLnBrk="1" latinLnBrk="0" hangingPunct="1">
+      <a:lvl6pPr marL="2286000" algn="l" defTabSz="457200" rtl="0" eaLnBrk="1" latinLnBrk="0" hangingPunct="1">
         <a:defRPr sz="1800" kern="1200">
           <a:solidFill>
             <a:schemeClr val="tx1"/>
@@ -3291,7 +6094,7 @@
           <a:cs typeface="+mn-cs"/>
         </a:defRPr>
       </a:lvl6pPr>
-      <a:lvl7pPr marL="2743200" algn="l" defTabSz="914400" rtl="0" eaLnBrk="1" latinLnBrk="0" hangingPunct="1">
+      <a:lvl7pPr marL="2743200" algn="l" defTabSz="457200" rtl="0" eaLnBrk="1" latinLnBrk="0" hangingPunct="1">
         <a:defRPr sz="1800" kern="1200">
           <a:solidFill>
             <a:schemeClr val="tx1"/>
@@ -3301,7 +6104,7 @@
           <a:cs typeface="+mn-cs"/>
         </a:defRPr>
       </a:lvl7pPr>
-      <a:lvl8pPr marL="3200400" algn="l" defTabSz="914400" rtl="0" eaLnBrk="1" latinLnBrk="0" hangingPunct="1">
+      <a:lvl8pPr marL="3200400" algn="l" defTabSz="457200" rtl="0" eaLnBrk="1" latinLnBrk="0" hangingPunct="1">
         <a:defRPr sz="1800" kern="1200">
           <a:solidFill>
             <a:schemeClr val="tx1"/>
@@ -3311,7 +6114,7 @@
           <a:cs typeface="+mn-cs"/>
         </a:defRPr>
       </a:lvl8pPr>
-      <a:lvl9pPr marL="3657600" algn="l" defTabSz="914400" rtl="0" eaLnBrk="1" latinLnBrk="0" hangingPunct="1">
+      <a:lvl9pPr marL="3657600" algn="l" defTabSz="457200" rtl="0" eaLnBrk="1" latinLnBrk="0" hangingPunct="1">
         <a:defRPr sz="1800" kern="1200">
           <a:solidFill>
             <a:schemeClr val="tx1"/>
@@ -3409,6 +6212,97 @@
 </p:sld>
 </file>
 
+<file path=ppt/slides/slide10.xml><?xml version="1.0" encoding="utf-8"?>
+<p:sld xmlns:a="http://schemas.openxmlformats.org/drawingml/2006/main" xmlns:r="http://schemas.openxmlformats.org/officeDocument/2006/relationships" xmlns:p="http://schemas.openxmlformats.org/presentationml/2006/main">
+  <p:cSld>
+    <p:spTree>
+      <p:nvGrpSpPr>
+        <p:cNvPr id="1" name=""/>
+        <p:cNvGrpSpPr/>
+        <p:nvPr/>
+      </p:nvGrpSpPr>
+      <p:grpSpPr>
+        <a:xfrm>
+          <a:off x="0" y="0"/>
+          <a:ext cx="0" cy="0"/>
+          <a:chOff x="0" y="0"/>
+          <a:chExt cx="0" cy="0"/>
+        </a:xfrm>
+      </p:grpSpPr>
+      <p:sp>
+        <p:nvSpPr>
+          <p:cNvPr id="2" name="Title 1">
+            <a:extLst>
+              <a:ext uri="{FF2B5EF4-FFF2-40B4-BE49-F238E27FC236}">
+                <a16:creationId xmlns:a16="http://schemas.microsoft.com/office/drawing/2014/main" id="{53F1B15B-8C66-4D0D-9275-2EC3789ECB2B}"/>
+              </a:ext>
+            </a:extLst>
+          </p:cNvPr>
+          <p:cNvSpPr>
+            <a:spLocks noGrp="1"/>
+          </p:cNvSpPr>
+          <p:nvPr>
+            <p:ph type="title"/>
+          </p:nvPr>
+        </p:nvSpPr>
+        <p:spPr/>
+        <p:txBody>
+          <a:bodyPr/>
+          <a:lstStyle/>
+          <a:p>
+            <a:r>
+              <a:rPr lang="en-GB"/>
+              <a:t>Doctors, </a:t>
+            </a:r>
+            <a:r>
+              <a:rPr lang="en-GB" dirty="0"/>
+              <a:t>department </a:t>
+            </a:r>
+            <a:r>
+              <a:rPr lang="en-GB"/>
+              <a:t>and time</a:t>
+            </a:r>
+          </a:p>
+        </p:txBody>
+      </p:sp>
+      <p:sp>
+        <p:nvSpPr>
+          <p:cNvPr id="3" name="Content Placeholder 2">
+            <a:extLst>
+              <a:ext uri="{FF2B5EF4-FFF2-40B4-BE49-F238E27FC236}">
+                <a16:creationId xmlns:a16="http://schemas.microsoft.com/office/drawing/2014/main" id="{E774EE88-388E-4627-A778-D4CD6389DF70}"/>
+              </a:ext>
+            </a:extLst>
+          </p:cNvPr>
+          <p:cNvSpPr>
+            <a:spLocks noGrp="1"/>
+          </p:cNvSpPr>
+          <p:nvPr>
+            <p:ph idx="1"/>
+          </p:nvPr>
+        </p:nvSpPr>
+        <p:spPr/>
+        <p:txBody>
+          <a:bodyPr/>
+          <a:lstStyle/>
+          <a:p>
+            <a:endParaRPr lang="en-GB"/>
+          </a:p>
+        </p:txBody>
+      </p:sp>
+    </p:spTree>
+    <p:extLst>
+      <p:ext uri="{BB962C8B-B14F-4D97-AF65-F5344CB8AC3E}">
+        <p14:creationId xmlns:p14="http://schemas.microsoft.com/office/powerpoint/2010/main" val="870444400"/>
+      </p:ext>
+    </p:extLst>
+  </p:cSld>
+  <p:clrMapOvr>
+    <a:masterClrMapping/>
+  </p:clrMapOvr>
+</p:sld>
+</file>
+
 <file path=ppt/slides/slide2.xml><?xml version="1.0" encoding="utf-8"?>
 <p:sld xmlns:a="http://schemas.openxmlformats.org/drawingml/2006/main" xmlns:r="http://schemas.openxmlformats.org/officeDocument/2006/relationships" xmlns:p="http://schemas.openxmlformats.org/presentationml/2006/main">
   <p:cSld>
@@ -3477,15 +6371,7 @@
           <a:p>
             <a:r>
               <a:rPr lang="en-GB" dirty="0"/>
-              <a:t>Here at Meditech we work hard to make it easier for those at the NHS and hospitals to be able to save lives and protect us </a:t>
-            </a:r>
-            <a:r>
-              <a:rPr lang="en-GB" dirty="0" err="1"/>
-              <a:t>citisens</a:t>
-            </a:r>
-            <a:r>
-              <a:rPr lang="en-GB" dirty="0"/>
-              <a:t>.</a:t>
+              <a:t>Here at Meditech we work hard to make it easier for those at the NHS and hospitals to be able to save lives and protect us citizens.</a:t>
             </a:r>
           </a:p>
           <a:p>
@@ -3522,10 +6408,591 @@
 </p:sld>
 </file>
 
+<file path=ppt/slides/slide3.xml><?xml version="1.0" encoding="utf-8"?>
+<p:sld xmlns:a="http://schemas.openxmlformats.org/drawingml/2006/main" xmlns:r="http://schemas.openxmlformats.org/officeDocument/2006/relationships" xmlns:p="http://schemas.openxmlformats.org/presentationml/2006/main">
+  <p:cSld>
+    <p:spTree>
+      <p:nvGrpSpPr>
+        <p:cNvPr id="1" name=""/>
+        <p:cNvGrpSpPr/>
+        <p:nvPr/>
+      </p:nvGrpSpPr>
+      <p:grpSpPr>
+        <a:xfrm>
+          <a:off x="0" y="0"/>
+          <a:ext cx="0" cy="0"/>
+          <a:chOff x="0" y="0"/>
+          <a:chExt cx="0" cy="0"/>
+        </a:xfrm>
+      </p:grpSpPr>
+      <p:sp>
+        <p:nvSpPr>
+          <p:cNvPr id="2" name="Title 1">
+            <a:extLst>
+              <a:ext uri="{FF2B5EF4-FFF2-40B4-BE49-F238E27FC236}">
+                <a16:creationId xmlns:a16="http://schemas.microsoft.com/office/drawing/2014/main" id="{D5F7D10C-9D35-408C-B061-929E27740C80}"/>
+              </a:ext>
+            </a:extLst>
+          </p:cNvPr>
+          <p:cNvSpPr>
+            <a:spLocks noGrp="1"/>
+          </p:cNvSpPr>
+          <p:nvPr>
+            <p:ph type="title"/>
+          </p:nvPr>
+        </p:nvSpPr>
+        <p:spPr/>
+        <p:txBody>
+          <a:bodyPr/>
+          <a:lstStyle/>
+          <a:p>
+            <a:r>
+              <a:rPr lang="en-GB" dirty="0"/>
+              <a:t>Front end design</a:t>
+            </a:r>
+          </a:p>
+        </p:txBody>
+      </p:sp>
+      <p:sp>
+        <p:nvSpPr>
+          <p:cNvPr id="3" name="Content Placeholder 2">
+            <a:extLst>
+              <a:ext uri="{FF2B5EF4-FFF2-40B4-BE49-F238E27FC236}">
+                <a16:creationId xmlns:a16="http://schemas.microsoft.com/office/drawing/2014/main" id="{9E175C9F-AB91-4E10-87CE-640DFBA38F77}"/>
+              </a:ext>
+            </a:extLst>
+          </p:cNvPr>
+          <p:cNvSpPr>
+            <a:spLocks noGrp="1"/>
+          </p:cNvSpPr>
+          <p:nvPr>
+            <p:ph idx="1"/>
+          </p:nvPr>
+        </p:nvSpPr>
+        <p:spPr/>
+        <p:txBody>
+          <a:bodyPr/>
+          <a:lstStyle/>
+          <a:p>
+            <a:endParaRPr lang="en-GB"/>
+          </a:p>
+        </p:txBody>
+      </p:sp>
+    </p:spTree>
+    <p:extLst>
+      <p:ext uri="{BB962C8B-B14F-4D97-AF65-F5344CB8AC3E}">
+        <p14:creationId xmlns:p14="http://schemas.microsoft.com/office/powerpoint/2010/main" val="2419461101"/>
+      </p:ext>
+    </p:extLst>
+  </p:cSld>
+  <p:clrMapOvr>
+    <a:masterClrMapping/>
+  </p:clrMapOvr>
+</p:sld>
+</file>
+
+<file path=ppt/slides/slide4.xml><?xml version="1.0" encoding="utf-8"?>
+<p:sld xmlns:a="http://schemas.openxmlformats.org/drawingml/2006/main" xmlns:r="http://schemas.openxmlformats.org/officeDocument/2006/relationships" xmlns:p="http://schemas.openxmlformats.org/presentationml/2006/main">
+  <p:cSld>
+    <p:spTree>
+      <p:nvGrpSpPr>
+        <p:cNvPr id="1" name=""/>
+        <p:cNvGrpSpPr/>
+        <p:nvPr/>
+      </p:nvGrpSpPr>
+      <p:grpSpPr>
+        <a:xfrm>
+          <a:off x="0" y="0"/>
+          <a:ext cx="0" cy="0"/>
+          <a:chOff x="0" y="0"/>
+          <a:chExt cx="0" cy="0"/>
+        </a:xfrm>
+      </p:grpSpPr>
+      <p:sp>
+        <p:nvSpPr>
+          <p:cNvPr id="2" name="Title 1">
+            <a:extLst>
+              <a:ext uri="{FF2B5EF4-FFF2-40B4-BE49-F238E27FC236}">
+                <a16:creationId xmlns:a16="http://schemas.microsoft.com/office/drawing/2014/main" id="{346548AB-E8DE-4203-869D-F842FF735AEB}"/>
+              </a:ext>
+            </a:extLst>
+          </p:cNvPr>
+          <p:cNvSpPr>
+            <a:spLocks noGrp="1"/>
+          </p:cNvSpPr>
+          <p:nvPr>
+            <p:ph type="title"/>
+          </p:nvPr>
+        </p:nvSpPr>
+        <p:spPr/>
+        <p:txBody>
+          <a:bodyPr/>
+          <a:lstStyle/>
+          <a:p>
+            <a:r>
+              <a:rPr lang="en-GB" dirty="0"/>
+              <a:t>Page for appointment bookings</a:t>
+            </a:r>
+          </a:p>
+        </p:txBody>
+      </p:sp>
+      <p:sp>
+        <p:nvSpPr>
+          <p:cNvPr id="3" name="Content Placeholder 2">
+            <a:extLst>
+              <a:ext uri="{FF2B5EF4-FFF2-40B4-BE49-F238E27FC236}">
+                <a16:creationId xmlns:a16="http://schemas.microsoft.com/office/drawing/2014/main" id="{BAF7969A-AAF3-4A61-86A6-153F572869A1}"/>
+              </a:ext>
+            </a:extLst>
+          </p:cNvPr>
+          <p:cNvSpPr>
+            <a:spLocks noGrp="1"/>
+          </p:cNvSpPr>
+          <p:nvPr>
+            <p:ph idx="1"/>
+          </p:nvPr>
+        </p:nvSpPr>
+        <p:spPr/>
+        <p:txBody>
+          <a:bodyPr/>
+          <a:lstStyle/>
+          <a:p>
+            <a:endParaRPr lang="en-GB"/>
+          </a:p>
+        </p:txBody>
+      </p:sp>
+    </p:spTree>
+    <p:extLst>
+      <p:ext uri="{BB962C8B-B14F-4D97-AF65-F5344CB8AC3E}">
+        <p14:creationId xmlns:p14="http://schemas.microsoft.com/office/powerpoint/2010/main" val="2901785845"/>
+      </p:ext>
+    </p:extLst>
+  </p:cSld>
+  <p:clrMapOvr>
+    <a:masterClrMapping/>
+  </p:clrMapOvr>
+</p:sld>
+</file>
+
+<file path=ppt/slides/slide5.xml><?xml version="1.0" encoding="utf-8"?>
+<p:sld xmlns:a="http://schemas.openxmlformats.org/drawingml/2006/main" xmlns:r="http://schemas.openxmlformats.org/officeDocument/2006/relationships" xmlns:p="http://schemas.openxmlformats.org/presentationml/2006/main">
+  <p:cSld>
+    <p:spTree>
+      <p:nvGrpSpPr>
+        <p:cNvPr id="1" name=""/>
+        <p:cNvGrpSpPr/>
+        <p:nvPr/>
+      </p:nvGrpSpPr>
+      <p:grpSpPr>
+        <a:xfrm>
+          <a:off x="0" y="0"/>
+          <a:ext cx="0" cy="0"/>
+          <a:chOff x="0" y="0"/>
+          <a:chExt cx="0" cy="0"/>
+        </a:xfrm>
+      </p:grpSpPr>
+      <p:sp>
+        <p:nvSpPr>
+          <p:cNvPr id="2" name="Title 1">
+            <a:extLst>
+              <a:ext uri="{FF2B5EF4-FFF2-40B4-BE49-F238E27FC236}">
+                <a16:creationId xmlns:a16="http://schemas.microsoft.com/office/drawing/2014/main" id="{20FCD562-58FB-491E-80D8-386429C3B7D5}"/>
+              </a:ext>
+            </a:extLst>
+          </p:cNvPr>
+          <p:cNvSpPr>
+            <a:spLocks noGrp="1"/>
+          </p:cNvSpPr>
+          <p:nvPr>
+            <p:ph type="title"/>
+          </p:nvPr>
+        </p:nvSpPr>
+        <p:spPr/>
+        <p:txBody>
+          <a:bodyPr/>
+          <a:lstStyle/>
+          <a:p>
+            <a:r>
+              <a:rPr lang="en-GB" dirty="0"/>
+              <a:t>Staff log in</a:t>
+            </a:r>
+          </a:p>
+        </p:txBody>
+      </p:sp>
+      <p:sp>
+        <p:nvSpPr>
+          <p:cNvPr id="3" name="Content Placeholder 2">
+            <a:extLst>
+              <a:ext uri="{FF2B5EF4-FFF2-40B4-BE49-F238E27FC236}">
+                <a16:creationId xmlns:a16="http://schemas.microsoft.com/office/drawing/2014/main" id="{05286A16-E676-472A-AAA5-9EC7C0179A32}"/>
+              </a:ext>
+            </a:extLst>
+          </p:cNvPr>
+          <p:cNvSpPr>
+            <a:spLocks noGrp="1"/>
+          </p:cNvSpPr>
+          <p:nvPr>
+            <p:ph idx="1"/>
+          </p:nvPr>
+        </p:nvSpPr>
+        <p:spPr/>
+        <p:txBody>
+          <a:bodyPr/>
+          <a:lstStyle/>
+          <a:p>
+            <a:endParaRPr lang="en-GB"/>
+          </a:p>
+        </p:txBody>
+      </p:sp>
+    </p:spTree>
+    <p:extLst>
+      <p:ext uri="{BB962C8B-B14F-4D97-AF65-F5344CB8AC3E}">
+        <p14:creationId xmlns:p14="http://schemas.microsoft.com/office/powerpoint/2010/main" val="1997671905"/>
+      </p:ext>
+    </p:extLst>
+  </p:cSld>
+  <p:clrMapOvr>
+    <a:masterClrMapping/>
+  </p:clrMapOvr>
+</p:sld>
+</file>
+
+<file path=ppt/slides/slide6.xml><?xml version="1.0" encoding="utf-8"?>
+<p:sld xmlns:a="http://schemas.openxmlformats.org/drawingml/2006/main" xmlns:r="http://schemas.openxmlformats.org/officeDocument/2006/relationships" xmlns:p="http://schemas.openxmlformats.org/presentationml/2006/main">
+  <p:cSld>
+    <p:spTree>
+      <p:nvGrpSpPr>
+        <p:cNvPr id="1" name=""/>
+        <p:cNvGrpSpPr/>
+        <p:nvPr/>
+      </p:nvGrpSpPr>
+      <p:grpSpPr>
+        <a:xfrm>
+          <a:off x="0" y="0"/>
+          <a:ext cx="0" cy="0"/>
+          <a:chOff x="0" y="0"/>
+          <a:chExt cx="0" cy="0"/>
+        </a:xfrm>
+      </p:grpSpPr>
+      <p:sp>
+        <p:nvSpPr>
+          <p:cNvPr id="2" name="Title 1">
+            <a:extLst>
+              <a:ext uri="{FF2B5EF4-FFF2-40B4-BE49-F238E27FC236}">
+                <a16:creationId xmlns:a16="http://schemas.microsoft.com/office/drawing/2014/main" id="{24774608-B8AC-4FE3-B7C6-F77D4DB12B25}"/>
+              </a:ext>
+            </a:extLst>
+          </p:cNvPr>
+          <p:cNvSpPr>
+            <a:spLocks noGrp="1"/>
+          </p:cNvSpPr>
+          <p:nvPr>
+            <p:ph type="title"/>
+          </p:nvPr>
+        </p:nvSpPr>
+        <p:spPr/>
+        <p:txBody>
+          <a:bodyPr/>
+          <a:lstStyle/>
+          <a:p>
+            <a:r>
+              <a:rPr lang="en-GB" dirty="0"/>
+              <a:t>Timetable for staff</a:t>
+            </a:r>
+          </a:p>
+        </p:txBody>
+      </p:sp>
+      <p:sp>
+        <p:nvSpPr>
+          <p:cNvPr id="3" name="Content Placeholder 2">
+            <a:extLst>
+              <a:ext uri="{FF2B5EF4-FFF2-40B4-BE49-F238E27FC236}">
+                <a16:creationId xmlns:a16="http://schemas.microsoft.com/office/drawing/2014/main" id="{034D1B30-EB29-4265-B840-CB710A52F3E7}"/>
+              </a:ext>
+            </a:extLst>
+          </p:cNvPr>
+          <p:cNvSpPr>
+            <a:spLocks noGrp="1"/>
+          </p:cNvSpPr>
+          <p:nvPr>
+            <p:ph idx="1"/>
+          </p:nvPr>
+        </p:nvSpPr>
+        <p:spPr/>
+        <p:txBody>
+          <a:bodyPr/>
+          <a:lstStyle/>
+          <a:p>
+            <a:endParaRPr lang="en-GB"/>
+          </a:p>
+        </p:txBody>
+      </p:sp>
+    </p:spTree>
+    <p:extLst>
+      <p:ext uri="{BB962C8B-B14F-4D97-AF65-F5344CB8AC3E}">
+        <p14:creationId xmlns:p14="http://schemas.microsoft.com/office/powerpoint/2010/main" val="2330580470"/>
+      </p:ext>
+    </p:extLst>
+  </p:cSld>
+  <p:clrMapOvr>
+    <a:masterClrMapping/>
+  </p:clrMapOvr>
+</p:sld>
+</file>
+
+<file path=ppt/slides/slide7.xml><?xml version="1.0" encoding="utf-8"?>
+<p:sld xmlns:a="http://schemas.openxmlformats.org/drawingml/2006/main" xmlns:r="http://schemas.openxmlformats.org/officeDocument/2006/relationships" xmlns:p="http://schemas.openxmlformats.org/presentationml/2006/main">
+  <p:cSld>
+    <p:spTree>
+      <p:nvGrpSpPr>
+        <p:cNvPr id="1" name=""/>
+        <p:cNvGrpSpPr/>
+        <p:nvPr/>
+      </p:nvGrpSpPr>
+      <p:grpSpPr>
+        <a:xfrm>
+          <a:off x="0" y="0"/>
+          <a:ext cx="0" cy="0"/>
+          <a:chOff x="0" y="0"/>
+          <a:chExt cx="0" cy="0"/>
+        </a:xfrm>
+      </p:grpSpPr>
+      <p:sp>
+        <p:nvSpPr>
+          <p:cNvPr id="2" name="Title 1">
+            <a:extLst>
+              <a:ext uri="{FF2B5EF4-FFF2-40B4-BE49-F238E27FC236}">
+                <a16:creationId xmlns:a16="http://schemas.microsoft.com/office/drawing/2014/main" id="{E2A9FEE1-E28E-42F7-A266-F94DC2379C0C}"/>
+              </a:ext>
+            </a:extLst>
+          </p:cNvPr>
+          <p:cNvSpPr>
+            <a:spLocks noGrp="1"/>
+          </p:cNvSpPr>
+          <p:nvPr>
+            <p:ph type="title"/>
+          </p:nvPr>
+        </p:nvSpPr>
+        <p:spPr/>
+        <p:txBody>
+          <a:bodyPr/>
+          <a:lstStyle/>
+          <a:p>
+            <a:r>
+              <a:rPr lang="en-GB" dirty="0"/>
+              <a:t>Booking confirmation page</a:t>
+            </a:r>
+          </a:p>
+        </p:txBody>
+      </p:sp>
+      <p:sp>
+        <p:nvSpPr>
+          <p:cNvPr id="3" name="Content Placeholder 2">
+            <a:extLst>
+              <a:ext uri="{FF2B5EF4-FFF2-40B4-BE49-F238E27FC236}">
+                <a16:creationId xmlns:a16="http://schemas.microsoft.com/office/drawing/2014/main" id="{01C4296E-0AF7-4503-89FE-221144CAF8ED}"/>
+              </a:ext>
+            </a:extLst>
+          </p:cNvPr>
+          <p:cNvSpPr>
+            <a:spLocks noGrp="1"/>
+          </p:cNvSpPr>
+          <p:nvPr>
+            <p:ph idx="1"/>
+          </p:nvPr>
+        </p:nvSpPr>
+        <p:spPr/>
+        <p:txBody>
+          <a:bodyPr/>
+          <a:lstStyle/>
+          <a:p>
+            <a:endParaRPr lang="en-GB" dirty="0"/>
+          </a:p>
+        </p:txBody>
+      </p:sp>
+    </p:spTree>
+    <p:extLst>
+      <p:ext uri="{BB962C8B-B14F-4D97-AF65-F5344CB8AC3E}">
+        <p14:creationId xmlns:p14="http://schemas.microsoft.com/office/powerpoint/2010/main" val="3856160927"/>
+      </p:ext>
+    </p:extLst>
+  </p:cSld>
+  <p:clrMapOvr>
+    <a:masterClrMapping/>
+  </p:clrMapOvr>
+</p:sld>
+</file>
+
+<file path=ppt/slides/slide8.xml><?xml version="1.0" encoding="utf-8"?>
+<p:sld xmlns:a="http://schemas.openxmlformats.org/drawingml/2006/main" xmlns:r="http://schemas.openxmlformats.org/officeDocument/2006/relationships" xmlns:p="http://schemas.openxmlformats.org/presentationml/2006/main">
+  <p:cSld>
+    <p:spTree>
+      <p:nvGrpSpPr>
+        <p:cNvPr id="1" name=""/>
+        <p:cNvGrpSpPr/>
+        <p:nvPr/>
+      </p:nvGrpSpPr>
+      <p:grpSpPr>
+        <a:xfrm>
+          <a:off x="0" y="0"/>
+          <a:ext cx="0" cy="0"/>
+          <a:chOff x="0" y="0"/>
+          <a:chExt cx="0" cy="0"/>
+        </a:xfrm>
+      </p:grpSpPr>
+      <p:sp>
+        <p:nvSpPr>
+          <p:cNvPr id="2" name="Title 1">
+            <a:extLst>
+              <a:ext uri="{FF2B5EF4-FFF2-40B4-BE49-F238E27FC236}">
+                <a16:creationId xmlns:a16="http://schemas.microsoft.com/office/drawing/2014/main" id="{CDAD05AD-07A5-4E89-9153-A11DF672A965}"/>
+              </a:ext>
+            </a:extLst>
+          </p:cNvPr>
+          <p:cNvSpPr>
+            <a:spLocks noGrp="1"/>
+          </p:cNvSpPr>
+          <p:nvPr>
+            <p:ph type="title"/>
+          </p:nvPr>
+        </p:nvSpPr>
+        <p:spPr/>
+        <p:txBody>
+          <a:bodyPr/>
+          <a:lstStyle/>
+          <a:p>
+            <a:r>
+              <a:rPr lang="en-GB" dirty="0"/>
+              <a:t>Customer review</a:t>
+            </a:r>
+          </a:p>
+        </p:txBody>
+      </p:sp>
+      <p:sp>
+        <p:nvSpPr>
+          <p:cNvPr id="3" name="Content Placeholder 2">
+            <a:extLst>
+              <a:ext uri="{FF2B5EF4-FFF2-40B4-BE49-F238E27FC236}">
+                <a16:creationId xmlns:a16="http://schemas.microsoft.com/office/drawing/2014/main" id="{9B8ED1BB-362C-4025-BD96-1495C583A1CF}"/>
+              </a:ext>
+            </a:extLst>
+          </p:cNvPr>
+          <p:cNvSpPr>
+            <a:spLocks noGrp="1"/>
+          </p:cNvSpPr>
+          <p:nvPr>
+            <p:ph idx="1"/>
+          </p:nvPr>
+        </p:nvSpPr>
+        <p:spPr/>
+        <p:txBody>
+          <a:bodyPr/>
+          <a:lstStyle/>
+          <a:p>
+            <a:endParaRPr lang="en-GB"/>
+          </a:p>
+        </p:txBody>
+      </p:sp>
+    </p:spTree>
+    <p:extLst>
+      <p:ext uri="{BB962C8B-B14F-4D97-AF65-F5344CB8AC3E}">
+        <p14:creationId xmlns:p14="http://schemas.microsoft.com/office/powerpoint/2010/main" val="234199947"/>
+      </p:ext>
+    </p:extLst>
+  </p:cSld>
+  <p:clrMapOvr>
+    <a:masterClrMapping/>
+  </p:clrMapOvr>
+</p:sld>
+</file>
+
+<file path=ppt/slides/slide9.xml><?xml version="1.0" encoding="utf-8"?>
+<p:sld xmlns:a="http://schemas.openxmlformats.org/drawingml/2006/main" xmlns:r="http://schemas.openxmlformats.org/officeDocument/2006/relationships" xmlns:p="http://schemas.openxmlformats.org/presentationml/2006/main">
+  <p:cSld>
+    <p:spTree>
+      <p:nvGrpSpPr>
+        <p:cNvPr id="1" name=""/>
+        <p:cNvGrpSpPr/>
+        <p:nvPr/>
+      </p:nvGrpSpPr>
+      <p:grpSpPr>
+        <a:xfrm>
+          <a:off x="0" y="0"/>
+          <a:ext cx="0" cy="0"/>
+          <a:chOff x="0" y="0"/>
+          <a:chExt cx="0" cy="0"/>
+        </a:xfrm>
+      </p:grpSpPr>
+      <p:sp>
+        <p:nvSpPr>
+          <p:cNvPr id="2" name="Title 1">
+            <a:extLst>
+              <a:ext uri="{FF2B5EF4-FFF2-40B4-BE49-F238E27FC236}">
+                <a16:creationId xmlns:a16="http://schemas.microsoft.com/office/drawing/2014/main" id="{86B49ECF-663A-463B-BA3A-610A87865EA0}"/>
+              </a:ext>
+            </a:extLst>
+          </p:cNvPr>
+          <p:cNvSpPr>
+            <a:spLocks noGrp="1"/>
+          </p:cNvSpPr>
+          <p:nvPr>
+            <p:ph type="title"/>
+          </p:nvPr>
+        </p:nvSpPr>
+        <p:spPr/>
+        <p:txBody>
+          <a:bodyPr/>
+          <a:lstStyle/>
+          <a:p>
+            <a:r>
+              <a:rPr lang="en-GB" dirty="0"/>
+              <a:t>security</a:t>
+            </a:r>
+          </a:p>
+        </p:txBody>
+      </p:sp>
+      <p:sp>
+        <p:nvSpPr>
+          <p:cNvPr id="3" name="Content Placeholder 2">
+            <a:extLst>
+              <a:ext uri="{FF2B5EF4-FFF2-40B4-BE49-F238E27FC236}">
+                <a16:creationId xmlns:a16="http://schemas.microsoft.com/office/drawing/2014/main" id="{C2A96037-239F-46CC-8A84-B1BFF8C3DFC7}"/>
+              </a:ext>
+            </a:extLst>
+          </p:cNvPr>
+          <p:cNvSpPr>
+            <a:spLocks noGrp="1"/>
+          </p:cNvSpPr>
+          <p:nvPr>
+            <p:ph idx="1"/>
+          </p:nvPr>
+        </p:nvSpPr>
+        <p:spPr/>
+        <p:txBody>
+          <a:bodyPr/>
+          <a:lstStyle/>
+          <a:p>
+            <a:endParaRPr lang="en-GB"/>
+          </a:p>
+        </p:txBody>
+      </p:sp>
+    </p:spTree>
+    <p:extLst>
+      <p:ext uri="{BB962C8B-B14F-4D97-AF65-F5344CB8AC3E}">
+        <p14:creationId xmlns:p14="http://schemas.microsoft.com/office/powerpoint/2010/main" val="435407456"/>
+      </p:ext>
+    </p:extLst>
+  </p:cSld>
+  <p:clrMapOvr>
+    <a:masterClrMapping/>
+  </p:clrMapOvr>
+</p:sld>
+</file>
+
 <file path=ppt/theme/theme1.xml><?xml version="1.0" encoding="utf-8"?>
-<a:theme xmlns:a="http://schemas.openxmlformats.org/drawingml/2006/main" name="Office Theme">
+<a:theme xmlns:a="http://schemas.openxmlformats.org/drawingml/2006/main" name="Parallax">
   <a:themeElements>
-    <a:clrScheme name="Office">
+    <a:clrScheme name="Parallax">
       <a:dk1>
         <a:sysClr val="windowText" lastClr="000000"/>
       </a:dk1>
@@ -3533,100 +7000,48 @@
         <a:sysClr val="window" lastClr="FFFFFF"/>
       </a:lt1>
       <a:dk2>
-        <a:srgbClr val="44546A"/>
+        <a:srgbClr val="212121"/>
       </a:dk2>
       <a:lt2>
-        <a:srgbClr val="E7E6E6"/>
+        <a:srgbClr val="CDD0D1"/>
       </a:lt2>
       <a:accent1>
-        <a:srgbClr val="4472C4"/>
+        <a:srgbClr val="BC1C1C"/>
       </a:accent1>
       <a:accent2>
-        <a:srgbClr val="ED7D31"/>
+        <a:srgbClr val="F67534"/>
       </a:accent2>
       <a:accent3>
-        <a:srgbClr val="A5A5A5"/>
+        <a:srgbClr val="EAAC35"/>
       </a:accent3>
       <a:accent4>
-        <a:srgbClr val="FFC000"/>
+        <a:srgbClr val="9BAF68"/>
       </a:accent4>
       <a:accent5>
-        <a:srgbClr val="5B9BD5"/>
+        <a:srgbClr val="68B9A6"/>
       </a:accent5>
       <a:accent6>
-        <a:srgbClr val="70AD47"/>
+        <a:srgbClr val="50B1D4"/>
       </a:accent6>
       <a:hlink>
-        <a:srgbClr val="0563C1"/>
+        <a:srgbClr val="E46416"/>
       </a:hlink>
       <a:folHlink>
-        <a:srgbClr val="954F72"/>
+        <a:srgbClr val="EE9340"/>
       </a:folHlink>
     </a:clrScheme>
-    <a:fontScheme name="Office">
+    <a:fontScheme name="Parallax">
       <a:majorFont>
-        <a:latin typeface="Calibri Light" panose="020F0302020204030204"/>
+        <a:latin typeface="Corbel" panose="020B0503020204020204"/>
         <a:ea typeface=""/>
         <a:cs typeface=""/>
-        <a:font script="Jpan" typeface="游ゴシック Light"/>
-        <a:font script="Hang" typeface="맑은 고딕"/>
-        <a:font script="Hans" typeface="等线 Light"/>
+        <a:font script="Jpan" typeface="HGｺﾞｼｯｸM"/>
+        <a:font script="Hang" typeface="HY엽서L"/>
+        <a:font script="Hans" typeface="华文楷体"/>
         <a:font script="Hant" typeface="新細明體"/>
-        <a:font script="Arab" typeface="Times New Roman"/>
-        <a:font script="Hebr" typeface="Times New Roman"/>
-        <a:font script="Thai" typeface="Angsana New"/>
-        <a:font script="Ethi" typeface="Nyala"/>
-        <a:font script="Beng" typeface="Vrinda"/>
-        <a:font script="Gujr" typeface="Shruti"/>
-        <a:font script="Khmr" typeface="MoolBoran"/>
-        <a:font script="Knda" typeface="Tunga"/>
-        <a:font script="Guru" typeface="Raavi"/>
-        <a:font script="Cans" typeface="Euphemia"/>
-        <a:font script="Cher" typeface="Plantagenet Cherokee"/>
-        <a:font script="Yiii" typeface="Microsoft Yi Baiti"/>
-        <a:font script="Tibt" typeface="Microsoft Himalaya"/>
-        <a:font script="Thaa" typeface="MV Boli"/>
-        <a:font script="Deva" typeface="Mangal"/>
-        <a:font script="Telu" typeface="Gautami"/>
-        <a:font script="Taml" typeface="Latha"/>
-        <a:font script="Syrc" typeface="Estrangelo Edessa"/>
-        <a:font script="Orya" typeface="Kalinga"/>
-        <a:font script="Mlym" typeface="Kartika"/>
-        <a:font script="Laoo" typeface="DokChampa"/>
-        <a:font script="Sinh" typeface="Iskoola Pota"/>
-        <a:font script="Mong" typeface="Mongolian Baiti"/>
-        <a:font script="Viet" typeface="Times New Roman"/>
-        <a:font script="Uigh" typeface="Microsoft Uighur"/>
-        <a:font script="Geor" typeface="Sylfaen"/>
-        <a:font script="Armn" typeface="Arial"/>
-        <a:font script="Bugi" typeface="Leelawadee UI"/>
-        <a:font script="Bopo" typeface="Microsoft JhengHei"/>
-        <a:font script="Java" typeface="Javanese Text"/>
-        <a:font script="Lisu" typeface="Segoe UI"/>
-        <a:font script="Mymr" typeface="Myanmar Text"/>
-        <a:font script="Nkoo" typeface="Ebrima"/>
-        <a:font script="Olck" typeface="Nirmala UI"/>
-        <a:font script="Osma" typeface="Ebrima"/>
-        <a:font script="Phag" typeface="Phagspa"/>
-        <a:font script="Syrn" typeface="Estrangelo Edessa"/>
-        <a:font script="Syrj" typeface="Estrangelo Edessa"/>
-        <a:font script="Syre" typeface="Estrangelo Edessa"/>
-        <a:font script="Sora" typeface="Nirmala UI"/>
-        <a:font script="Tale" typeface="Microsoft Tai Le"/>
-        <a:font script="Talu" typeface="Microsoft New Tai Lue"/>
-        <a:font script="Tfng" typeface="Ebrima"/>
-      </a:majorFont>
-      <a:minorFont>
-        <a:latin typeface="Calibri" panose="020F0502020204030204"/>
-        <a:ea typeface=""/>
-        <a:cs typeface=""/>
-        <a:font script="Jpan" typeface="游ゴシック"/>
-        <a:font script="Hang" typeface="맑은 고딕"/>
-        <a:font script="Hans" typeface="等线"/>
-        <a:font script="Hant" typeface="新細明體"/>
-        <a:font script="Arab" typeface="Arial"/>
-        <a:font script="Hebr" typeface="Arial"/>
-        <a:font script="Thai" typeface="Cordia New"/>
+        <a:font script="Arab" typeface="Tahoma"/>
+        <a:font script="Hebr" typeface="Miriam"/>
+        <a:font script="Thai" typeface="DilleniaUPC"/>
         <a:font script="Ethi" typeface="Nyala"/>
         <a:font script="Beng" typeface="Vrinda"/>
         <a:font script="Gujr" typeface="Shruti"/>
@@ -3650,26 +7065,44 @@
         <a:font script="Viet" typeface="Arial"/>
         <a:font script="Uigh" typeface="Microsoft Uighur"/>
         <a:font script="Geor" typeface="Sylfaen"/>
-        <a:font script="Armn" typeface="Arial"/>
-        <a:font script="Bugi" typeface="Leelawadee UI"/>
-        <a:font script="Bopo" typeface="Microsoft JhengHei"/>
-        <a:font script="Java" typeface="Javanese Text"/>
-        <a:font script="Lisu" typeface="Segoe UI"/>
-        <a:font script="Mymr" typeface="Myanmar Text"/>
-        <a:font script="Nkoo" typeface="Ebrima"/>
-        <a:font script="Olck" typeface="Nirmala UI"/>
-        <a:font script="Osma" typeface="Ebrima"/>
-        <a:font script="Phag" typeface="Phagspa"/>
-        <a:font script="Syrn" typeface="Estrangelo Edessa"/>
-        <a:font script="Syrj" typeface="Estrangelo Edessa"/>
-        <a:font script="Syre" typeface="Estrangelo Edessa"/>
-        <a:font script="Sora" typeface="Nirmala UI"/>
-        <a:font script="Tale" typeface="Microsoft Tai Le"/>
-        <a:font script="Talu" typeface="Microsoft New Tai Lue"/>
-        <a:font script="Tfng" typeface="Ebrima"/>
+      </a:majorFont>
+      <a:minorFont>
+        <a:latin typeface="Corbel" panose="020B0503020204020204"/>
+        <a:ea typeface=""/>
+        <a:cs typeface=""/>
+        <a:font script="Jpan" typeface="HGｺﾞｼｯｸM"/>
+        <a:font script="Hang" typeface="HY엽서L"/>
+        <a:font script="Hans" typeface="华文楷体"/>
+        <a:font script="Hant" typeface="新細明體"/>
+        <a:font script="Arab" typeface="Tahoma"/>
+        <a:font script="Hebr" typeface="Miriam"/>
+        <a:font script="Thai" typeface="DilleniaUPC"/>
+        <a:font script="Ethi" typeface="Nyala"/>
+        <a:font script="Beng" typeface="Vrinda"/>
+        <a:font script="Gujr" typeface="Shruti"/>
+        <a:font script="Khmr" typeface="DaunPenh"/>
+        <a:font script="Knda" typeface="Tunga"/>
+        <a:font script="Guru" typeface="Raavi"/>
+        <a:font script="Cans" typeface="Euphemia"/>
+        <a:font script="Cher" typeface="Plantagenet Cherokee"/>
+        <a:font script="Yiii" typeface="Microsoft Yi Baiti"/>
+        <a:font script="Tibt" typeface="Microsoft Himalaya"/>
+        <a:font script="Thaa" typeface="MV Boli"/>
+        <a:font script="Deva" typeface="Mangal"/>
+        <a:font script="Telu" typeface="Gautami"/>
+        <a:font script="Taml" typeface="Latha"/>
+        <a:font script="Syrc" typeface="Estrangelo Edessa"/>
+        <a:font script="Orya" typeface="Kalinga"/>
+        <a:font script="Mlym" typeface="Kartika"/>
+        <a:font script="Laoo" typeface="DokChampa"/>
+        <a:font script="Sinh" typeface="Iskoola Pota"/>
+        <a:font script="Mong" typeface="Mongolian Baiti"/>
+        <a:font script="Viet" typeface="Arial"/>
+        <a:font script="Uigh" typeface="Microsoft Uighur"/>
+        <a:font script="Geor" typeface="Sylfaen"/>
       </a:minorFont>
     </a:fontScheme>
-    <a:fmtScheme name="Office">
+    <a:fmtScheme name="Parallax">
       <a:fillStyleLst>
         <a:solidFill>
           <a:schemeClr val="phClr"/>
@@ -3678,23 +7111,13 @@
           <a:gsLst>
             <a:gs pos="0">
               <a:schemeClr val="phClr">
-                <a:lumMod val="110000"/>
-                <a:satMod val="105000"/>
-                <a:tint val="67000"/>
-              </a:schemeClr>
-            </a:gs>
-            <a:gs pos="50000">
-              <a:schemeClr val="phClr">
-                <a:lumMod val="105000"/>
-                <a:satMod val="103000"/>
-                <a:tint val="73000"/>
+                <a:tint val="60000"/>
+                <a:lumMod val="104000"/>
               </a:schemeClr>
             </a:gs>
             <a:gs pos="100000">
               <a:schemeClr val="phClr">
-                <a:lumMod val="105000"/>
-                <a:satMod val="109000"/>
-                <a:tint val="81000"/>
+                <a:tint val="84000"/>
               </a:schemeClr>
             </a:gs>
           </a:gsLst>
@@ -3704,50 +7127,42 @@
           <a:gsLst>
             <a:gs pos="0">
               <a:schemeClr val="phClr">
-                <a:satMod val="103000"/>
+                <a:tint val="96000"/>
                 <a:lumMod val="102000"/>
-                <a:tint val="94000"/>
-              </a:schemeClr>
-            </a:gs>
-            <a:gs pos="50000">
-              <a:schemeClr val="phClr">
-                <a:satMod val="110000"/>
-                <a:lumMod val="100000"/>
-                <a:shade val="100000"/>
               </a:schemeClr>
             </a:gs>
             <a:gs pos="100000">
               <a:schemeClr val="phClr">
-                <a:lumMod val="99000"/>
-                <a:satMod val="120000"/>
-                <a:shade val="78000"/>
+                <a:shade val="88000"/>
+                <a:lumMod val="94000"/>
               </a:schemeClr>
             </a:gs>
           </a:gsLst>
-          <a:lin ang="5400000" scaled="0"/>
+          <a:path path="circle">
+            <a:fillToRect l="50000" t="100000" r="100000" b="50000"/>
+          </a:path>
         </a:gradFill>
       </a:fillStyleLst>
       <a:lnStyleLst>
-        <a:ln w="6350" cap="flat" cmpd="sng" algn="ctr">
+        <a:ln w="9525" cap="rnd" cmpd="sng" algn="ctr">
+          <a:solidFill>
+            <a:schemeClr val="phClr">
+              <a:tint val="60000"/>
+            </a:schemeClr>
+          </a:solidFill>
+          <a:prstDash val="solid"/>
+        </a:ln>
+        <a:ln w="15875" cap="rnd" cmpd="sng" algn="ctr">
           <a:solidFill>
             <a:schemeClr val="phClr"/>
           </a:solidFill>
           <a:prstDash val="solid"/>
-          <a:miter lim="800000"/>
         </a:ln>
-        <a:ln w="12700" cap="flat" cmpd="sng" algn="ctr">
+        <a:ln w="22225" cap="rnd" cmpd="sng" algn="ctr">
           <a:solidFill>
             <a:schemeClr val="phClr"/>
           </a:solidFill>
           <a:prstDash val="solid"/>
-          <a:miter lim="800000"/>
-        </a:ln>
-        <a:ln w="19050" cap="flat" cmpd="sng" algn="ctr">
-          <a:solidFill>
-            <a:schemeClr val="phClr"/>
-          </a:solidFill>
-          <a:prstDash val="solid"/>
-          <a:miter lim="800000"/>
         </a:ln>
       </a:lnStyleLst>
       <a:effectStyleLst>
@@ -3755,55 +7170,68 @@
           <a:effectLst/>
         </a:effectStyle>
         <a:effectStyle>
-          <a:effectLst/>
+          <a:effectLst>
+            <a:reflection blurRad="12700" stA="26000" endPos="32000" dist="12700" dir="5400000" sy="-100000" rotWithShape="0"/>
+          </a:effectLst>
         </a:effectStyle>
         <a:effectStyle>
           <a:effectLst>
-            <a:outerShdw blurRad="57150" dist="19050" dir="5400000" algn="ctr" rotWithShape="0">
+            <a:outerShdw blurRad="38100" dist="25400" dir="5400000" rotWithShape="0">
               <a:srgbClr val="000000">
-                <a:alpha val="63000"/>
+                <a:alpha val="64000"/>
               </a:srgbClr>
             </a:outerShdw>
           </a:effectLst>
+          <a:scene3d>
+            <a:camera prst="orthographicFront">
+              <a:rot lat="0" lon="0" rev="0"/>
+            </a:camera>
+            <a:lightRig rig="threePt" dir="tl">
+              <a:rot lat="0" lon="0" rev="1200000"/>
+            </a:lightRig>
+          </a:scene3d>
+          <a:sp3d>
+            <a:bevelT w="25400" h="12700"/>
+          </a:sp3d>
         </a:effectStyle>
       </a:effectStyleLst>
       <a:bgFillStyleLst>
         <a:solidFill>
           <a:schemeClr val="phClr"/>
         </a:solidFill>
-        <a:solidFill>
-          <a:schemeClr val="phClr">
-            <a:tint val="95000"/>
-            <a:satMod val="170000"/>
-          </a:schemeClr>
-        </a:solidFill>
         <a:gradFill rotWithShape="1">
           <a:gsLst>
             <a:gs pos="0">
               <a:schemeClr val="phClr">
-                <a:tint val="93000"/>
-                <a:satMod val="150000"/>
-                <a:shade val="98000"/>
-                <a:lumMod val="102000"/>
-              </a:schemeClr>
-            </a:gs>
-            <a:gs pos="50000">
-              <a:schemeClr val="phClr">
-                <a:tint val="98000"/>
-                <a:satMod val="130000"/>
-                <a:shade val="90000"/>
-                <a:lumMod val="103000"/>
+                <a:tint val="90000"/>
+                <a:lumMod val="110000"/>
               </a:schemeClr>
             </a:gs>
             <a:gs pos="100000">
               <a:schemeClr val="phClr">
-                <a:shade val="63000"/>
-                <a:satMod val="120000"/>
+                <a:shade val="64000"/>
+                <a:lumMod val="98000"/>
               </a:schemeClr>
             </a:gs>
           </a:gsLst>
           <a:lin ang="5400000" scaled="0"/>
         </a:gradFill>
+        <a:blipFill rotWithShape="1">
+          <a:blip xmlns:r="http://schemas.openxmlformats.org/officeDocument/2006/relationships" r:embed="rId1">
+            <a:duotone>
+              <a:schemeClr val="phClr">
+                <a:shade val="76000"/>
+                <a:satMod val="180000"/>
+              </a:schemeClr>
+              <a:schemeClr val="phClr">
+                <a:tint val="80000"/>
+                <a:satMod val="120000"/>
+                <a:lumMod val="180000"/>
+              </a:schemeClr>
+            </a:duotone>
+          </a:blip>
+          <a:stretch/>
+        </a:blipFill>
       </a:bgFillStyleLst>
     </a:fmtScheme>
   </a:themeElements>
@@ -3811,7 +7239,7 @@
   <a:extraClrSchemeLst/>
   <a:extLst>
     <a:ext uri="{05A4C25C-085E-4340-85A3-A5531E510DB2}">
-      <thm15:themeFamily xmlns:thm15="http://schemas.microsoft.com/office/thememl/2012/main" name="Office Theme" id="{62F939B6-93AF-4DB8-9C6B-D6C7DFDC589F}" vid="{4A3C46E8-61CC-4603-A589-7422A47A8E4A}"/>
+      <thm15:themeFamily xmlns:thm15="http://schemas.microsoft.com/office/thememl/2012/main" name="Parallax" id="{3388167B-A2EB-4685-9635-1831D9AEF8C4}" vid="{93B4CCAC-FD5A-4D59-B1AC-EAF45910B5A9}"/>
     </a:ext>
   </a:extLst>
 </a:theme>
